--- a/main.pptx
+++ b/main.pptx
@@ -4,8 +4,16 @@
   <p:sldMasterIdLst>
     <p:sldMasterId id="2147483648" r:id="rId1"/>
   </p:sldMasterIdLst>
+  <p:notesMasterIdLst>
+    <p:notesMasterId r:id="rId8"/>
+  </p:notesMasterIdLst>
   <p:sldIdLst>
     <p:sldId id="256" r:id="rId2"/>
+    <p:sldId id="257" r:id="rId3"/>
+    <p:sldId id="258" r:id="rId4"/>
+    <p:sldId id="277" r:id="rId5"/>
+    <p:sldId id="264" r:id="rId6"/>
+    <p:sldId id="274" r:id="rId7"/>
   </p:sldIdLst>
   <p:sldSz cx="12192000" cy="6858000"/>
   <p:notesSz cx="6858000" cy="9144000"/>
@@ -107,6 +115,1153 @@
 </p:presentation>
 </file>
 
+<file path=ppt/notesMasters/notesMaster1.xml><?xml version="1.0" encoding="utf-8"?>
+<p:notesMaster xmlns:a="http://schemas.openxmlformats.org/drawingml/2006/main" xmlns:r="http://schemas.openxmlformats.org/officeDocument/2006/relationships" xmlns:p="http://schemas.openxmlformats.org/presentationml/2006/main">
+  <p:cSld>
+    <p:bg>
+      <p:bgRef idx="1001">
+        <a:schemeClr val="bg1"/>
+      </p:bgRef>
+    </p:bg>
+    <p:spTree>
+      <p:nvGrpSpPr>
+        <p:cNvPr id="1" name=""/>
+        <p:cNvGrpSpPr/>
+        <p:nvPr/>
+      </p:nvGrpSpPr>
+      <p:grpSpPr>
+        <a:xfrm>
+          <a:off x="0" y="0"/>
+          <a:ext cx="0" cy="0"/>
+          <a:chOff x="0" y="0"/>
+          <a:chExt cx="0" cy="0"/>
+        </a:xfrm>
+      </p:grpSpPr>
+      <p:sp>
+        <p:nvSpPr>
+          <p:cNvPr id="2" name="Header Placeholder 1"/>
+          <p:cNvSpPr>
+            <a:spLocks noGrp="1"/>
+          </p:cNvSpPr>
+          <p:nvPr>
+            <p:ph type="hdr" sz="quarter"/>
+          </p:nvPr>
+        </p:nvSpPr>
+        <p:spPr>
+          <a:xfrm>
+            <a:off x="0" y="0"/>
+            <a:ext cx="2971800" cy="458788"/>
+          </a:xfrm>
+          <a:prstGeom prst="rect">
+            <a:avLst/>
+          </a:prstGeom>
+        </p:spPr>
+        <p:txBody>
+          <a:bodyPr vert="horz" lIns="91440" tIns="45720" rIns="91440" bIns="45720" rtlCol="0"/>
+          <a:lstStyle>
+            <a:lvl1pPr algn="l">
+              <a:defRPr sz="1200"/>
+            </a:lvl1pPr>
+          </a:lstStyle>
+          <a:p>
+            <a:endParaRPr lang="en-US"/>
+          </a:p>
+        </p:txBody>
+      </p:sp>
+      <p:sp>
+        <p:nvSpPr>
+          <p:cNvPr id="3" name="Date Placeholder 2"/>
+          <p:cNvSpPr>
+            <a:spLocks noGrp="1"/>
+          </p:cNvSpPr>
+          <p:nvPr>
+            <p:ph type="dt" idx="1"/>
+          </p:nvPr>
+        </p:nvSpPr>
+        <p:spPr>
+          <a:xfrm>
+            <a:off x="3884613" y="0"/>
+            <a:ext cx="2971800" cy="458788"/>
+          </a:xfrm>
+          <a:prstGeom prst="rect">
+            <a:avLst/>
+          </a:prstGeom>
+        </p:spPr>
+        <p:txBody>
+          <a:bodyPr vert="horz" lIns="91440" tIns="45720" rIns="91440" bIns="45720" rtlCol="0"/>
+          <a:lstStyle>
+            <a:lvl1pPr algn="r">
+              <a:defRPr sz="1200"/>
+            </a:lvl1pPr>
+          </a:lstStyle>
+          <a:p>
+            <a:fld id="{EFB2F92B-EF58-4FBF-BC97-6B362589B675}" type="datetimeFigureOut">
+              <a:rPr lang="en-US" smtClean="0"/>
+              <a:t>6/1/2023</a:t>
+            </a:fld>
+            <a:endParaRPr lang="en-US"/>
+          </a:p>
+        </p:txBody>
+      </p:sp>
+      <p:sp>
+        <p:nvSpPr>
+          <p:cNvPr id="4" name="Slide Image Placeholder 3"/>
+          <p:cNvSpPr>
+            <a:spLocks noGrp="1" noRot="1" noChangeAspect="1"/>
+          </p:cNvSpPr>
+          <p:nvPr>
+            <p:ph type="sldImg" idx="2"/>
+          </p:nvPr>
+        </p:nvSpPr>
+        <p:spPr>
+          <a:xfrm>
+            <a:off x="685800" y="1143000"/>
+            <a:ext cx="5486400" cy="3086100"/>
+          </a:xfrm>
+          <a:prstGeom prst="rect">
+            <a:avLst/>
+          </a:prstGeom>
+          <a:noFill/>
+          <a:ln w="12700">
+            <a:solidFill>
+              <a:prstClr val="black"/>
+            </a:solidFill>
+          </a:ln>
+        </p:spPr>
+        <p:txBody>
+          <a:bodyPr vert="horz" lIns="91440" tIns="45720" rIns="91440" bIns="45720" rtlCol="0" anchor="ctr"/>
+          <a:lstStyle/>
+          <a:p>
+            <a:endParaRPr lang="en-US"/>
+          </a:p>
+        </p:txBody>
+      </p:sp>
+      <p:sp>
+        <p:nvSpPr>
+          <p:cNvPr id="5" name="Notes Placeholder 4"/>
+          <p:cNvSpPr>
+            <a:spLocks noGrp="1"/>
+          </p:cNvSpPr>
+          <p:nvPr>
+            <p:ph type="body" sz="quarter" idx="3"/>
+          </p:nvPr>
+        </p:nvSpPr>
+        <p:spPr>
+          <a:xfrm>
+            <a:off x="685800" y="4400550"/>
+            <a:ext cx="5486400" cy="3600450"/>
+          </a:xfrm>
+          <a:prstGeom prst="rect">
+            <a:avLst/>
+          </a:prstGeom>
+        </p:spPr>
+        <p:txBody>
+          <a:bodyPr vert="horz" lIns="91440" tIns="45720" rIns="91440" bIns="45720" rtlCol="0"/>
+          <a:lstStyle/>
+          <a:p>
+            <a:pPr lvl="0"/>
+            <a:r>
+              <a:rPr lang="en-US"/>
+              <a:t>Click to edit Master text styles</a:t>
+            </a:r>
+          </a:p>
+          <a:p>
+            <a:pPr lvl="1"/>
+            <a:r>
+              <a:rPr lang="en-US"/>
+              <a:t>Second level</a:t>
+            </a:r>
+          </a:p>
+          <a:p>
+            <a:pPr lvl="2"/>
+            <a:r>
+              <a:rPr lang="en-US"/>
+              <a:t>Third level</a:t>
+            </a:r>
+          </a:p>
+          <a:p>
+            <a:pPr lvl="3"/>
+            <a:r>
+              <a:rPr lang="en-US"/>
+              <a:t>Fourth level</a:t>
+            </a:r>
+          </a:p>
+          <a:p>
+            <a:pPr lvl="4"/>
+            <a:r>
+              <a:rPr lang="en-US"/>
+              <a:t>Fifth level</a:t>
+            </a:r>
+          </a:p>
+        </p:txBody>
+      </p:sp>
+      <p:sp>
+        <p:nvSpPr>
+          <p:cNvPr id="6" name="Footer Placeholder 5"/>
+          <p:cNvSpPr>
+            <a:spLocks noGrp="1"/>
+          </p:cNvSpPr>
+          <p:nvPr>
+            <p:ph type="ftr" sz="quarter" idx="4"/>
+          </p:nvPr>
+        </p:nvSpPr>
+        <p:spPr>
+          <a:xfrm>
+            <a:off x="0" y="8685213"/>
+            <a:ext cx="2971800" cy="458787"/>
+          </a:xfrm>
+          <a:prstGeom prst="rect">
+            <a:avLst/>
+          </a:prstGeom>
+        </p:spPr>
+        <p:txBody>
+          <a:bodyPr vert="horz" lIns="91440" tIns="45720" rIns="91440" bIns="45720" rtlCol="0" anchor="b"/>
+          <a:lstStyle>
+            <a:lvl1pPr algn="l">
+              <a:defRPr sz="1200"/>
+            </a:lvl1pPr>
+          </a:lstStyle>
+          <a:p>
+            <a:endParaRPr lang="en-US"/>
+          </a:p>
+        </p:txBody>
+      </p:sp>
+      <p:sp>
+        <p:nvSpPr>
+          <p:cNvPr id="7" name="Slide Number Placeholder 6"/>
+          <p:cNvSpPr>
+            <a:spLocks noGrp="1"/>
+          </p:cNvSpPr>
+          <p:nvPr>
+            <p:ph type="sldNum" sz="quarter" idx="5"/>
+          </p:nvPr>
+        </p:nvSpPr>
+        <p:spPr>
+          <a:xfrm>
+            <a:off x="3884613" y="8685213"/>
+            <a:ext cx="2971800" cy="458787"/>
+          </a:xfrm>
+          <a:prstGeom prst="rect">
+            <a:avLst/>
+          </a:prstGeom>
+        </p:spPr>
+        <p:txBody>
+          <a:bodyPr vert="horz" lIns="91440" tIns="45720" rIns="91440" bIns="45720" rtlCol="0" anchor="b"/>
+          <a:lstStyle>
+            <a:lvl1pPr algn="r">
+              <a:defRPr sz="1200"/>
+            </a:lvl1pPr>
+          </a:lstStyle>
+          <a:p>
+            <a:fld id="{C1219441-EE12-4960-81EB-EDE738FBC38F}" type="slidenum">
+              <a:rPr lang="en-US" smtClean="0"/>
+              <a:t>‹#›</a:t>
+            </a:fld>
+            <a:endParaRPr lang="en-US"/>
+          </a:p>
+        </p:txBody>
+      </p:sp>
+    </p:spTree>
+    <p:extLst>
+      <p:ext uri="{BB962C8B-B14F-4D97-AF65-F5344CB8AC3E}">
+        <p14:creationId xmlns:p14="http://schemas.microsoft.com/office/powerpoint/2010/main" val="1536412487"/>
+      </p:ext>
+    </p:extLst>
+  </p:cSld>
+  <p:clrMap bg1="lt1" tx1="dk1" bg2="lt2" tx2="dk2" accent1="accent1" accent2="accent2" accent3="accent3" accent4="accent4" accent5="accent5" accent6="accent6" hlink="hlink" folHlink="folHlink"/>
+  <p:notesStyle>
+    <a:lvl1pPr marL="0" algn="l" defTabSz="914400" rtl="0" eaLnBrk="1" latinLnBrk="0" hangingPunct="1">
+      <a:defRPr sz="1200" kern="1200">
+        <a:solidFill>
+          <a:schemeClr val="tx1"/>
+        </a:solidFill>
+        <a:latin typeface="+mn-lt"/>
+        <a:ea typeface="+mn-ea"/>
+        <a:cs typeface="+mn-cs"/>
+      </a:defRPr>
+    </a:lvl1pPr>
+    <a:lvl2pPr marL="457200" algn="l" defTabSz="914400" rtl="0" eaLnBrk="1" latinLnBrk="0" hangingPunct="1">
+      <a:defRPr sz="1200" kern="1200">
+        <a:solidFill>
+          <a:schemeClr val="tx1"/>
+        </a:solidFill>
+        <a:latin typeface="+mn-lt"/>
+        <a:ea typeface="+mn-ea"/>
+        <a:cs typeface="+mn-cs"/>
+      </a:defRPr>
+    </a:lvl2pPr>
+    <a:lvl3pPr marL="914400" algn="l" defTabSz="914400" rtl="0" eaLnBrk="1" latinLnBrk="0" hangingPunct="1">
+      <a:defRPr sz="1200" kern="1200">
+        <a:solidFill>
+          <a:schemeClr val="tx1"/>
+        </a:solidFill>
+        <a:latin typeface="+mn-lt"/>
+        <a:ea typeface="+mn-ea"/>
+        <a:cs typeface="+mn-cs"/>
+      </a:defRPr>
+    </a:lvl3pPr>
+    <a:lvl4pPr marL="1371600" algn="l" defTabSz="914400" rtl="0" eaLnBrk="1" latinLnBrk="0" hangingPunct="1">
+      <a:defRPr sz="1200" kern="1200">
+        <a:solidFill>
+          <a:schemeClr val="tx1"/>
+        </a:solidFill>
+        <a:latin typeface="+mn-lt"/>
+        <a:ea typeface="+mn-ea"/>
+        <a:cs typeface="+mn-cs"/>
+      </a:defRPr>
+    </a:lvl4pPr>
+    <a:lvl5pPr marL="1828800" algn="l" defTabSz="914400" rtl="0" eaLnBrk="1" latinLnBrk="0" hangingPunct="1">
+      <a:defRPr sz="1200" kern="1200">
+        <a:solidFill>
+          <a:schemeClr val="tx1"/>
+        </a:solidFill>
+        <a:latin typeface="+mn-lt"/>
+        <a:ea typeface="+mn-ea"/>
+        <a:cs typeface="+mn-cs"/>
+      </a:defRPr>
+    </a:lvl5pPr>
+    <a:lvl6pPr marL="2286000" algn="l" defTabSz="914400" rtl="0" eaLnBrk="1" latinLnBrk="0" hangingPunct="1">
+      <a:defRPr sz="1200" kern="1200">
+        <a:solidFill>
+          <a:schemeClr val="tx1"/>
+        </a:solidFill>
+        <a:latin typeface="+mn-lt"/>
+        <a:ea typeface="+mn-ea"/>
+        <a:cs typeface="+mn-cs"/>
+      </a:defRPr>
+    </a:lvl6pPr>
+    <a:lvl7pPr marL="2743200" algn="l" defTabSz="914400" rtl="0" eaLnBrk="1" latinLnBrk="0" hangingPunct="1">
+      <a:defRPr sz="1200" kern="1200">
+        <a:solidFill>
+          <a:schemeClr val="tx1"/>
+        </a:solidFill>
+        <a:latin typeface="+mn-lt"/>
+        <a:ea typeface="+mn-ea"/>
+        <a:cs typeface="+mn-cs"/>
+      </a:defRPr>
+    </a:lvl7pPr>
+    <a:lvl8pPr marL="3200400" algn="l" defTabSz="914400" rtl="0" eaLnBrk="1" latinLnBrk="0" hangingPunct="1">
+      <a:defRPr sz="1200" kern="1200">
+        <a:solidFill>
+          <a:schemeClr val="tx1"/>
+        </a:solidFill>
+        <a:latin typeface="+mn-lt"/>
+        <a:ea typeface="+mn-ea"/>
+        <a:cs typeface="+mn-cs"/>
+      </a:defRPr>
+    </a:lvl8pPr>
+    <a:lvl9pPr marL="3657600" algn="l" defTabSz="914400" rtl="0" eaLnBrk="1" latinLnBrk="0" hangingPunct="1">
+      <a:defRPr sz="1200" kern="1200">
+        <a:solidFill>
+          <a:schemeClr val="tx1"/>
+        </a:solidFill>
+        <a:latin typeface="+mn-lt"/>
+        <a:ea typeface="+mn-ea"/>
+        <a:cs typeface="+mn-cs"/>
+      </a:defRPr>
+    </a:lvl9pPr>
+  </p:notesStyle>
+</p:notesMaster>
+</file>
+
+<file path=ppt/notesSlides/notesSlide1.xml><?xml version="1.0" encoding="utf-8"?>
+<p:notes xmlns:a="http://schemas.openxmlformats.org/drawingml/2006/main" xmlns:r="http://schemas.openxmlformats.org/officeDocument/2006/relationships" xmlns:p="http://schemas.openxmlformats.org/presentationml/2006/main" showMasterSp="0" showMasterPhAnim="0">
+  <p:cSld>
+    <p:spTree>
+      <p:nvGrpSpPr>
+        <p:cNvPr id="1" name="Shape 39"/>
+        <p:cNvGrpSpPr/>
+        <p:nvPr/>
+      </p:nvGrpSpPr>
+      <p:grpSpPr>
+        <a:xfrm>
+          <a:off x="0" y="0"/>
+          <a:ext cx="0" cy="0"/>
+          <a:chOff x="0" y="0"/>
+          <a:chExt cx="0" cy="0"/>
+        </a:xfrm>
+      </p:grpSpPr>
+      <p:sp>
+        <p:nvSpPr>
+          <p:cNvPr id="40" name="Google Shape;40;g1f083006354_0_200:notes"/>
+          <p:cNvSpPr>
+            <a:spLocks noGrp="1" noRot="1" noChangeAspect="1"/>
+          </p:cNvSpPr>
+          <p:nvPr>
+            <p:ph type="sldImg" idx="2"/>
+          </p:nvPr>
+        </p:nvSpPr>
+        <p:spPr>
+          <a:xfrm>
+            <a:off x="381000" y="685800"/>
+            <a:ext cx="6096000" cy="3429000"/>
+          </a:xfrm>
+          <a:custGeom>
+            <a:avLst/>
+            <a:gdLst/>
+            <a:ahLst/>
+            <a:cxnLst/>
+            <a:rect l="l" t="t" r="r" b="b"/>
+            <a:pathLst>
+              <a:path w="120000" h="120000" extrusionOk="0">
+                <a:moveTo>
+                  <a:pt x="0" y="0"/>
+                </a:moveTo>
+                <a:lnTo>
+                  <a:pt x="120000" y="0"/>
+                </a:lnTo>
+                <a:lnTo>
+                  <a:pt x="120000" y="120000"/>
+                </a:lnTo>
+                <a:lnTo>
+                  <a:pt x="0" y="120000"/>
+                </a:lnTo>
+                <a:close/>
+              </a:path>
+            </a:pathLst>
+          </a:custGeom>
+          <a:noFill/>
+          <a:ln w="12700" cap="flat" cmpd="sng">
+            <a:solidFill>
+              <a:srgbClr val="000000"/>
+            </a:solidFill>
+            <a:prstDash val="solid"/>
+            <a:round/>
+            <a:headEnd type="none" w="sm" len="sm"/>
+            <a:tailEnd type="none" w="sm" len="sm"/>
+          </a:ln>
+        </p:spPr>
+      </p:sp>
+      <p:sp>
+        <p:nvSpPr>
+          <p:cNvPr id="41" name="Google Shape;41;g1f083006354_0_200:notes"/>
+          <p:cNvSpPr txBox="1">
+            <a:spLocks noGrp="1"/>
+          </p:cNvSpPr>
+          <p:nvPr>
+            <p:ph type="body" idx="1"/>
+          </p:nvPr>
+        </p:nvSpPr>
+        <p:spPr>
+          <a:xfrm>
+            <a:off x="685800" y="4343400"/>
+            <a:ext cx="5486400" cy="4114800"/>
+          </a:xfrm>
+          <a:prstGeom prst="rect">
+            <a:avLst/>
+          </a:prstGeom>
+          <a:noFill/>
+          <a:ln>
+            <a:noFill/>
+          </a:ln>
+        </p:spPr>
+        <p:txBody>
+          <a:bodyPr spcFirstLastPara="1" wrap="square" lIns="91425" tIns="91425" rIns="91425" bIns="91425" anchor="t" anchorCtr="0">
+            <a:noAutofit/>
+          </a:bodyPr>
+          <a:lstStyle/>
+          <a:p>
+            <a:pPr marL="0" lvl="0" indent="0" algn="just" rtl="0">
+              <a:lnSpc>
+                <a:spcPct val="115000"/>
+              </a:lnSpc>
+              <a:spcBef>
+                <a:spcPts val="1200"/>
+              </a:spcBef>
+              <a:spcAft>
+                <a:spcPts val="0"/>
+              </a:spcAft>
+              <a:buClr>
+                <a:schemeClr val="dk1"/>
+              </a:buClr>
+              <a:buSzPts val="1100"/>
+              <a:buFont typeface="Arial"/>
+              <a:buNone/>
+            </a:pPr>
+            <a:endParaRPr sz="1800" b="0"/>
+          </a:p>
+        </p:txBody>
+      </p:sp>
+    </p:spTree>
+  </p:cSld>
+  <p:clrMapOvr>
+    <a:masterClrMapping/>
+  </p:clrMapOvr>
+</p:notes>
+</file>
+
+<file path=ppt/notesSlides/notesSlide2.xml><?xml version="1.0" encoding="utf-8"?>
+<p:notes xmlns:a="http://schemas.openxmlformats.org/drawingml/2006/main" xmlns:r="http://schemas.openxmlformats.org/officeDocument/2006/relationships" xmlns:p="http://schemas.openxmlformats.org/presentationml/2006/main" showMasterSp="0" showMasterPhAnim="0">
+  <p:cSld>
+    <p:spTree>
+      <p:nvGrpSpPr>
+        <p:cNvPr id="1" name="Shape 47"/>
+        <p:cNvGrpSpPr/>
+        <p:nvPr/>
+      </p:nvGrpSpPr>
+      <p:grpSpPr>
+        <a:xfrm>
+          <a:off x="0" y="0"/>
+          <a:ext cx="0" cy="0"/>
+          <a:chOff x="0" y="0"/>
+          <a:chExt cx="0" cy="0"/>
+        </a:xfrm>
+      </p:grpSpPr>
+      <p:sp>
+        <p:nvSpPr>
+          <p:cNvPr id="48" name="Google Shape;48;g1f083006354_0_62:notes"/>
+          <p:cNvSpPr>
+            <a:spLocks noGrp="1" noRot="1" noChangeAspect="1"/>
+          </p:cNvSpPr>
+          <p:nvPr>
+            <p:ph type="sldImg" idx="2"/>
+          </p:nvPr>
+        </p:nvSpPr>
+        <p:spPr>
+          <a:xfrm>
+            <a:off x="685800" y="1143000"/>
+            <a:ext cx="5486400" cy="3086100"/>
+          </a:xfrm>
+          <a:custGeom>
+            <a:avLst/>
+            <a:gdLst/>
+            <a:ahLst/>
+            <a:cxnLst/>
+            <a:rect l="l" t="t" r="r" b="b"/>
+            <a:pathLst>
+              <a:path w="120000" h="120000" extrusionOk="0">
+                <a:moveTo>
+                  <a:pt x="0" y="0"/>
+                </a:moveTo>
+                <a:lnTo>
+                  <a:pt x="120000" y="0"/>
+                </a:lnTo>
+                <a:lnTo>
+                  <a:pt x="120000" y="120000"/>
+                </a:lnTo>
+                <a:lnTo>
+                  <a:pt x="0" y="120000"/>
+                </a:lnTo>
+                <a:close/>
+              </a:path>
+            </a:pathLst>
+          </a:custGeom>
+          <a:noFill/>
+          <a:ln w="12700" cap="flat" cmpd="sng">
+            <a:solidFill>
+              <a:srgbClr val="000000"/>
+            </a:solidFill>
+            <a:prstDash val="solid"/>
+            <a:round/>
+            <a:headEnd type="none" w="sm" len="sm"/>
+            <a:tailEnd type="none" w="sm" len="sm"/>
+          </a:ln>
+        </p:spPr>
+      </p:sp>
+      <p:sp>
+        <p:nvSpPr>
+          <p:cNvPr id="49" name="Google Shape;49;g1f083006354_0_62:notes"/>
+          <p:cNvSpPr txBox="1">
+            <a:spLocks noGrp="1"/>
+          </p:cNvSpPr>
+          <p:nvPr>
+            <p:ph type="body" idx="1"/>
+          </p:nvPr>
+        </p:nvSpPr>
+        <p:spPr>
+          <a:xfrm>
+            <a:off x="685800" y="4400550"/>
+            <a:ext cx="5486400" cy="3600600"/>
+          </a:xfrm>
+          <a:prstGeom prst="rect">
+            <a:avLst/>
+          </a:prstGeom>
+          <a:noFill/>
+          <a:ln>
+            <a:noFill/>
+          </a:ln>
+        </p:spPr>
+        <p:txBody>
+          <a:bodyPr spcFirstLastPara="1" wrap="square" lIns="91425" tIns="45700" rIns="91425" bIns="45700" anchor="t" anchorCtr="0">
+            <a:noAutofit/>
+          </a:bodyPr>
+          <a:lstStyle/>
+          <a:p>
+            <a:pPr marL="0" lvl="0" indent="0" algn="l" rtl="0">
+              <a:lnSpc>
+                <a:spcPct val="100000"/>
+              </a:lnSpc>
+              <a:spcBef>
+                <a:spcPts val="0"/>
+              </a:spcBef>
+              <a:spcAft>
+                <a:spcPts val="0"/>
+              </a:spcAft>
+              <a:buSzPts val="1400"/>
+              <a:buNone/>
+            </a:pPr>
+            <a:endParaRPr/>
+          </a:p>
+        </p:txBody>
+      </p:sp>
+      <p:sp>
+        <p:nvSpPr>
+          <p:cNvPr id="50" name="Google Shape;50;g1f083006354_0_62:notes"/>
+          <p:cNvSpPr txBox="1">
+            <a:spLocks noGrp="1"/>
+          </p:cNvSpPr>
+          <p:nvPr>
+            <p:ph type="sldNum" idx="12"/>
+          </p:nvPr>
+        </p:nvSpPr>
+        <p:spPr>
+          <a:xfrm>
+            <a:off x="3884613" y="8685213"/>
+            <a:ext cx="2971800" cy="458700"/>
+          </a:xfrm>
+          <a:prstGeom prst="rect">
+            <a:avLst/>
+          </a:prstGeom>
+          <a:noFill/>
+          <a:ln>
+            <a:noFill/>
+          </a:ln>
+        </p:spPr>
+        <p:txBody>
+          <a:bodyPr spcFirstLastPara="1" wrap="square" lIns="91425" tIns="45700" rIns="91425" bIns="45700" anchor="b" anchorCtr="0">
+            <a:noAutofit/>
+          </a:bodyPr>
+          <a:lstStyle/>
+          <a:p>
+            <a:pPr marL="0" marR="0" lvl="0" indent="0" algn="r" defTabSz="914400" rtl="0" eaLnBrk="1" fontAlgn="auto" latinLnBrk="0" hangingPunct="1">
+              <a:lnSpc>
+                <a:spcPct val="100000"/>
+              </a:lnSpc>
+              <a:spcBef>
+                <a:spcPts val="0"/>
+              </a:spcBef>
+              <a:spcAft>
+                <a:spcPts val="0"/>
+              </a:spcAft>
+              <a:buClr>
+                <a:srgbClr val="000000"/>
+              </a:buClr>
+              <a:buSzPts val="1200"/>
+              <a:buFont typeface="Calibri"/>
+              <a:buNone/>
+              <a:tabLst/>
+              <a:defRPr/>
+            </a:pPr>
+            <a:fld id="{00000000-1234-1234-1234-123412341234}" type="slidenum">
+              <a:rPr kumimoji="0" lang="fr-FR" sz="1200" b="0" i="0" u="none" strike="noStrike" kern="0" cap="none" spc="0" normalizeH="0" baseline="0" noProof="0">
+                <a:ln>
+                  <a:noFill/>
+                </a:ln>
+                <a:solidFill>
+                  <a:srgbClr val="000000"/>
+                </a:solidFill>
+                <a:effectLst/>
+                <a:uLnTx/>
+                <a:uFillTx/>
+                <a:latin typeface="Calibri"/>
+                <a:ea typeface="Calibri"/>
+                <a:cs typeface="Calibri"/>
+                <a:sym typeface="Calibri"/>
+              </a:rPr>
+              <a:pPr marL="0" marR="0" lvl="0" indent="0" algn="r" defTabSz="914400" rtl="0" eaLnBrk="1" fontAlgn="auto" latinLnBrk="0" hangingPunct="1">
+                <a:lnSpc>
+                  <a:spcPct val="100000"/>
+                </a:lnSpc>
+                <a:spcBef>
+                  <a:spcPts val="0"/>
+                </a:spcBef>
+                <a:spcAft>
+                  <a:spcPts val="0"/>
+                </a:spcAft>
+                <a:buClr>
+                  <a:srgbClr val="000000"/>
+                </a:buClr>
+                <a:buSzPts val="1200"/>
+                <a:buFont typeface="Calibri"/>
+                <a:buNone/>
+                <a:tabLst/>
+                <a:defRPr/>
+              </a:pPr>
+              <a:t>3</a:t>
+            </a:fld>
+            <a:endParaRPr kumimoji="0" sz="1200" b="0" i="0" u="none" strike="noStrike" kern="0" cap="none" spc="0" normalizeH="0" baseline="0" noProof="0">
+              <a:ln>
+                <a:noFill/>
+              </a:ln>
+              <a:solidFill>
+                <a:srgbClr val="000000"/>
+              </a:solidFill>
+              <a:effectLst/>
+              <a:uLnTx/>
+              <a:uFillTx/>
+              <a:latin typeface="Calibri"/>
+              <a:ea typeface="Calibri"/>
+              <a:cs typeface="Calibri"/>
+              <a:sym typeface="Calibri"/>
+            </a:endParaRPr>
+          </a:p>
+        </p:txBody>
+      </p:sp>
+    </p:spTree>
+  </p:cSld>
+  <p:clrMapOvr>
+    <a:masterClrMapping/>
+  </p:clrMapOvr>
+</p:notes>
+</file>
+
+<file path=ppt/notesSlides/notesSlide3.xml><?xml version="1.0" encoding="utf-8"?>
+<p:notes xmlns:a="http://schemas.openxmlformats.org/drawingml/2006/main" xmlns:r="http://schemas.openxmlformats.org/officeDocument/2006/relationships" xmlns:p="http://schemas.openxmlformats.org/presentationml/2006/main" showMasterSp="0" showMasterPhAnim="0">
+  <p:cSld>
+    <p:spTree>
+      <p:nvGrpSpPr>
+        <p:cNvPr id="1" name="Shape 192"/>
+        <p:cNvGrpSpPr/>
+        <p:nvPr/>
+      </p:nvGrpSpPr>
+      <p:grpSpPr>
+        <a:xfrm>
+          <a:off x="0" y="0"/>
+          <a:ext cx="0" cy="0"/>
+          <a:chOff x="0" y="0"/>
+          <a:chExt cx="0" cy="0"/>
+        </a:xfrm>
+      </p:grpSpPr>
+      <p:sp>
+        <p:nvSpPr>
+          <p:cNvPr id="193" name="Google Shape;193;p3:notes"/>
+          <p:cNvSpPr>
+            <a:spLocks noGrp="1" noRot="1" noChangeAspect="1"/>
+          </p:cNvSpPr>
+          <p:nvPr>
+            <p:ph type="sldImg" idx="2"/>
+          </p:nvPr>
+        </p:nvSpPr>
+        <p:spPr>
+          <a:xfrm>
+            <a:off x="381000" y="685800"/>
+            <a:ext cx="6096000" cy="3429000"/>
+          </a:xfrm>
+          <a:custGeom>
+            <a:avLst/>
+            <a:gdLst/>
+            <a:ahLst/>
+            <a:cxnLst/>
+            <a:rect l="l" t="t" r="r" b="b"/>
+            <a:pathLst>
+              <a:path w="120000" h="120000" extrusionOk="0">
+                <a:moveTo>
+                  <a:pt x="0" y="0"/>
+                </a:moveTo>
+                <a:lnTo>
+                  <a:pt x="120000" y="0"/>
+                </a:lnTo>
+                <a:lnTo>
+                  <a:pt x="120000" y="120000"/>
+                </a:lnTo>
+                <a:lnTo>
+                  <a:pt x="0" y="120000"/>
+                </a:lnTo>
+                <a:close/>
+              </a:path>
+            </a:pathLst>
+          </a:custGeom>
+          <a:noFill/>
+          <a:ln w="12700" cap="flat" cmpd="sng">
+            <a:solidFill>
+              <a:srgbClr val="000000"/>
+            </a:solidFill>
+            <a:prstDash val="solid"/>
+            <a:round/>
+            <a:headEnd type="none" w="sm" len="sm"/>
+            <a:tailEnd type="none" w="sm" len="sm"/>
+          </a:ln>
+        </p:spPr>
+      </p:sp>
+      <p:sp>
+        <p:nvSpPr>
+          <p:cNvPr id="194" name="Google Shape;194;p3:notes"/>
+          <p:cNvSpPr txBox="1">
+            <a:spLocks noGrp="1"/>
+          </p:cNvSpPr>
+          <p:nvPr>
+            <p:ph type="body" idx="1"/>
+          </p:nvPr>
+        </p:nvSpPr>
+        <p:spPr>
+          <a:xfrm>
+            <a:off x="685800" y="4343400"/>
+            <a:ext cx="5486400" cy="4114800"/>
+          </a:xfrm>
+          <a:prstGeom prst="rect">
+            <a:avLst/>
+          </a:prstGeom>
+          <a:noFill/>
+          <a:ln>
+            <a:noFill/>
+          </a:ln>
+        </p:spPr>
+        <p:txBody>
+          <a:bodyPr spcFirstLastPara="1" wrap="square" lIns="91425" tIns="91425" rIns="91425" bIns="91425" anchor="t" anchorCtr="0">
+            <a:noAutofit/>
+          </a:bodyPr>
+          <a:lstStyle/>
+          <a:p>
+            <a:pPr marL="0" lvl="0" indent="0" algn="l" rtl="0">
+              <a:lnSpc>
+                <a:spcPct val="115000"/>
+              </a:lnSpc>
+              <a:spcBef>
+                <a:spcPts val="1200"/>
+              </a:spcBef>
+              <a:spcAft>
+                <a:spcPts val="1200"/>
+              </a:spcAft>
+              <a:buClr>
+                <a:schemeClr val="dk1"/>
+              </a:buClr>
+              <a:buSzPts val="1100"/>
+              <a:buFont typeface="Arial"/>
+              <a:buNone/>
+            </a:pPr>
+            <a:r>
+              <a:rPr lang="fr-FR" sz="1800">
+                <a:solidFill>
+                  <a:srgbClr val="0000FF"/>
+                </a:solidFill>
+                <a:latin typeface="Arial"/>
+                <a:ea typeface="Arial"/>
+                <a:cs typeface="Arial"/>
+                <a:sym typeface="Arial"/>
+              </a:rPr>
+              <a:t>Annotate is our AI powered contouring tool, it has been in clinical use since 2019. We currently offer 150+ structures comprising OARS and Lymph nodes for both CT and over 70 structures for MR. Including our most recent release of CT substructures of the heart and SBRT Thorax. It takes up to 4 minutes for contours to be completed. Annotate is a robust solution that is completely plug and play. As soon as you have it installed you can take advantage of the expert contours without having to provide any training data.</a:t>
+            </a:r>
+            <a:endParaRPr sz="1800"/>
+          </a:p>
+        </p:txBody>
+      </p:sp>
+    </p:spTree>
+    <p:extLst>
+      <p:ext uri="{BB962C8B-B14F-4D97-AF65-F5344CB8AC3E}">
+        <p14:creationId xmlns:p14="http://schemas.microsoft.com/office/powerpoint/2010/main" val="1808066577"/>
+      </p:ext>
+    </p:extLst>
+  </p:cSld>
+  <p:clrMapOvr>
+    <a:masterClrMapping/>
+  </p:clrMapOvr>
+</p:notes>
+</file>
+
+<file path=ppt/notesSlides/notesSlide4.xml><?xml version="1.0" encoding="utf-8"?>
+<p:notes xmlns:a="http://schemas.openxmlformats.org/drawingml/2006/main" xmlns:r="http://schemas.openxmlformats.org/officeDocument/2006/relationships" xmlns:p="http://schemas.openxmlformats.org/presentationml/2006/main" showMasterSp="0" showMasterPhAnim="0">
+  <p:cSld>
+    <p:spTree>
+      <p:nvGrpSpPr>
+        <p:cNvPr id="1" name="Shape 267"/>
+        <p:cNvGrpSpPr/>
+        <p:nvPr/>
+      </p:nvGrpSpPr>
+      <p:grpSpPr>
+        <a:xfrm>
+          <a:off x="0" y="0"/>
+          <a:ext cx="0" cy="0"/>
+          <a:chOff x="0" y="0"/>
+          <a:chExt cx="0" cy="0"/>
+        </a:xfrm>
+      </p:grpSpPr>
+      <p:sp>
+        <p:nvSpPr>
+          <p:cNvPr id="268" name="Google Shape;268;p5:notes"/>
+          <p:cNvSpPr>
+            <a:spLocks noGrp="1" noRot="1" noChangeAspect="1"/>
+          </p:cNvSpPr>
+          <p:nvPr>
+            <p:ph type="sldImg" idx="2"/>
+          </p:nvPr>
+        </p:nvSpPr>
+        <p:spPr>
+          <a:xfrm>
+            <a:off x="381000" y="685800"/>
+            <a:ext cx="6096000" cy="3429000"/>
+          </a:xfrm>
+          <a:custGeom>
+            <a:avLst/>
+            <a:gdLst/>
+            <a:ahLst/>
+            <a:cxnLst/>
+            <a:rect l="l" t="t" r="r" b="b"/>
+            <a:pathLst>
+              <a:path w="120000" h="120000" extrusionOk="0">
+                <a:moveTo>
+                  <a:pt x="0" y="0"/>
+                </a:moveTo>
+                <a:lnTo>
+                  <a:pt x="120000" y="0"/>
+                </a:lnTo>
+                <a:lnTo>
+                  <a:pt x="120000" y="120000"/>
+                </a:lnTo>
+                <a:lnTo>
+                  <a:pt x="0" y="120000"/>
+                </a:lnTo>
+                <a:close/>
+              </a:path>
+            </a:pathLst>
+          </a:custGeom>
+          <a:noFill/>
+          <a:ln w="12700" cap="flat" cmpd="sng">
+            <a:solidFill>
+              <a:srgbClr val="000000"/>
+            </a:solidFill>
+            <a:prstDash val="solid"/>
+            <a:round/>
+            <a:headEnd type="none" w="sm" len="sm"/>
+            <a:tailEnd type="none" w="sm" len="sm"/>
+          </a:ln>
+        </p:spPr>
+      </p:sp>
+      <p:sp>
+        <p:nvSpPr>
+          <p:cNvPr id="269" name="Google Shape;269;p5:notes"/>
+          <p:cNvSpPr txBox="1">
+            <a:spLocks noGrp="1"/>
+          </p:cNvSpPr>
+          <p:nvPr>
+            <p:ph type="body" idx="1"/>
+          </p:nvPr>
+        </p:nvSpPr>
+        <p:spPr>
+          <a:xfrm>
+            <a:off x="685800" y="4343400"/>
+            <a:ext cx="5486400" cy="4114800"/>
+          </a:xfrm>
+          <a:prstGeom prst="rect">
+            <a:avLst/>
+          </a:prstGeom>
+          <a:noFill/>
+          <a:ln>
+            <a:noFill/>
+          </a:ln>
+        </p:spPr>
+        <p:txBody>
+          <a:bodyPr spcFirstLastPara="1" wrap="square" lIns="91425" tIns="91425" rIns="91425" bIns="91425" anchor="t" anchorCtr="0">
+            <a:noAutofit/>
+          </a:bodyPr>
+          <a:lstStyle/>
+          <a:p>
+            <a:pPr marL="0" lvl="0" indent="0" algn="l" rtl="0">
+              <a:lnSpc>
+                <a:spcPct val="115000"/>
+              </a:lnSpc>
+              <a:spcBef>
+                <a:spcPts val="1200"/>
+              </a:spcBef>
+              <a:spcAft>
+                <a:spcPts val="0"/>
+              </a:spcAft>
+              <a:buClr>
+                <a:schemeClr val="dk1"/>
+              </a:buClr>
+              <a:buSzPts val="1100"/>
+              <a:buFont typeface="Arial"/>
+              <a:buNone/>
+            </a:pPr>
+            <a:r>
+              <a:rPr lang="fr-FR" sz="1800">
+                <a:solidFill>
+                  <a:srgbClr val="0000FF"/>
+                </a:solidFill>
+                <a:latin typeface="Arial"/>
+                <a:ea typeface="Arial"/>
+                <a:cs typeface="Arial"/>
+                <a:sym typeface="Arial"/>
+              </a:rPr>
+              <a:t>The second module we will be discussing is MR Box. MR Box allows delineation on MR images and generation of pseudo CT’s from the MR’s to be used in your treatment planning system.</a:t>
+            </a:r>
+            <a:endParaRPr sz="1800">
+              <a:solidFill>
+                <a:srgbClr val="0000FF"/>
+              </a:solidFill>
+              <a:latin typeface="Arial"/>
+              <a:ea typeface="Arial"/>
+              <a:cs typeface="Arial"/>
+              <a:sym typeface="Arial"/>
+            </a:endParaRPr>
+          </a:p>
+          <a:p>
+            <a:pPr marL="0" lvl="0" indent="0" algn="l" rtl="0">
+              <a:lnSpc>
+                <a:spcPct val="115000"/>
+              </a:lnSpc>
+              <a:spcBef>
+                <a:spcPts val="1200"/>
+              </a:spcBef>
+              <a:spcAft>
+                <a:spcPts val="0"/>
+              </a:spcAft>
+              <a:buClr>
+                <a:schemeClr val="dk1"/>
+              </a:buClr>
+              <a:buSzPts val="1100"/>
+              <a:buFont typeface="Arial"/>
+              <a:buNone/>
+            </a:pPr>
+            <a:r>
+              <a:rPr lang="fr-FR" sz="1800">
+                <a:solidFill>
+                  <a:srgbClr val="0000FF"/>
+                </a:solidFill>
+                <a:latin typeface="Arial"/>
+                <a:ea typeface="Arial"/>
+                <a:cs typeface="Arial"/>
+                <a:sym typeface="Arial"/>
+              </a:rPr>
+              <a:t>Currently there are 3 MR sequences available. Brain T1, Pelvis T2, and Pelvis/abdo Truefisp for ViewRay MR Linac</a:t>
+            </a:r>
+            <a:endParaRPr sz="1800"/>
+          </a:p>
+        </p:txBody>
+      </p:sp>
+    </p:spTree>
+  </p:cSld>
+  <p:clrMapOvr>
+    <a:masterClrMapping/>
+  </p:clrMapOvr>
+</p:notes>
+</file>
+
+<file path=ppt/notesSlides/notesSlide5.xml><?xml version="1.0" encoding="utf-8"?>
+<p:notes xmlns:a="http://schemas.openxmlformats.org/drawingml/2006/main" xmlns:r="http://schemas.openxmlformats.org/officeDocument/2006/relationships" xmlns:p="http://schemas.openxmlformats.org/presentationml/2006/main" showMasterSp="0" showMasterPhAnim="0">
+  <p:cSld>
+    <p:spTree>
+      <p:nvGrpSpPr>
+        <p:cNvPr id="1" name="Shape 376"/>
+        <p:cNvGrpSpPr/>
+        <p:nvPr/>
+      </p:nvGrpSpPr>
+      <p:grpSpPr>
+        <a:xfrm>
+          <a:off x="0" y="0"/>
+          <a:ext cx="0" cy="0"/>
+          <a:chOff x="0" y="0"/>
+          <a:chExt cx="0" cy="0"/>
+        </a:xfrm>
+      </p:grpSpPr>
+      <p:sp>
+        <p:nvSpPr>
+          <p:cNvPr id="377" name="Google Shape;377;p13:notes"/>
+          <p:cNvSpPr>
+            <a:spLocks noGrp="1" noRot="1" noChangeAspect="1"/>
+          </p:cNvSpPr>
+          <p:nvPr>
+            <p:ph type="sldImg" idx="2"/>
+          </p:nvPr>
+        </p:nvSpPr>
+        <p:spPr>
+          <a:xfrm>
+            <a:off x="381000" y="685800"/>
+            <a:ext cx="6096000" cy="3429000"/>
+          </a:xfrm>
+          <a:custGeom>
+            <a:avLst/>
+            <a:gdLst/>
+            <a:ahLst/>
+            <a:cxnLst/>
+            <a:rect l="l" t="t" r="r" b="b"/>
+            <a:pathLst>
+              <a:path w="120000" h="120000" extrusionOk="0">
+                <a:moveTo>
+                  <a:pt x="0" y="0"/>
+                </a:moveTo>
+                <a:lnTo>
+                  <a:pt x="120000" y="0"/>
+                </a:lnTo>
+                <a:lnTo>
+                  <a:pt x="120000" y="120000"/>
+                </a:lnTo>
+                <a:lnTo>
+                  <a:pt x="0" y="120000"/>
+                </a:lnTo>
+                <a:close/>
+              </a:path>
+            </a:pathLst>
+          </a:custGeom>
+          <a:noFill/>
+          <a:ln w="12700" cap="flat" cmpd="sng">
+            <a:solidFill>
+              <a:srgbClr val="000000"/>
+            </a:solidFill>
+            <a:prstDash val="solid"/>
+            <a:round/>
+            <a:headEnd type="none" w="sm" len="sm"/>
+            <a:tailEnd type="none" w="sm" len="sm"/>
+          </a:ln>
+        </p:spPr>
+      </p:sp>
+      <p:sp>
+        <p:nvSpPr>
+          <p:cNvPr id="378" name="Google Shape;378;p13:notes"/>
+          <p:cNvSpPr txBox="1">
+            <a:spLocks noGrp="1"/>
+          </p:cNvSpPr>
+          <p:nvPr>
+            <p:ph type="body" idx="1"/>
+          </p:nvPr>
+        </p:nvSpPr>
+        <p:spPr>
+          <a:xfrm>
+            <a:off x="685800" y="4343400"/>
+            <a:ext cx="5486400" cy="4114800"/>
+          </a:xfrm>
+          <a:prstGeom prst="rect">
+            <a:avLst/>
+          </a:prstGeom>
+          <a:noFill/>
+          <a:ln>
+            <a:noFill/>
+          </a:ln>
+        </p:spPr>
+        <p:txBody>
+          <a:bodyPr spcFirstLastPara="1" wrap="square" lIns="91425" tIns="91425" rIns="91425" bIns="91425" anchor="t" anchorCtr="0">
+            <a:noAutofit/>
+          </a:bodyPr>
+          <a:lstStyle/>
+          <a:p>
+            <a:pPr marL="0" lvl="0" indent="0" algn="l" rtl="0">
+              <a:lnSpc>
+                <a:spcPct val="100000"/>
+              </a:lnSpc>
+              <a:spcBef>
+                <a:spcPts val="0"/>
+              </a:spcBef>
+              <a:spcAft>
+                <a:spcPts val="0"/>
+              </a:spcAft>
+              <a:buClr>
+                <a:schemeClr val="dk1"/>
+              </a:buClr>
+              <a:buSzPts val="1200"/>
+              <a:buFont typeface="Calibri"/>
+              <a:buNone/>
+            </a:pPr>
+            <a:endParaRPr/>
+          </a:p>
+        </p:txBody>
+      </p:sp>
+    </p:spTree>
+  </p:cSld>
+  <p:clrMapOvr>
+    <a:masterClrMapping/>
+  </p:clrMapOvr>
+</p:notes>
+</file>
+
 <file path=ppt/slideLayouts/slideLayout1.xml><?xml version="1.0" encoding="utf-8"?>
 <p:sldLayout xmlns:a="http://schemas.openxmlformats.org/drawingml/2006/main" xmlns:r="http://schemas.openxmlformats.org/officeDocument/2006/relationships" xmlns:p="http://schemas.openxmlformats.org/presentationml/2006/main" type="title" preserve="1">
   <p:cSld name="Title Slide">
@@ -724,6 +1879,2430 @@
     <p:extLst>
       <p:ext uri="{BB962C8B-B14F-4D97-AF65-F5344CB8AC3E}">
         <p14:creationId xmlns:p14="http://schemas.microsoft.com/office/powerpoint/2010/main" val="1158198964"/>
+      </p:ext>
+    </p:extLst>
+  </p:cSld>
+  <p:clrMapOvr>
+    <a:masterClrMapping/>
+  </p:clrMapOvr>
+</p:sldLayout>
+</file>
+
+<file path=ppt/slideLayouts/slideLayout12.xml><?xml version="1.0" encoding="utf-8"?>
+<p:sldLayout xmlns:a="http://schemas.openxmlformats.org/drawingml/2006/main" xmlns:r="http://schemas.openxmlformats.org/officeDocument/2006/relationships" xmlns:p="http://schemas.openxmlformats.org/presentationml/2006/main" matchingName="Opening slide">
+  <p:cSld name="Opening slide">
+    <p:bg>
+      <p:bgPr>
+        <a:blipFill>
+          <a:blip r:embed="rId2">
+            <a:alphaModFix/>
+          </a:blip>
+          <a:stretch>
+            <a:fillRect/>
+          </a:stretch>
+        </a:blipFill>
+        <a:effectLst/>
+      </p:bgPr>
+    </p:bg>
+    <p:spTree>
+      <p:nvGrpSpPr>
+        <p:cNvPr id="1" name="Shape 12"/>
+        <p:cNvGrpSpPr/>
+        <p:nvPr/>
+      </p:nvGrpSpPr>
+      <p:grpSpPr>
+        <a:xfrm>
+          <a:off x="0" y="0"/>
+          <a:ext cx="0" cy="0"/>
+          <a:chOff x="0" y="0"/>
+          <a:chExt cx="0" cy="0"/>
+        </a:xfrm>
+      </p:grpSpPr>
+      <p:sp>
+        <p:nvSpPr>
+          <p:cNvPr id="13" name="Google Shape;13;p15"/>
+          <p:cNvSpPr txBox="1">
+            <a:spLocks noGrp="1"/>
+          </p:cNvSpPr>
+          <p:nvPr>
+            <p:ph type="ctrTitle"/>
+          </p:nvPr>
+        </p:nvSpPr>
+        <p:spPr>
+          <a:xfrm>
+            <a:off x="1514641" y="1858265"/>
+            <a:ext cx="9182400" cy="2376400"/>
+          </a:xfrm>
+          <a:prstGeom prst="rect">
+            <a:avLst/>
+          </a:prstGeom>
+          <a:noFill/>
+          <a:ln>
+            <a:noFill/>
+          </a:ln>
+        </p:spPr>
+        <p:txBody>
+          <a:bodyPr spcFirstLastPara="1" wrap="square" lIns="91425" tIns="91425" rIns="91425" bIns="91425" anchor="b" anchorCtr="0">
+            <a:noAutofit/>
+          </a:bodyPr>
+          <a:lstStyle>
+            <a:lvl1pPr lvl="0" algn="r">
+              <a:lnSpc>
+                <a:spcPct val="100000"/>
+              </a:lnSpc>
+              <a:spcBef>
+                <a:spcPts val="0"/>
+              </a:spcBef>
+              <a:spcAft>
+                <a:spcPts val="0"/>
+              </a:spcAft>
+              <a:buClr>
+                <a:schemeClr val="dk2"/>
+              </a:buClr>
+              <a:buSzPts val="6000"/>
+              <a:buNone/>
+              <a:defRPr sz="6400">
+                <a:solidFill>
+                  <a:schemeClr val="dk2"/>
+                </a:solidFill>
+              </a:defRPr>
+            </a:lvl1pPr>
+            <a:lvl2pPr lvl="1" algn="l">
+              <a:lnSpc>
+                <a:spcPct val="100000"/>
+              </a:lnSpc>
+              <a:spcBef>
+                <a:spcPts val="0"/>
+              </a:spcBef>
+              <a:spcAft>
+                <a:spcPts val="0"/>
+              </a:spcAft>
+              <a:buClr>
+                <a:schemeClr val="dk2"/>
+              </a:buClr>
+              <a:buSzPts val="5200"/>
+              <a:buNone/>
+              <a:defRPr sz="6933">
+                <a:solidFill>
+                  <a:schemeClr val="dk2"/>
+                </a:solidFill>
+              </a:defRPr>
+            </a:lvl2pPr>
+            <a:lvl3pPr lvl="2" algn="l">
+              <a:lnSpc>
+                <a:spcPct val="100000"/>
+              </a:lnSpc>
+              <a:spcBef>
+                <a:spcPts val="0"/>
+              </a:spcBef>
+              <a:spcAft>
+                <a:spcPts val="0"/>
+              </a:spcAft>
+              <a:buClr>
+                <a:schemeClr val="dk2"/>
+              </a:buClr>
+              <a:buSzPts val="5200"/>
+              <a:buNone/>
+              <a:defRPr sz="6933">
+                <a:solidFill>
+                  <a:schemeClr val="dk2"/>
+                </a:solidFill>
+              </a:defRPr>
+            </a:lvl3pPr>
+            <a:lvl4pPr lvl="3" algn="l">
+              <a:lnSpc>
+                <a:spcPct val="100000"/>
+              </a:lnSpc>
+              <a:spcBef>
+                <a:spcPts val="0"/>
+              </a:spcBef>
+              <a:spcAft>
+                <a:spcPts val="0"/>
+              </a:spcAft>
+              <a:buClr>
+                <a:schemeClr val="dk2"/>
+              </a:buClr>
+              <a:buSzPts val="5200"/>
+              <a:buNone/>
+              <a:defRPr sz="6933">
+                <a:solidFill>
+                  <a:schemeClr val="dk2"/>
+                </a:solidFill>
+              </a:defRPr>
+            </a:lvl4pPr>
+            <a:lvl5pPr lvl="4" algn="l">
+              <a:lnSpc>
+                <a:spcPct val="100000"/>
+              </a:lnSpc>
+              <a:spcBef>
+                <a:spcPts val="0"/>
+              </a:spcBef>
+              <a:spcAft>
+                <a:spcPts val="0"/>
+              </a:spcAft>
+              <a:buClr>
+                <a:schemeClr val="dk2"/>
+              </a:buClr>
+              <a:buSzPts val="5200"/>
+              <a:buNone/>
+              <a:defRPr sz="6933">
+                <a:solidFill>
+                  <a:schemeClr val="dk2"/>
+                </a:solidFill>
+              </a:defRPr>
+            </a:lvl5pPr>
+            <a:lvl6pPr lvl="5" algn="l">
+              <a:lnSpc>
+                <a:spcPct val="100000"/>
+              </a:lnSpc>
+              <a:spcBef>
+                <a:spcPts val="0"/>
+              </a:spcBef>
+              <a:spcAft>
+                <a:spcPts val="0"/>
+              </a:spcAft>
+              <a:buClr>
+                <a:schemeClr val="dk2"/>
+              </a:buClr>
+              <a:buSzPts val="5200"/>
+              <a:buNone/>
+              <a:defRPr sz="6933">
+                <a:solidFill>
+                  <a:schemeClr val="dk2"/>
+                </a:solidFill>
+              </a:defRPr>
+            </a:lvl6pPr>
+            <a:lvl7pPr lvl="6" algn="l">
+              <a:lnSpc>
+                <a:spcPct val="100000"/>
+              </a:lnSpc>
+              <a:spcBef>
+                <a:spcPts val="0"/>
+              </a:spcBef>
+              <a:spcAft>
+                <a:spcPts val="0"/>
+              </a:spcAft>
+              <a:buClr>
+                <a:schemeClr val="dk2"/>
+              </a:buClr>
+              <a:buSzPts val="5200"/>
+              <a:buNone/>
+              <a:defRPr sz="6933">
+                <a:solidFill>
+                  <a:schemeClr val="dk2"/>
+                </a:solidFill>
+              </a:defRPr>
+            </a:lvl7pPr>
+            <a:lvl8pPr lvl="7" algn="l">
+              <a:lnSpc>
+                <a:spcPct val="100000"/>
+              </a:lnSpc>
+              <a:spcBef>
+                <a:spcPts val="0"/>
+              </a:spcBef>
+              <a:spcAft>
+                <a:spcPts val="0"/>
+              </a:spcAft>
+              <a:buClr>
+                <a:schemeClr val="dk2"/>
+              </a:buClr>
+              <a:buSzPts val="5200"/>
+              <a:buNone/>
+              <a:defRPr sz="6933">
+                <a:solidFill>
+                  <a:schemeClr val="dk2"/>
+                </a:solidFill>
+              </a:defRPr>
+            </a:lvl8pPr>
+            <a:lvl9pPr lvl="8" algn="l">
+              <a:lnSpc>
+                <a:spcPct val="100000"/>
+              </a:lnSpc>
+              <a:spcBef>
+                <a:spcPts val="0"/>
+              </a:spcBef>
+              <a:spcAft>
+                <a:spcPts val="0"/>
+              </a:spcAft>
+              <a:buClr>
+                <a:schemeClr val="dk2"/>
+              </a:buClr>
+              <a:buSzPts val="5200"/>
+              <a:buNone/>
+              <a:defRPr sz="6933">
+                <a:solidFill>
+                  <a:schemeClr val="dk2"/>
+                </a:solidFill>
+              </a:defRPr>
+            </a:lvl9pPr>
+          </a:lstStyle>
+          <a:p>
+            <a:endParaRPr/>
+          </a:p>
+        </p:txBody>
+      </p:sp>
+      <p:sp>
+        <p:nvSpPr>
+          <p:cNvPr id="14" name="Google Shape;14;p15"/>
+          <p:cNvSpPr txBox="1">
+            <a:spLocks noGrp="1"/>
+          </p:cNvSpPr>
+          <p:nvPr>
+            <p:ph type="subTitle" idx="1"/>
+          </p:nvPr>
+        </p:nvSpPr>
+        <p:spPr>
+          <a:xfrm>
+            <a:off x="4894241" y="3911363"/>
+            <a:ext cx="5802800" cy="956000"/>
+          </a:xfrm>
+          <a:prstGeom prst="rect">
+            <a:avLst/>
+          </a:prstGeom>
+          <a:noFill/>
+          <a:ln>
+            <a:noFill/>
+          </a:ln>
+        </p:spPr>
+        <p:txBody>
+          <a:bodyPr spcFirstLastPara="1" wrap="square" lIns="91425" tIns="91425" rIns="91425" bIns="91425" anchor="b" anchorCtr="0">
+            <a:noAutofit/>
+          </a:bodyPr>
+          <a:lstStyle>
+            <a:lvl1pPr lvl="0" algn="r">
+              <a:lnSpc>
+                <a:spcPct val="100000"/>
+              </a:lnSpc>
+              <a:spcBef>
+                <a:spcPts val="0"/>
+              </a:spcBef>
+              <a:spcAft>
+                <a:spcPts val="0"/>
+              </a:spcAft>
+              <a:buClr>
+                <a:schemeClr val="lt2"/>
+              </a:buClr>
+              <a:buSzPts val="1200"/>
+              <a:buNone/>
+              <a:defRPr>
+                <a:solidFill>
+                  <a:schemeClr val="lt2"/>
+                </a:solidFill>
+              </a:defRPr>
+            </a:lvl1pPr>
+            <a:lvl2pPr lvl="1" algn="r">
+              <a:lnSpc>
+                <a:spcPct val="100000"/>
+              </a:lnSpc>
+              <a:spcBef>
+                <a:spcPts val="0"/>
+              </a:spcBef>
+              <a:spcAft>
+                <a:spcPts val="0"/>
+              </a:spcAft>
+              <a:buClr>
+                <a:schemeClr val="lt2"/>
+              </a:buClr>
+              <a:buSzPts val="2800"/>
+              <a:buNone/>
+              <a:defRPr sz="3733">
+                <a:solidFill>
+                  <a:schemeClr val="lt2"/>
+                </a:solidFill>
+              </a:defRPr>
+            </a:lvl2pPr>
+            <a:lvl3pPr lvl="2" algn="r">
+              <a:lnSpc>
+                <a:spcPct val="100000"/>
+              </a:lnSpc>
+              <a:spcBef>
+                <a:spcPts val="0"/>
+              </a:spcBef>
+              <a:spcAft>
+                <a:spcPts val="0"/>
+              </a:spcAft>
+              <a:buClr>
+                <a:schemeClr val="lt2"/>
+              </a:buClr>
+              <a:buSzPts val="2800"/>
+              <a:buNone/>
+              <a:defRPr sz="3733">
+                <a:solidFill>
+                  <a:schemeClr val="lt2"/>
+                </a:solidFill>
+              </a:defRPr>
+            </a:lvl3pPr>
+            <a:lvl4pPr lvl="3" algn="r">
+              <a:lnSpc>
+                <a:spcPct val="100000"/>
+              </a:lnSpc>
+              <a:spcBef>
+                <a:spcPts val="0"/>
+              </a:spcBef>
+              <a:spcAft>
+                <a:spcPts val="0"/>
+              </a:spcAft>
+              <a:buClr>
+                <a:schemeClr val="lt2"/>
+              </a:buClr>
+              <a:buSzPts val="2800"/>
+              <a:buNone/>
+              <a:defRPr sz="3733">
+                <a:solidFill>
+                  <a:schemeClr val="lt2"/>
+                </a:solidFill>
+              </a:defRPr>
+            </a:lvl4pPr>
+            <a:lvl5pPr lvl="4" algn="r">
+              <a:lnSpc>
+                <a:spcPct val="100000"/>
+              </a:lnSpc>
+              <a:spcBef>
+                <a:spcPts val="0"/>
+              </a:spcBef>
+              <a:spcAft>
+                <a:spcPts val="0"/>
+              </a:spcAft>
+              <a:buClr>
+                <a:schemeClr val="lt2"/>
+              </a:buClr>
+              <a:buSzPts val="2800"/>
+              <a:buNone/>
+              <a:defRPr sz="3733">
+                <a:solidFill>
+                  <a:schemeClr val="lt2"/>
+                </a:solidFill>
+              </a:defRPr>
+            </a:lvl5pPr>
+            <a:lvl6pPr lvl="5" algn="r">
+              <a:lnSpc>
+                <a:spcPct val="100000"/>
+              </a:lnSpc>
+              <a:spcBef>
+                <a:spcPts val="0"/>
+              </a:spcBef>
+              <a:spcAft>
+                <a:spcPts val="0"/>
+              </a:spcAft>
+              <a:buClr>
+                <a:schemeClr val="lt2"/>
+              </a:buClr>
+              <a:buSzPts val="2800"/>
+              <a:buNone/>
+              <a:defRPr sz="3733">
+                <a:solidFill>
+                  <a:schemeClr val="lt2"/>
+                </a:solidFill>
+              </a:defRPr>
+            </a:lvl6pPr>
+            <a:lvl7pPr lvl="6" algn="r">
+              <a:lnSpc>
+                <a:spcPct val="100000"/>
+              </a:lnSpc>
+              <a:spcBef>
+                <a:spcPts val="0"/>
+              </a:spcBef>
+              <a:spcAft>
+                <a:spcPts val="0"/>
+              </a:spcAft>
+              <a:buClr>
+                <a:schemeClr val="lt2"/>
+              </a:buClr>
+              <a:buSzPts val="2800"/>
+              <a:buNone/>
+              <a:defRPr sz="3733">
+                <a:solidFill>
+                  <a:schemeClr val="lt2"/>
+                </a:solidFill>
+              </a:defRPr>
+            </a:lvl7pPr>
+            <a:lvl8pPr lvl="7" algn="r">
+              <a:lnSpc>
+                <a:spcPct val="100000"/>
+              </a:lnSpc>
+              <a:spcBef>
+                <a:spcPts val="0"/>
+              </a:spcBef>
+              <a:spcAft>
+                <a:spcPts val="0"/>
+              </a:spcAft>
+              <a:buClr>
+                <a:schemeClr val="lt2"/>
+              </a:buClr>
+              <a:buSzPts val="2800"/>
+              <a:buNone/>
+              <a:defRPr sz="3733">
+                <a:solidFill>
+                  <a:schemeClr val="lt2"/>
+                </a:solidFill>
+              </a:defRPr>
+            </a:lvl8pPr>
+            <a:lvl9pPr lvl="8" algn="r">
+              <a:lnSpc>
+                <a:spcPct val="100000"/>
+              </a:lnSpc>
+              <a:spcBef>
+                <a:spcPts val="0"/>
+              </a:spcBef>
+              <a:spcAft>
+                <a:spcPts val="0"/>
+              </a:spcAft>
+              <a:buClr>
+                <a:schemeClr val="lt2"/>
+              </a:buClr>
+              <a:buSzPts val="2800"/>
+              <a:buNone/>
+              <a:defRPr sz="3733">
+                <a:solidFill>
+                  <a:schemeClr val="lt2"/>
+                </a:solidFill>
+              </a:defRPr>
+            </a:lvl9pPr>
+          </a:lstStyle>
+          <a:p>
+            <a:endParaRPr/>
+          </a:p>
+        </p:txBody>
+      </p:sp>
+    </p:spTree>
+    <p:extLst>
+      <p:ext uri="{BB962C8B-B14F-4D97-AF65-F5344CB8AC3E}">
+        <p14:creationId xmlns:p14="http://schemas.microsoft.com/office/powerpoint/2010/main" val="2488509938"/>
+      </p:ext>
+    </p:extLst>
+  </p:cSld>
+  <p:clrMapOvr>
+    <a:masterClrMapping/>
+  </p:clrMapOvr>
+</p:sldLayout>
+</file>
+
+<file path=ppt/slideLayouts/slideLayout13.xml><?xml version="1.0" encoding="utf-8"?>
+<p:sldLayout xmlns:a="http://schemas.openxmlformats.org/drawingml/2006/main" xmlns:r="http://schemas.openxmlformats.org/officeDocument/2006/relationships" xmlns:p="http://schemas.openxmlformats.org/presentationml/2006/main" showMasterSp="0" matchingName="Blank" type="tx">
+  <p:cSld name="1_Blank">
+    <p:spTree>
+      <p:nvGrpSpPr>
+        <p:cNvPr id="1" name="Shape 27"/>
+        <p:cNvGrpSpPr/>
+        <p:nvPr/>
+      </p:nvGrpSpPr>
+      <p:grpSpPr>
+        <a:xfrm>
+          <a:off x="0" y="0"/>
+          <a:ext cx="0" cy="0"/>
+          <a:chOff x="0" y="0"/>
+          <a:chExt cx="0" cy="0"/>
+        </a:xfrm>
+      </p:grpSpPr>
+      <p:sp>
+        <p:nvSpPr>
+          <p:cNvPr id="28" name="Google Shape;28;g1f083006354_0_195"/>
+          <p:cNvSpPr txBox="1">
+            <a:spLocks noGrp="1"/>
+          </p:cNvSpPr>
+          <p:nvPr>
+            <p:ph type="sldNum" idx="12"/>
+          </p:nvPr>
+        </p:nvSpPr>
+        <p:spPr>
+          <a:xfrm>
+            <a:off x="11708541" y="6480314"/>
+            <a:ext cx="580200" cy="354000"/>
+          </a:xfrm>
+          <a:prstGeom prst="rect">
+            <a:avLst/>
+          </a:prstGeom>
+          <a:noFill/>
+          <a:ln>
+            <a:noFill/>
+          </a:ln>
+        </p:spPr>
+        <p:txBody>
+          <a:bodyPr spcFirstLastPara="1" wrap="square" lIns="91425" tIns="45700" rIns="91425" bIns="45700" anchor="t" anchorCtr="0">
+            <a:noAutofit/>
+          </a:bodyPr>
+          <a:lstStyle>
+            <a:lvl1pPr marL="0" marR="0" lvl="0" indent="0" algn="l" rtl="0">
+              <a:lnSpc>
+                <a:spcPct val="100000"/>
+              </a:lnSpc>
+              <a:spcBef>
+                <a:spcPts val="0"/>
+              </a:spcBef>
+              <a:spcAft>
+                <a:spcPts val="0"/>
+              </a:spcAft>
+              <a:buClr>
+                <a:srgbClr val="000000"/>
+              </a:buClr>
+              <a:buSzPts val="1200"/>
+              <a:buFont typeface="Arial"/>
+              <a:buNone/>
+              <a:defRPr sz="1200" b="0" i="0" u="none" strike="noStrike" cap="none">
+                <a:solidFill>
+                  <a:schemeClr val="lt1"/>
+                </a:solidFill>
+                <a:latin typeface="Open Sans"/>
+                <a:ea typeface="Open Sans"/>
+                <a:cs typeface="Open Sans"/>
+                <a:sym typeface="Open Sans"/>
+              </a:defRPr>
+            </a:lvl1pPr>
+            <a:lvl2pPr marL="0" marR="0" lvl="1" indent="0" algn="l" rtl="0">
+              <a:lnSpc>
+                <a:spcPct val="100000"/>
+              </a:lnSpc>
+              <a:spcBef>
+                <a:spcPts val="0"/>
+              </a:spcBef>
+              <a:spcAft>
+                <a:spcPts val="0"/>
+              </a:spcAft>
+              <a:buClr>
+                <a:srgbClr val="000000"/>
+              </a:buClr>
+              <a:buSzPts val="1200"/>
+              <a:buFont typeface="Arial"/>
+              <a:buNone/>
+              <a:defRPr sz="1200" b="0" i="0" u="none" strike="noStrike" cap="none">
+                <a:solidFill>
+                  <a:schemeClr val="lt1"/>
+                </a:solidFill>
+                <a:latin typeface="Open Sans"/>
+                <a:ea typeface="Open Sans"/>
+                <a:cs typeface="Open Sans"/>
+                <a:sym typeface="Open Sans"/>
+              </a:defRPr>
+            </a:lvl2pPr>
+            <a:lvl3pPr marL="0" marR="0" lvl="2" indent="0" algn="l" rtl="0">
+              <a:lnSpc>
+                <a:spcPct val="100000"/>
+              </a:lnSpc>
+              <a:spcBef>
+                <a:spcPts val="0"/>
+              </a:spcBef>
+              <a:spcAft>
+                <a:spcPts val="0"/>
+              </a:spcAft>
+              <a:buClr>
+                <a:srgbClr val="000000"/>
+              </a:buClr>
+              <a:buSzPts val="1200"/>
+              <a:buFont typeface="Arial"/>
+              <a:buNone/>
+              <a:defRPr sz="1200" b="0" i="0" u="none" strike="noStrike" cap="none">
+                <a:solidFill>
+                  <a:schemeClr val="lt1"/>
+                </a:solidFill>
+                <a:latin typeface="Open Sans"/>
+                <a:ea typeface="Open Sans"/>
+                <a:cs typeface="Open Sans"/>
+                <a:sym typeface="Open Sans"/>
+              </a:defRPr>
+            </a:lvl3pPr>
+            <a:lvl4pPr marL="0" marR="0" lvl="3" indent="0" algn="l" rtl="0">
+              <a:lnSpc>
+                <a:spcPct val="100000"/>
+              </a:lnSpc>
+              <a:spcBef>
+                <a:spcPts val="0"/>
+              </a:spcBef>
+              <a:spcAft>
+                <a:spcPts val="0"/>
+              </a:spcAft>
+              <a:buClr>
+                <a:srgbClr val="000000"/>
+              </a:buClr>
+              <a:buSzPts val="1200"/>
+              <a:buFont typeface="Arial"/>
+              <a:buNone/>
+              <a:defRPr sz="1200" b="0" i="0" u="none" strike="noStrike" cap="none">
+                <a:solidFill>
+                  <a:schemeClr val="lt1"/>
+                </a:solidFill>
+                <a:latin typeface="Open Sans"/>
+                <a:ea typeface="Open Sans"/>
+                <a:cs typeface="Open Sans"/>
+                <a:sym typeface="Open Sans"/>
+              </a:defRPr>
+            </a:lvl4pPr>
+            <a:lvl5pPr marL="0" marR="0" lvl="4" indent="0" algn="l" rtl="0">
+              <a:lnSpc>
+                <a:spcPct val="100000"/>
+              </a:lnSpc>
+              <a:spcBef>
+                <a:spcPts val="0"/>
+              </a:spcBef>
+              <a:spcAft>
+                <a:spcPts val="0"/>
+              </a:spcAft>
+              <a:buClr>
+                <a:srgbClr val="000000"/>
+              </a:buClr>
+              <a:buSzPts val="1200"/>
+              <a:buFont typeface="Arial"/>
+              <a:buNone/>
+              <a:defRPr sz="1200" b="0" i="0" u="none" strike="noStrike" cap="none">
+                <a:solidFill>
+                  <a:schemeClr val="lt1"/>
+                </a:solidFill>
+                <a:latin typeface="Open Sans"/>
+                <a:ea typeface="Open Sans"/>
+                <a:cs typeface="Open Sans"/>
+                <a:sym typeface="Open Sans"/>
+              </a:defRPr>
+            </a:lvl5pPr>
+            <a:lvl6pPr marL="0" marR="0" lvl="5" indent="0" algn="l" rtl="0">
+              <a:lnSpc>
+                <a:spcPct val="100000"/>
+              </a:lnSpc>
+              <a:spcBef>
+                <a:spcPts val="0"/>
+              </a:spcBef>
+              <a:spcAft>
+                <a:spcPts val="0"/>
+              </a:spcAft>
+              <a:buClr>
+                <a:srgbClr val="000000"/>
+              </a:buClr>
+              <a:buSzPts val="1200"/>
+              <a:buFont typeface="Arial"/>
+              <a:buNone/>
+              <a:defRPr sz="1200" b="0" i="0" u="none" strike="noStrike" cap="none">
+                <a:solidFill>
+                  <a:schemeClr val="lt1"/>
+                </a:solidFill>
+                <a:latin typeface="Open Sans"/>
+                <a:ea typeface="Open Sans"/>
+                <a:cs typeface="Open Sans"/>
+                <a:sym typeface="Open Sans"/>
+              </a:defRPr>
+            </a:lvl6pPr>
+            <a:lvl7pPr marL="0" marR="0" lvl="6" indent="0" algn="l" rtl="0">
+              <a:lnSpc>
+                <a:spcPct val="100000"/>
+              </a:lnSpc>
+              <a:spcBef>
+                <a:spcPts val="0"/>
+              </a:spcBef>
+              <a:spcAft>
+                <a:spcPts val="0"/>
+              </a:spcAft>
+              <a:buClr>
+                <a:srgbClr val="000000"/>
+              </a:buClr>
+              <a:buSzPts val="1200"/>
+              <a:buFont typeface="Arial"/>
+              <a:buNone/>
+              <a:defRPr sz="1200" b="0" i="0" u="none" strike="noStrike" cap="none">
+                <a:solidFill>
+                  <a:schemeClr val="lt1"/>
+                </a:solidFill>
+                <a:latin typeface="Open Sans"/>
+                <a:ea typeface="Open Sans"/>
+                <a:cs typeface="Open Sans"/>
+                <a:sym typeface="Open Sans"/>
+              </a:defRPr>
+            </a:lvl7pPr>
+            <a:lvl8pPr marL="0" marR="0" lvl="7" indent="0" algn="l" rtl="0">
+              <a:lnSpc>
+                <a:spcPct val="100000"/>
+              </a:lnSpc>
+              <a:spcBef>
+                <a:spcPts val="0"/>
+              </a:spcBef>
+              <a:spcAft>
+                <a:spcPts val="0"/>
+              </a:spcAft>
+              <a:buClr>
+                <a:srgbClr val="000000"/>
+              </a:buClr>
+              <a:buSzPts val="1200"/>
+              <a:buFont typeface="Arial"/>
+              <a:buNone/>
+              <a:defRPr sz="1200" b="0" i="0" u="none" strike="noStrike" cap="none">
+                <a:solidFill>
+                  <a:schemeClr val="lt1"/>
+                </a:solidFill>
+                <a:latin typeface="Open Sans"/>
+                <a:ea typeface="Open Sans"/>
+                <a:cs typeface="Open Sans"/>
+                <a:sym typeface="Open Sans"/>
+              </a:defRPr>
+            </a:lvl8pPr>
+            <a:lvl9pPr marL="0" marR="0" lvl="8" indent="0" algn="l" rtl="0">
+              <a:lnSpc>
+                <a:spcPct val="100000"/>
+              </a:lnSpc>
+              <a:spcBef>
+                <a:spcPts val="0"/>
+              </a:spcBef>
+              <a:spcAft>
+                <a:spcPts val="0"/>
+              </a:spcAft>
+              <a:buClr>
+                <a:srgbClr val="000000"/>
+              </a:buClr>
+              <a:buSzPts val="1200"/>
+              <a:buFont typeface="Arial"/>
+              <a:buNone/>
+              <a:defRPr sz="1200" b="0" i="0" u="none" strike="noStrike" cap="none">
+                <a:solidFill>
+                  <a:schemeClr val="lt1"/>
+                </a:solidFill>
+                <a:latin typeface="Open Sans"/>
+                <a:ea typeface="Open Sans"/>
+                <a:cs typeface="Open Sans"/>
+                <a:sym typeface="Open Sans"/>
+              </a:defRPr>
+            </a:lvl9pPr>
+          </a:lstStyle>
+          <a:p>
+            <a:pPr marL="0" lvl="0" indent="0" algn="l" rtl="0">
+              <a:spcBef>
+                <a:spcPts val="0"/>
+              </a:spcBef>
+              <a:spcAft>
+                <a:spcPts val="0"/>
+              </a:spcAft>
+              <a:buNone/>
+            </a:pPr>
+            <a:fld id="{00000000-1234-1234-1234-123412341234}" type="slidenum">
+              <a:rPr lang="fr-FR"/>
+              <a:t>‹#›</a:t>
+            </a:fld>
+            <a:endParaRPr/>
+          </a:p>
+        </p:txBody>
+      </p:sp>
+      <p:pic>
+        <p:nvPicPr>
+          <p:cNvPr id="29" name="Google Shape;29;g1f083006354_0_195"/>
+          <p:cNvPicPr preferRelativeResize="0"/>
+          <p:nvPr/>
+        </p:nvPicPr>
+        <p:blipFill rotWithShape="1">
+          <a:blip r:embed="rId2">
+            <a:alphaModFix/>
+          </a:blip>
+          <a:srcRect/>
+          <a:stretch/>
+        </p:blipFill>
+        <p:spPr>
+          <a:xfrm>
+            <a:off x="8229600" y="-23743"/>
+            <a:ext cx="3962400" cy="6858000"/>
+          </a:xfrm>
+          <a:prstGeom prst="rect">
+            <a:avLst/>
+          </a:prstGeom>
+          <a:noFill/>
+          <a:ln>
+            <a:noFill/>
+          </a:ln>
+        </p:spPr>
+      </p:pic>
+    </p:spTree>
+    <p:extLst>
+      <p:ext uri="{BB962C8B-B14F-4D97-AF65-F5344CB8AC3E}">
+        <p14:creationId xmlns:p14="http://schemas.microsoft.com/office/powerpoint/2010/main" val="2291269008"/>
+      </p:ext>
+    </p:extLst>
+  </p:cSld>
+  <p:clrMapOvr>
+    <a:masterClrMapping/>
+  </p:clrMapOvr>
+</p:sldLayout>
+</file>
+
+<file path=ppt/slideLayouts/slideLayout14.xml><?xml version="1.0" encoding="utf-8"?>
+<p:sldLayout xmlns:a="http://schemas.openxmlformats.org/drawingml/2006/main" xmlns:r="http://schemas.openxmlformats.org/officeDocument/2006/relationships" xmlns:p="http://schemas.openxmlformats.org/presentationml/2006/main" matchingName="Three Columns">
+  <p:cSld name="Three Columns">
+    <p:bg>
+      <p:bgPr>
+        <a:blipFill>
+          <a:blip r:embed="rId2">
+            <a:alphaModFix/>
+          </a:blip>
+          <a:stretch>
+            <a:fillRect/>
+          </a:stretch>
+        </a:blipFill>
+        <a:effectLst/>
+      </p:bgPr>
+    </p:bg>
+    <p:spTree>
+      <p:nvGrpSpPr>
+        <p:cNvPr id="1" name="Shape 15"/>
+        <p:cNvGrpSpPr/>
+        <p:nvPr/>
+      </p:nvGrpSpPr>
+      <p:grpSpPr>
+        <a:xfrm>
+          <a:off x="0" y="0"/>
+          <a:ext cx="0" cy="0"/>
+          <a:chOff x="0" y="0"/>
+          <a:chExt cx="0" cy="0"/>
+        </a:xfrm>
+      </p:grpSpPr>
+      <p:sp>
+        <p:nvSpPr>
+          <p:cNvPr id="16" name="Google Shape;16;p16"/>
+          <p:cNvSpPr txBox="1">
+            <a:spLocks noGrp="1"/>
+          </p:cNvSpPr>
+          <p:nvPr>
+            <p:ph type="ctrTitle"/>
+          </p:nvPr>
+        </p:nvSpPr>
+        <p:spPr>
+          <a:xfrm>
+            <a:off x="2619801" y="470467"/>
+            <a:ext cx="6952400" cy="1261600"/>
+          </a:xfrm>
+          <a:prstGeom prst="rect">
+            <a:avLst/>
+          </a:prstGeom>
+          <a:noFill/>
+          <a:ln>
+            <a:noFill/>
+          </a:ln>
+        </p:spPr>
+        <p:txBody>
+          <a:bodyPr spcFirstLastPara="1" wrap="square" lIns="91425" tIns="91425" rIns="91425" bIns="91425" anchor="t" anchorCtr="0">
+            <a:noAutofit/>
+          </a:bodyPr>
+          <a:lstStyle>
+            <a:lvl1pPr lvl="0" algn="ctr">
+              <a:lnSpc>
+                <a:spcPct val="100000"/>
+              </a:lnSpc>
+              <a:spcBef>
+                <a:spcPts val="0"/>
+              </a:spcBef>
+              <a:spcAft>
+                <a:spcPts val="0"/>
+              </a:spcAft>
+              <a:buClr>
+                <a:schemeClr val="dk2"/>
+              </a:buClr>
+              <a:buSzPts val="2400"/>
+              <a:buNone/>
+              <a:defRPr sz="3200">
+                <a:solidFill>
+                  <a:schemeClr val="dk2"/>
+                </a:solidFill>
+              </a:defRPr>
+            </a:lvl1pPr>
+            <a:lvl2pPr lvl="1" algn="r">
+              <a:lnSpc>
+                <a:spcPct val="100000"/>
+              </a:lnSpc>
+              <a:spcBef>
+                <a:spcPts val="0"/>
+              </a:spcBef>
+              <a:spcAft>
+                <a:spcPts val="0"/>
+              </a:spcAft>
+              <a:buClr>
+                <a:schemeClr val="dk2"/>
+              </a:buClr>
+              <a:buSzPts val="2400"/>
+              <a:buNone/>
+              <a:defRPr sz="3200">
+                <a:solidFill>
+                  <a:schemeClr val="dk2"/>
+                </a:solidFill>
+              </a:defRPr>
+            </a:lvl2pPr>
+            <a:lvl3pPr lvl="2" algn="r">
+              <a:lnSpc>
+                <a:spcPct val="100000"/>
+              </a:lnSpc>
+              <a:spcBef>
+                <a:spcPts val="0"/>
+              </a:spcBef>
+              <a:spcAft>
+                <a:spcPts val="0"/>
+              </a:spcAft>
+              <a:buClr>
+                <a:schemeClr val="dk2"/>
+              </a:buClr>
+              <a:buSzPts val="2400"/>
+              <a:buNone/>
+              <a:defRPr sz="3200">
+                <a:solidFill>
+                  <a:schemeClr val="dk2"/>
+                </a:solidFill>
+              </a:defRPr>
+            </a:lvl3pPr>
+            <a:lvl4pPr lvl="3" algn="r">
+              <a:lnSpc>
+                <a:spcPct val="100000"/>
+              </a:lnSpc>
+              <a:spcBef>
+                <a:spcPts val="0"/>
+              </a:spcBef>
+              <a:spcAft>
+                <a:spcPts val="0"/>
+              </a:spcAft>
+              <a:buClr>
+                <a:schemeClr val="dk2"/>
+              </a:buClr>
+              <a:buSzPts val="2400"/>
+              <a:buNone/>
+              <a:defRPr sz="3200">
+                <a:solidFill>
+                  <a:schemeClr val="dk2"/>
+                </a:solidFill>
+              </a:defRPr>
+            </a:lvl4pPr>
+            <a:lvl5pPr lvl="4" algn="r">
+              <a:lnSpc>
+                <a:spcPct val="100000"/>
+              </a:lnSpc>
+              <a:spcBef>
+                <a:spcPts val="0"/>
+              </a:spcBef>
+              <a:spcAft>
+                <a:spcPts val="0"/>
+              </a:spcAft>
+              <a:buClr>
+                <a:schemeClr val="dk2"/>
+              </a:buClr>
+              <a:buSzPts val="2400"/>
+              <a:buNone/>
+              <a:defRPr sz="3200">
+                <a:solidFill>
+                  <a:schemeClr val="dk2"/>
+                </a:solidFill>
+              </a:defRPr>
+            </a:lvl5pPr>
+            <a:lvl6pPr lvl="5" algn="r">
+              <a:lnSpc>
+                <a:spcPct val="100000"/>
+              </a:lnSpc>
+              <a:spcBef>
+                <a:spcPts val="0"/>
+              </a:spcBef>
+              <a:spcAft>
+                <a:spcPts val="0"/>
+              </a:spcAft>
+              <a:buClr>
+                <a:schemeClr val="dk2"/>
+              </a:buClr>
+              <a:buSzPts val="2400"/>
+              <a:buNone/>
+              <a:defRPr sz="3200">
+                <a:solidFill>
+                  <a:schemeClr val="dk2"/>
+                </a:solidFill>
+              </a:defRPr>
+            </a:lvl6pPr>
+            <a:lvl7pPr lvl="6" algn="r">
+              <a:lnSpc>
+                <a:spcPct val="100000"/>
+              </a:lnSpc>
+              <a:spcBef>
+                <a:spcPts val="0"/>
+              </a:spcBef>
+              <a:spcAft>
+                <a:spcPts val="0"/>
+              </a:spcAft>
+              <a:buClr>
+                <a:schemeClr val="dk2"/>
+              </a:buClr>
+              <a:buSzPts val="2400"/>
+              <a:buNone/>
+              <a:defRPr sz="3200">
+                <a:solidFill>
+                  <a:schemeClr val="dk2"/>
+                </a:solidFill>
+              </a:defRPr>
+            </a:lvl7pPr>
+            <a:lvl8pPr lvl="7" algn="r">
+              <a:lnSpc>
+                <a:spcPct val="100000"/>
+              </a:lnSpc>
+              <a:spcBef>
+                <a:spcPts val="0"/>
+              </a:spcBef>
+              <a:spcAft>
+                <a:spcPts val="0"/>
+              </a:spcAft>
+              <a:buClr>
+                <a:schemeClr val="dk2"/>
+              </a:buClr>
+              <a:buSzPts val="2400"/>
+              <a:buNone/>
+              <a:defRPr sz="3200">
+                <a:solidFill>
+                  <a:schemeClr val="dk2"/>
+                </a:solidFill>
+              </a:defRPr>
+            </a:lvl8pPr>
+            <a:lvl9pPr lvl="8" algn="r">
+              <a:lnSpc>
+                <a:spcPct val="100000"/>
+              </a:lnSpc>
+              <a:spcBef>
+                <a:spcPts val="0"/>
+              </a:spcBef>
+              <a:spcAft>
+                <a:spcPts val="0"/>
+              </a:spcAft>
+              <a:buClr>
+                <a:schemeClr val="dk2"/>
+              </a:buClr>
+              <a:buSzPts val="2400"/>
+              <a:buNone/>
+              <a:defRPr sz="3200">
+                <a:solidFill>
+                  <a:schemeClr val="dk2"/>
+                </a:solidFill>
+              </a:defRPr>
+            </a:lvl9pPr>
+          </a:lstStyle>
+          <a:p>
+            <a:endParaRPr/>
+          </a:p>
+        </p:txBody>
+      </p:sp>
+      <p:sp>
+        <p:nvSpPr>
+          <p:cNvPr id="17" name="Google Shape;17;p16"/>
+          <p:cNvSpPr txBox="1">
+            <a:spLocks noGrp="1"/>
+          </p:cNvSpPr>
+          <p:nvPr>
+            <p:ph type="ctrTitle" idx="2"/>
+          </p:nvPr>
+        </p:nvSpPr>
+        <p:spPr>
+          <a:xfrm>
+            <a:off x="748800" y="3739617"/>
+            <a:ext cx="3564800" cy="570000"/>
+          </a:xfrm>
+          <a:prstGeom prst="rect">
+            <a:avLst/>
+          </a:prstGeom>
+          <a:noFill/>
+          <a:ln>
+            <a:noFill/>
+          </a:ln>
+        </p:spPr>
+        <p:txBody>
+          <a:bodyPr spcFirstLastPara="1" wrap="square" lIns="91425" tIns="91425" rIns="91425" bIns="91425" anchor="b" anchorCtr="0">
+            <a:noAutofit/>
+          </a:bodyPr>
+          <a:lstStyle>
+            <a:lvl1pPr lvl="0" algn="ctr">
+              <a:lnSpc>
+                <a:spcPct val="100000"/>
+              </a:lnSpc>
+              <a:spcBef>
+                <a:spcPts val="0"/>
+              </a:spcBef>
+              <a:spcAft>
+                <a:spcPts val="0"/>
+              </a:spcAft>
+              <a:buClr>
+                <a:schemeClr val="dk2"/>
+              </a:buClr>
+              <a:buSzPts val="1800"/>
+              <a:buNone/>
+              <a:defRPr sz="2400">
+                <a:solidFill>
+                  <a:schemeClr val="dk2"/>
+                </a:solidFill>
+              </a:defRPr>
+            </a:lvl1pPr>
+            <a:lvl2pPr lvl="1" algn="l">
+              <a:lnSpc>
+                <a:spcPct val="100000"/>
+              </a:lnSpc>
+              <a:spcBef>
+                <a:spcPts val="0"/>
+              </a:spcBef>
+              <a:spcAft>
+                <a:spcPts val="0"/>
+              </a:spcAft>
+              <a:buClr>
+                <a:schemeClr val="dk2"/>
+              </a:buClr>
+              <a:buSzPts val="1800"/>
+              <a:buNone/>
+              <a:defRPr sz="2400">
+                <a:solidFill>
+                  <a:schemeClr val="dk2"/>
+                </a:solidFill>
+              </a:defRPr>
+            </a:lvl2pPr>
+            <a:lvl3pPr lvl="2" algn="l">
+              <a:lnSpc>
+                <a:spcPct val="100000"/>
+              </a:lnSpc>
+              <a:spcBef>
+                <a:spcPts val="0"/>
+              </a:spcBef>
+              <a:spcAft>
+                <a:spcPts val="0"/>
+              </a:spcAft>
+              <a:buClr>
+                <a:schemeClr val="dk2"/>
+              </a:buClr>
+              <a:buSzPts val="1800"/>
+              <a:buNone/>
+              <a:defRPr sz="2400">
+                <a:solidFill>
+                  <a:schemeClr val="dk2"/>
+                </a:solidFill>
+              </a:defRPr>
+            </a:lvl3pPr>
+            <a:lvl4pPr lvl="3" algn="l">
+              <a:lnSpc>
+                <a:spcPct val="100000"/>
+              </a:lnSpc>
+              <a:spcBef>
+                <a:spcPts val="0"/>
+              </a:spcBef>
+              <a:spcAft>
+                <a:spcPts val="0"/>
+              </a:spcAft>
+              <a:buClr>
+                <a:schemeClr val="dk2"/>
+              </a:buClr>
+              <a:buSzPts val="1800"/>
+              <a:buNone/>
+              <a:defRPr sz="2400">
+                <a:solidFill>
+                  <a:schemeClr val="dk2"/>
+                </a:solidFill>
+              </a:defRPr>
+            </a:lvl4pPr>
+            <a:lvl5pPr lvl="4" algn="l">
+              <a:lnSpc>
+                <a:spcPct val="100000"/>
+              </a:lnSpc>
+              <a:spcBef>
+                <a:spcPts val="0"/>
+              </a:spcBef>
+              <a:spcAft>
+                <a:spcPts val="0"/>
+              </a:spcAft>
+              <a:buClr>
+                <a:schemeClr val="dk2"/>
+              </a:buClr>
+              <a:buSzPts val="1800"/>
+              <a:buNone/>
+              <a:defRPr sz="2400">
+                <a:solidFill>
+                  <a:schemeClr val="dk2"/>
+                </a:solidFill>
+              </a:defRPr>
+            </a:lvl5pPr>
+            <a:lvl6pPr lvl="5" algn="l">
+              <a:lnSpc>
+                <a:spcPct val="100000"/>
+              </a:lnSpc>
+              <a:spcBef>
+                <a:spcPts val="0"/>
+              </a:spcBef>
+              <a:spcAft>
+                <a:spcPts val="0"/>
+              </a:spcAft>
+              <a:buClr>
+                <a:schemeClr val="dk2"/>
+              </a:buClr>
+              <a:buSzPts val="1800"/>
+              <a:buNone/>
+              <a:defRPr sz="2400">
+                <a:solidFill>
+                  <a:schemeClr val="dk2"/>
+                </a:solidFill>
+              </a:defRPr>
+            </a:lvl6pPr>
+            <a:lvl7pPr lvl="6" algn="l">
+              <a:lnSpc>
+                <a:spcPct val="100000"/>
+              </a:lnSpc>
+              <a:spcBef>
+                <a:spcPts val="0"/>
+              </a:spcBef>
+              <a:spcAft>
+                <a:spcPts val="0"/>
+              </a:spcAft>
+              <a:buClr>
+                <a:schemeClr val="dk2"/>
+              </a:buClr>
+              <a:buSzPts val="1800"/>
+              <a:buNone/>
+              <a:defRPr sz="2400">
+                <a:solidFill>
+                  <a:schemeClr val="dk2"/>
+                </a:solidFill>
+              </a:defRPr>
+            </a:lvl7pPr>
+            <a:lvl8pPr lvl="7" algn="l">
+              <a:lnSpc>
+                <a:spcPct val="100000"/>
+              </a:lnSpc>
+              <a:spcBef>
+                <a:spcPts val="0"/>
+              </a:spcBef>
+              <a:spcAft>
+                <a:spcPts val="0"/>
+              </a:spcAft>
+              <a:buClr>
+                <a:schemeClr val="dk2"/>
+              </a:buClr>
+              <a:buSzPts val="1800"/>
+              <a:buNone/>
+              <a:defRPr sz="2400">
+                <a:solidFill>
+                  <a:schemeClr val="dk2"/>
+                </a:solidFill>
+              </a:defRPr>
+            </a:lvl8pPr>
+            <a:lvl9pPr lvl="8" algn="l">
+              <a:lnSpc>
+                <a:spcPct val="100000"/>
+              </a:lnSpc>
+              <a:spcBef>
+                <a:spcPts val="0"/>
+              </a:spcBef>
+              <a:spcAft>
+                <a:spcPts val="0"/>
+              </a:spcAft>
+              <a:buClr>
+                <a:schemeClr val="dk2"/>
+              </a:buClr>
+              <a:buSzPts val="1800"/>
+              <a:buNone/>
+              <a:defRPr sz="2400">
+                <a:solidFill>
+                  <a:schemeClr val="dk2"/>
+                </a:solidFill>
+              </a:defRPr>
+            </a:lvl9pPr>
+          </a:lstStyle>
+          <a:p>
+            <a:endParaRPr/>
+          </a:p>
+        </p:txBody>
+      </p:sp>
+      <p:sp>
+        <p:nvSpPr>
+          <p:cNvPr id="18" name="Google Shape;18;p16"/>
+          <p:cNvSpPr txBox="1">
+            <a:spLocks noGrp="1"/>
+          </p:cNvSpPr>
+          <p:nvPr>
+            <p:ph type="subTitle" idx="1"/>
+          </p:nvPr>
+        </p:nvSpPr>
+        <p:spPr>
+          <a:xfrm>
+            <a:off x="1163267" y="4120633"/>
+            <a:ext cx="2736000" cy="1337600"/>
+          </a:xfrm>
+          <a:prstGeom prst="rect">
+            <a:avLst/>
+          </a:prstGeom>
+          <a:noFill/>
+          <a:ln>
+            <a:noFill/>
+          </a:ln>
+        </p:spPr>
+        <p:txBody>
+          <a:bodyPr spcFirstLastPara="1" wrap="square" lIns="91425" tIns="91425" rIns="91425" bIns="91425" anchor="t" anchorCtr="0">
+            <a:noAutofit/>
+          </a:bodyPr>
+          <a:lstStyle>
+            <a:lvl1pPr lvl="0" algn="ctr">
+              <a:lnSpc>
+                <a:spcPct val="100000"/>
+              </a:lnSpc>
+              <a:spcBef>
+                <a:spcPts val="0"/>
+              </a:spcBef>
+              <a:spcAft>
+                <a:spcPts val="0"/>
+              </a:spcAft>
+              <a:buClr>
+                <a:schemeClr val="lt2"/>
+              </a:buClr>
+              <a:buSzPts val="1100"/>
+              <a:buNone/>
+              <a:defRPr sz="1467">
+                <a:solidFill>
+                  <a:schemeClr val="lt2"/>
+                </a:solidFill>
+              </a:defRPr>
+            </a:lvl1pPr>
+            <a:lvl2pPr lvl="1" algn="l">
+              <a:lnSpc>
+                <a:spcPct val="100000"/>
+              </a:lnSpc>
+              <a:spcBef>
+                <a:spcPts val="0"/>
+              </a:spcBef>
+              <a:spcAft>
+                <a:spcPts val="0"/>
+              </a:spcAft>
+              <a:buClr>
+                <a:schemeClr val="lt2"/>
+              </a:buClr>
+              <a:buSzPts val="1100"/>
+              <a:buNone/>
+              <a:defRPr sz="1467">
+                <a:solidFill>
+                  <a:schemeClr val="lt2"/>
+                </a:solidFill>
+              </a:defRPr>
+            </a:lvl2pPr>
+            <a:lvl3pPr lvl="2" algn="l">
+              <a:lnSpc>
+                <a:spcPct val="100000"/>
+              </a:lnSpc>
+              <a:spcBef>
+                <a:spcPts val="0"/>
+              </a:spcBef>
+              <a:spcAft>
+                <a:spcPts val="0"/>
+              </a:spcAft>
+              <a:buClr>
+                <a:schemeClr val="lt2"/>
+              </a:buClr>
+              <a:buSzPts val="1100"/>
+              <a:buNone/>
+              <a:defRPr sz="1467">
+                <a:solidFill>
+                  <a:schemeClr val="lt2"/>
+                </a:solidFill>
+              </a:defRPr>
+            </a:lvl3pPr>
+            <a:lvl4pPr lvl="3" algn="l">
+              <a:lnSpc>
+                <a:spcPct val="100000"/>
+              </a:lnSpc>
+              <a:spcBef>
+                <a:spcPts val="0"/>
+              </a:spcBef>
+              <a:spcAft>
+                <a:spcPts val="0"/>
+              </a:spcAft>
+              <a:buClr>
+                <a:schemeClr val="lt2"/>
+              </a:buClr>
+              <a:buSzPts val="1100"/>
+              <a:buNone/>
+              <a:defRPr sz="1467">
+                <a:solidFill>
+                  <a:schemeClr val="lt2"/>
+                </a:solidFill>
+              </a:defRPr>
+            </a:lvl4pPr>
+            <a:lvl5pPr lvl="4" algn="l">
+              <a:lnSpc>
+                <a:spcPct val="100000"/>
+              </a:lnSpc>
+              <a:spcBef>
+                <a:spcPts val="0"/>
+              </a:spcBef>
+              <a:spcAft>
+                <a:spcPts val="0"/>
+              </a:spcAft>
+              <a:buClr>
+                <a:schemeClr val="lt2"/>
+              </a:buClr>
+              <a:buSzPts val="1100"/>
+              <a:buNone/>
+              <a:defRPr sz="1467">
+                <a:solidFill>
+                  <a:schemeClr val="lt2"/>
+                </a:solidFill>
+              </a:defRPr>
+            </a:lvl5pPr>
+            <a:lvl6pPr lvl="5" algn="l">
+              <a:lnSpc>
+                <a:spcPct val="100000"/>
+              </a:lnSpc>
+              <a:spcBef>
+                <a:spcPts val="0"/>
+              </a:spcBef>
+              <a:spcAft>
+                <a:spcPts val="0"/>
+              </a:spcAft>
+              <a:buClr>
+                <a:schemeClr val="lt2"/>
+              </a:buClr>
+              <a:buSzPts val="1100"/>
+              <a:buNone/>
+              <a:defRPr sz="1467">
+                <a:solidFill>
+                  <a:schemeClr val="lt2"/>
+                </a:solidFill>
+              </a:defRPr>
+            </a:lvl6pPr>
+            <a:lvl7pPr lvl="6" algn="l">
+              <a:lnSpc>
+                <a:spcPct val="100000"/>
+              </a:lnSpc>
+              <a:spcBef>
+                <a:spcPts val="0"/>
+              </a:spcBef>
+              <a:spcAft>
+                <a:spcPts val="0"/>
+              </a:spcAft>
+              <a:buClr>
+                <a:schemeClr val="lt2"/>
+              </a:buClr>
+              <a:buSzPts val="1100"/>
+              <a:buNone/>
+              <a:defRPr sz="1467">
+                <a:solidFill>
+                  <a:schemeClr val="lt2"/>
+                </a:solidFill>
+              </a:defRPr>
+            </a:lvl7pPr>
+            <a:lvl8pPr lvl="7" algn="l">
+              <a:lnSpc>
+                <a:spcPct val="100000"/>
+              </a:lnSpc>
+              <a:spcBef>
+                <a:spcPts val="0"/>
+              </a:spcBef>
+              <a:spcAft>
+                <a:spcPts val="0"/>
+              </a:spcAft>
+              <a:buClr>
+                <a:schemeClr val="lt2"/>
+              </a:buClr>
+              <a:buSzPts val="1100"/>
+              <a:buNone/>
+              <a:defRPr sz="1467">
+                <a:solidFill>
+                  <a:schemeClr val="lt2"/>
+                </a:solidFill>
+              </a:defRPr>
+            </a:lvl8pPr>
+            <a:lvl9pPr lvl="8" algn="l">
+              <a:lnSpc>
+                <a:spcPct val="100000"/>
+              </a:lnSpc>
+              <a:spcBef>
+                <a:spcPts val="0"/>
+              </a:spcBef>
+              <a:spcAft>
+                <a:spcPts val="0"/>
+              </a:spcAft>
+              <a:buClr>
+                <a:schemeClr val="lt2"/>
+              </a:buClr>
+              <a:buSzPts val="1100"/>
+              <a:buNone/>
+              <a:defRPr sz="1467">
+                <a:solidFill>
+                  <a:schemeClr val="lt2"/>
+                </a:solidFill>
+              </a:defRPr>
+            </a:lvl9pPr>
+          </a:lstStyle>
+          <a:p>
+            <a:endParaRPr/>
+          </a:p>
+        </p:txBody>
+      </p:sp>
+      <p:sp>
+        <p:nvSpPr>
+          <p:cNvPr id="19" name="Google Shape;19;p16"/>
+          <p:cNvSpPr txBox="1">
+            <a:spLocks noGrp="1"/>
+          </p:cNvSpPr>
+          <p:nvPr>
+            <p:ph type="ctrTitle" idx="3"/>
+          </p:nvPr>
+        </p:nvSpPr>
+        <p:spPr>
+          <a:xfrm>
+            <a:off x="4313600" y="3739617"/>
+            <a:ext cx="3564800" cy="570000"/>
+          </a:xfrm>
+          <a:prstGeom prst="rect">
+            <a:avLst/>
+          </a:prstGeom>
+          <a:noFill/>
+          <a:ln>
+            <a:noFill/>
+          </a:ln>
+        </p:spPr>
+        <p:txBody>
+          <a:bodyPr spcFirstLastPara="1" wrap="square" lIns="91425" tIns="91425" rIns="91425" bIns="91425" anchor="b" anchorCtr="0">
+            <a:noAutofit/>
+          </a:bodyPr>
+          <a:lstStyle>
+            <a:lvl1pPr lvl="0" algn="ctr">
+              <a:lnSpc>
+                <a:spcPct val="100000"/>
+              </a:lnSpc>
+              <a:spcBef>
+                <a:spcPts val="0"/>
+              </a:spcBef>
+              <a:spcAft>
+                <a:spcPts val="0"/>
+              </a:spcAft>
+              <a:buSzPts val="1800"/>
+              <a:buNone/>
+              <a:defRPr sz="2400"/>
+            </a:lvl1pPr>
+            <a:lvl2pPr lvl="1" algn="l">
+              <a:lnSpc>
+                <a:spcPct val="100000"/>
+              </a:lnSpc>
+              <a:spcBef>
+                <a:spcPts val="0"/>
+              </a:spcBef>
+              <a:spcAft>
+                <a:spcPts val="0"/>
+              </a:spcAft>
+              <a:buClr>
+                <a:schemeClr val="accent6"/>
+              </a:buClr>
+              <a:buSzPts val="1800"/>
+              <a:buNone/>
+              <a:defRPr sz="2400">
+                <a:solidFill>
+                  <a:schemeClr val="accent6"/>
+                </a:solidFill>
+              </a:defRPr>
+            </a:lvl2pPr>
+            <a:lvl3pPr lvl="2" algn="l">
+              <a:lnSpc>
+                <a:spcPct val="100000"/>
+              </a:lnSpc>
+              <a:spcBef>
+                <a:spcPts val="0"/>
+              </a:spcBef>
+              <a:spcAft>
+                <a:spcPts val="0"/>
+              </a:spcAft>
+              <a:buClr>
+                <a:schemeClr val="accent6"/>
+              </a:buClr>
+              <a:buSzPts val="1800"/>
+              <a:buNone/>
+              <a:defRPr sz="2400">
+                <a:solidFill>
+                  <a:schemeClr val="accent6"/>
+                </a:solidFill>
+              </a:defRPr>
+            </a:lvl3pPr>
+            <a:lvl4pPr lvl="3" algn="l">
+              <a:lnSpc>
+                <a:spcPct val="100000"/>
+              </a:lnSpc>
+              <a:spcBef>
+                <a:spcPts val="0"/>
+              </a:spcBef>
+              <a:spcAft>
+                <a:spcPts val="0"/>
+              </a:spcAft>
+              <a:buClr>
+                <a:schemeClr val="accent6"/>
+              </a:buClr>
+              <a:buSzPts val="1800"/>
+              <a:buNone/>
+              <a:defRPr sz="2400">
+                <a:solidFill>
+                  <a:schemeClr val="accent6"/>
+                </a:solidFill>
+              </a:defRPr>
+            </a:lvl4pPr>
+            <a:lvl5pPr lvl="4" algn="l">
+              <a:lnSpc>
+                <a:spcPct val="100000"/>
+              </a:lnSpc>
+              <a:spcBef>
+                <a:spcPts val="0"/>
+              </a:spcBef>
+              <a:spcAft>
+                <a:spcPts val="0"/>
+              </a:spcAft>
+              <a:buClr>
+                <a:schemeClr val="accent6"/>
+              </a:buClr>
+              <a:buSzPts val="1800"/>
+              <a:buNone/>
+              <a:defRPr sz="2400">
+                <a:solidFill>
+                  <a:schemeClr val="accent6"/>
+                </a:solidFill>
+              </a:defRPr>
+            </a:lvl5pPr>
+            <a:lvl6pPr lvl="5" algn="l">
+              <a:lnSpc>
+                <a:spcPct val="100000"/>
+              </a:lnSpc>
+              <a:spcBef>
+                <a:spcPts val="0"/>
+              </a:spcBef>
+              <a:spcAft>
+                <a:spcPts val="0"/>
+              </a:spcAft>
+              <a:buClr>
+                <a:schemeClr val="accent6"/>
+              </a:buClr>
+              <a:buSzPts val="1800"/>
+              <a:buNone/>
+              <a:defRPr sz="2400">
+                <a:solidFill>
+                  <a:schemeClr val="accent6"/>
+                </a:solidFill>
+              </a:defRPr>
+            </a:lvl6pPr>
+            <a:lvl7pPr lvl="6" algn="l">
+              <a:lnSpc>
+                <a:spcPct val="100000"/>
+              </a:lnSpc>
+              <a:spcBef>
+                <a:spcPts val="0"/>
+              </a:spcBef>
+              <a:spcAft>
+                <a:spcPts val="0"/>
+              </a:spcAft>
+              <a:buClr>
+                <a:schemeClr val="accent6"/>
+              </a:buClr>
+              <a:buSzPts val="1800"/>
+              <a:buNone/>
+              <a:defRPr sz="2400">
+                <a:solidFill>
+                  <a:schemeClr val="accent6"/>
+                </a:solidFill>
+              </a:defRPr>
+            </a:lvl7pPr>
+            <a:lvl8pPr lvl="7" algn="l">
+              <a:lnSpc>
+                <a:spcPct val="100000"/>
+              </a:lnSpc>
+              <a:spcBef>
+                <a:spcPts val="0"/>
+              </a:spcBef>
+              <a:spcAft>
+                <a:spcPts val="0"/>
+              </a:spcAft>
+              <a:buClr>
+                <a:schemeClr val="accent6"/>
+              </a:buClr>
+              <a:buSzPts val="1800"/>
+              <a:buNone/>
+              <a:defRPr sz="2400">
+                <a:solidFill>
+                  <a:schemeClr val="accent6"/>
+                </a:solidFill>
+              </a:defRPr>
+            </a:lvl8pPr>
+            <a:lvl9pPr lvl="8" algn="l">
+              <a:lnSpc>
+                <a:spcPct val="100000"/>
+              </a:lnSpc>
+              <a:spcBef>
+                <a:spcPts val="0"/>
+              </a:spcBef>
+              <a:spcAft>
+                <a:spcPts val="0"/>
+              </a:spcAft>
+              <a:buClr>
+                <a:schemeClr val="accent6"/>
+              </a:buClr>
+              <a:buSzPts val="1800"/>
+              <a:buNone/>
+              <a:defRPr sz="2400">
+                <a:solidFill>
+                  <a:schemeClr val="accent6"/>
+                </a:solidFill>
+              </a:defRPr>
+            </a:lvl9pPr>
+          </a:lstStyle>
+          <a:p>
+            <a:endParaRPr/>
+          </a:p>
+        </p:txBody>
+      </p:sp>
+      <p:sp>
+        <p:nvSpPr>
+          <p:cNvPr id="20" name="Google Shape;20;p16"/>
+          <p:cNvSpPr txBox="1">
+            <a:spLocks noGrp="1"/>
+          </p:cNvSpPr>
+          <p:nvPr>
+            <p:ph type="subTitle" idx="4"/>
+          </p:nvPr>
+        </p:nvSpPr>
+        <p:spPr>
+          <a:xfrm>
+            <a:off x="4617200" y="2715667"/>
+            <a:ext cx="2957600" cy="1337600"/>
+          </a:xfrm>
+          <a:prstGeom prst="rect">
+            <a:avLst/>
+          </a:prstGeom>
+          <a:noFill/>
+          <a:ln>
+            <a:noFill/>
+          </a:ln>
+        </p:spPr>
+        <p:txBody>
+          <a:bodyPr spcFirstLastPara="1" wrap="square" lIns="91425" tIns="91425" rIns="91425" bIns="91425" anchor="t" anchorCtr="0">
+            <a:noAutofit/>
+          </a:bodyPr>
+          <a:lstStyle>
+            <a:lvl1pPr lvl="0" algn="ctr">
+              <a:lnSpc>
+                <a:spcPct val="100000"/>
+              </a:lnSpc>
+              <a:spcBef>
+                <a:spcPts val="0"/>
+              </a:spcBef>
+              <a:spcAft>
+                <a:spcPts val="0"/>
+              </a:spcAft>
+              <a:buClr>
+                <a:schemeClr val="dk2"/>
+              </a:buClr>
+              <a:buSzPts val="1100"/>
+              <a:buNone/>
+              <a:defRPr sz="1467">
+                <a:solidFill>
+                  <a:schemeClr val="dk2"/>
+                </a:solidFill>
+              </a:defRPr>
+            </a:lvl1pPr>
+            <a:lvl2pPr lvl="1" algn="l">
+              <a:lnSpc>
+                <a:spcPct val="100000"/>
+              </a:lnSpc>
+              <a:spcBef>
+                <a:spcPts val="0"/>
+              </a:spcBef>
+              <a:spcAft>
+                <a:spcPts val="0"/>
+              </a:spcAft>
+              <a:buClr>
+                <a:schemeClr val="dk2"/>
+              </a:buClr>
+              <a:buSzPts val="1100"/>
+              <a:buNone/>
+              <a:defRPr sz="1467">
+                <a:solidFill>
+                  <a:schemeClr val="dk2"/>
+                </a:solidFill>
+              </a:defRPr>
+            </a:lvl2pPr>
+            <a:lvl3pPr lvl="2" algn="l">
+              <a:lnSpc>
+                <a:spcPct val="100000"/>
+              </a:lnSpc>
+              <a:spcBef>
+                <a:spcPts val="0"/>
+              </a:spcBef>
+              <a:spcAft>
+                <a:spcPts val="0"/>
+              </a:spcAft>
+              <a:buClr>
+                <a:schemeClr val="dk2"/>
+              </a:buClr>
+              <a:buSzPts val="1100"/>
+              <a:buNone/>
+              <a:defRPr sz="1467">
+                <a:solidFill>
+                  <a:schemeClr val="dk2"/>
+                </a:solidFill>
+              </a:defRPr>
+            </a:lvl3pPr>
+            <a:lvl4pPr lvl="3" algn="l">
+              <a:lnSpc>
+                <a:spcPct val="100000"/>
+              </a:lnSpc>
+              <a:spcBef>
+                <a:spcPts val="0"/>
+              </a:spcBef>
+              <a:spcAft>
+                <a:spcPts val="0"/>
+              </a:spcAft>
+              <a:buClr>
+                <a:schemeClr val="dk2"/>
+              </a:buClr>
+              <a:buSzPts val="1100"/>
+              <a:buNone/>
+              <a:defRPr sz="1467">
+                <a:solidFill>
+                  <a:schemeClr val="dk2"/>
+                </a:solidFill>
+              </a:defRPr>
+            </a:lvl4pPr>
+            <a:lvl5pPr lvl="4" algn="l">
+              <a:lnSpc>
+                <a:spcPct val="100000"/>
+              </a:lnSpc>
+              <a:spcBef>
+                <a:spcPts val="0"/>
+              </a:spcBef>
+              <a:spcAft>
+                <a:spcPts val="0"/>
+              </a:spcAft>
+              <a:buClr>
+                <a:schemeClr val="dk2"/>
+              </a:buClr>
+              <a:buSzPts val="1100"/>
+              <a:buNone/>
+              <a:defRPr sz="1467">
+                <a:solidFill>
+                  <a:schemeClr val="dk2"/>
+                </a:solidFill>
+              </a:defRPr>
+            </a:lvl5pPr>
+            <a:lvl6pPr lvl="5" algn="l">
+              <a:lnSpc>
+                <a:spcPct val="100000"/>
+              </a:lnSpc>
+              <a:spcBef>
+                <a:spcPts val="0"/>
+              </a:spcBef>
+              <a:spcAft>
+                <a:spcPts val="0"/>
+              </a:spcAft>
+              <a:buClr>
+                <a:schemeClr val="dk2"/>
+              </a:buClr>
+              <a:buSzPts val="1100"/>
+              <a:buNone/>
+              <a:defRPr sz="1467">
+                <a:solidFill>
+                  <a:schemeClr val="dk2"/>
+                </a:solidFill>
+              </a:defRPr>
+            </a:lvl6pPr>
+            <a:lvl7pPr lvl="6" algn="l">
+              <a:lnSpc>
+                <a:spcPct val="100000"/>
+              </a:lnSpc>
+              <a:spcBef>
+                <a:spcPts val="0"/>
+              </a:spcBef>
+              <a:spcAft>
+                <a:spcPts val="0"/>
+              </a:spcAft>
+              <a:buClr>
+                <a:schemeClr val="dk2"/>
+              </a:buClr>
+              <a:buSzPts val="1100"/>
+              <a:buNone/>
+              <a:defRPr sz="1467">
+                <a:solidFill>
+                  <a:schemeClr val="dk2"/>
+                </a:solidFill>
+              </a:defRPr>
+            </a:lvl7pPr>
+            <a:lvl8pPr lvl="7" algn="l">
+              <a:lnSpc>
+                <a:spcPct val="100000"/>
+              </a:lnSpc>
+              <a:spcBef>
+                <a:spcPts val="0"/>
+              </a:spcBef>
+              <a:spcAft>
+                <a:spcPts val="0"/>
+              </a:spcAft>
+              <a:buClr>
+                <a:schemeClr val="dk2"/>
+              </a:buClr>
+              <a:buSzPts val="1100"/>
+              <a:buNone/>
+              <a:defRPr sz="1467">
+                <a:solidFill>
+                  <a:schemeClr val="dk2"/>
+                </a:solidFill>
+              </a:defRPr>
+            </a:lvl8pPr>
+            <a:lvl9pPr lvl="8" algn="l">
+              <a:lnSpc>
+                <a:spcPct val="100000"/>
+              </a:lnSpc>
+              <a:spcBef>
+                <a:spcPts val="0"/>
+              </a:spcBef>
+              <a:spcAft>
+                <a:spcPts val="0"/>
+              </a:spcAft>
+              <a:buClr>
+                <a:schemeClr val="dk2"/>
+              </a:buClr>
+              <a:buSzPts val="1100"/>
+              <a:buNone/>
+              <a:defRPr sz="1467">
+                <a:solidFill>
+                  <a:schemeClr val="dk2"/>
+                </a:solidFill>
+              </a:defRPr>
+            </a:lvl9pPr>
+          </a:lstStyle>
+          <a:p>
+            <a:endParaRPr/>
+          </a:p>
+        </p:txBody>
+      </p:sp>
+      <p:sp>
+        <p:nvSpPr>
+          <p:cNvPr id="21" name="Google Shape;21;p16"/>
+          <p:cNvSpPr txBox="1">
+            <a:spLocks noGrp="1"/>
+          </p:cNvSpPr>
+          <p:nvPr>
+            <p:ph type="ctrTitle" idx="5"/>
+          </p:nvPr>
+        </p:nvSpPr>
+        <p:spPr>
+          <a:xfrm>
+            <a:off x="7878400" y="3739617"/>
+            <a:ext cx="3564800" cy="570000"/>
+          </a:xfrm>
+          <a:prstGeom prst="rect">
+            <a:avLst/>
+          </a:prstGeom>
+          <a:noFill/>
+          <a:ln>
+            <a:noFill/>
+          </a:ln>
+        </p:spPr>
+        <p:txBody>
+          <a:bodyPr spcFirstLastPara="1" wrap="square" lIns="91425" tIns="91425" rIns="91425" bIns="91425" anchor="b" anchorCtr="0">
+            <a:noAutofit/>
+          </a:bodyPr>
+          <a:lstStyle>
+            <a:lvl1pPr lvl="0" algn="ctr">
+              <a:lnSpc>
+                <a:spcPct val="100000"/>
+              </a:lnSpc>
+              <a:spcBef>
+                <a:spcPts val="0"/>
+              </a:spcBef>
+              <a:spcAft>
+                <a:spcPts val="0"/>
+              </a:spcAft>
+              <a:buClr>
+                <a:schemeClr val="dk2"/>
+              </a:buClr>
+              <a:buSzPts val="1800"/>
+              <a:buNone/>
+              <a:defRPr sz="2400">
+                <a:solidFill>
+                  <a:schemeClr val="dk2"/>
+                </a:solidFill>
+              </a:defRPr>
+            </a:lvl1pPr>
+            <a:lvl2pPr lvl="1" algn="l">
+              <a:lnSpc>
+                <a:spcPct val="100000"/>
+              </a:lnSpc>
+              <a:spcBef>
+                <a:spcPts val="0"/>
+              </a:spcBef>
+              <a:spcAft>
+                <a:spcPts val="0"/>
+              </a:spcAft>
+              <a:buClr>
+                <a:schemeClr val="dk2"/>
+              </a:buClr>
+              <a:buSzPts val="1800"/>
+              <a:buNone/>
+              <a:defRPr sz="2400">
+                <a:solidFill>
+                  <a:schemeClr val="dk2"/>
+                </a:solidFill>
+              </a:defRPr>
+            </a:lvl2pPr>
+            <a:lvl3pPr lvl="2" algn="l">
+              <a:lnSpc>
+                <a:spcPct val="100000"/>
+              </a:lnSpc>
+              <a:spcBef>
+                <a:spcPts val="0"/>
+              </a:spcBef>
+              <a:spcAft>
+                <a:spcPts val="0"/>
+              </a:spcAft>
+              <a:buClr>
+                <a:schemeClr val="dk2"/>
+              </a:buClr>
+              <a:buSzPts val="1800"/>
+              <a:buNone/>
+              <a:defRPr sz="2400">
+                <a:solidFill>
+                  <a:schemeClr val="dk2"/>
+                </a:solidFill>
+              </a:defRPr>
+            </a:lvl3pPr>
+            <a:lvl4pPr lvl="3" algn="l">
+              <a:lnSpc>
+                <a:spcPct val="100000"/>
+              </a:lnSpc>
+              <a:spcBef>
+                <a:spcPts val="0"/>
+              </a:spcBef>
+              <a:spcAft>
+                <a:spcPts val="0"/>
+              </a:spcAft>
+              <a:buClr>
+                <a:schemeClr val="dk2"/>
+              </a:buClr>
+              <a:buSzPts val="1800"/>
+              <a:buNone/>
+              <a:defRPr sz="2400">
+                <a:solidFill>
+                  <a:schemeClr val="dk2"/>
+                </a:solidFill>
+              </a:defRPr>
+            </a:lvl4pPr>
+            <a:lvl5pPr lvl="4" algn="l">
+              <a:lnSpc>
+                <a:spcPct val="100000"/>
+              </a:lnSpc>
+              <a:spcBef>
+                <a:spcPts val="0"/>
+              </a:spcBef>
+              <a:spcAft>
+                <a:spcPts val="0"/>
+              </a:spcAft>
+              <a:buClr>
+                <a:schemeClr val="dk2"/>
+              </a:buClr>
+              <a:buSzPts val="1800"/>
+              <a:buNone/>
+              <a:defRPr sz="2400">
+                <a:solidFill>
+                  <a:schemeClr val="dk2"/>
+                </a:solidFill>
+              </a:defRPr>
+            </a:lvl5pPr>
+            <a:lvl6pPr lvl="5" algn="l">
+              <a:lnSpc>
+                <a:spcPct val="100000"/>
+              </a:lnSpc>
+              <a:spcBef>
+                <a:spcPts val="0"/>
+              </a:spcBef>
+              <a:spcAft>
+                <a:spcPts val="0"/>
+              </a:spcAft>
+              <a:buClr>
+                <a:schemeClr val="dk2"/>
+              </a:buClr>
+              <a:buSzPts val="1800"/>
+              <a:buNone/>
+              <a:defRPr sz="2400">
+                <a:solidFill>
+                  <a:schemeClr val="dk2"/>
+                </a:solidFill>
+              </a:defRPr>
+            </a:lvl6pPr>
+            <a:lvl7pPr lvl="6" algn="l">
+              <a:lnSpc>
+                <a:spcPct val="100000"/>
+              </a:lnSpc>
+              <a:spcBef>
+                <a:spcPts val="0"/>
+              </a:spcBef>
+              <a:spcAft>
+                <a:spcPts val="0"/>
+              </a:spcAft>
+              <a:buClr>
+                <a:schemeClr val="dk2"/>
+              </a:buClr>
+              <a:buSzPts val="1800"/>
+              <a:buNone/>
+              <a:defRPr sz="2400">
+                <a:solidFill>
+                  <a:schemeClr val="dk2"/>
+                </a:solidFill>
+              </a:defRPr>
+            </a:lvl7pPr>
+            <a:lvl8pPr lvl="7" algn="l">
+              <a:lnSpc>
+                <a:spcPct val="100000"/>
+              </a:lnSpc>
+              <a:spcBef>
+                <a:spcPts val="0"/>
+              </a:spcBef>
+              <a:spcAft>
+                <a:spcPts val="0"/>
+              </a:spcAft>
+              <a:buClr>
+                <a:schemeClr val="dk2"/>
+              </a:buClr>
+              <a:buSzPts val="1800"/>
+              <a:buNone/>
+              <a:defRPr sz="2400">
+                <a:solidFill>
+                  <a:schemeClr val="dk2"/>
+                </a:solidFill>
+              </a:defRPr>
+            </a:lvl8pPr>
+            <a:lvl9pPr lvl="8" algn="l">
+              <a:lnSpc>
+                <a:spcPct val="100000"/>
+              </a:lnSpc>
+              <a:spcBef>
+                <a:spcPts val="0"/>
+              </a:spcBef>
+              <a:spcAft>
+                <a:spcPts val="0"/>
+              </a:spcAft>
+              <a:buClr>
+                <a:schemeClr val="dk2"/>
+              </a:buClr>
+              <a:buSzPts val="1800"/>
+              <a:buNone/>
+              <a:defRPr sz="2400">
+                <a:solidFill>
+                  <a:schemeClr val="dk2"/>
+                </a:solidFill>
+              </a:defRPr>
+            </a:lvl9pPr>
+          </a:lstStyle>
+          <a:p>
+            <a:endParaRPr/>
+          </a:p>
+        </p:txBody>
+      </p:sp>
+      <p:sp>
+        <p:nvSpPr>
+          <p:cNvPr id="22" name="Google Shape;22;p16"/>
+          <p:cNvSpPr txBox="1">
+            <a:spLocks noGrp="1"/>
+          </p:cNvSpPr>
+          <p:nvPr>
+            <p:ph type="subTitle" idx="6"/>
+          </p:nvPr>
+        </p:nvSpPr>
+        <p:spPr>
+          <a:xfrm>
+            <a:off x="8182000" y="4120633"/>
+            <a:ext cx="2957600" cy="1337600"/>
+          </a:xfrm>
+          <a:prstGeom prst="rect">
+            <a:avLst/>
+          </a:prstGeom>
+          <a:noFill/>
+          <a:ln>
+            <a:noFill/>
+          </a:ln>
+        </p:spPr>
+        <p:txBody>
+          <a:bodyPr spcFirstLastPara="1" wrap="square" lIns="91425" tIns="91425" rIns="91425" bIns="91425" anchor="t" anchorCtr="0">
+            <a:noAutofit/>
+          </a:bodyPr>
+          <a:lstStyle>
+            <a:lvl1pPr lvl="0" algn="ctr">
+              <a:lnSpc>
+                <a:spcPct val="100000"/>
+              </a:lnSpc>
+              <a:spcBef>
+                <a:spcPts val="0"/>
+              </a:spcBef>
+              <a:spcAft>
+                <a:spcPts val="0"/>
+              </a:spcAft>
+              <a:buClr>
+                <a:schemeClr val="lt2"/>
+              </a:buClr>
+              <a:buSzPts val="1100"/>
+              <a:buNone/>
+              <a:defRPr sz="1467">
+                <a:solidFill>
+                  <a:schemeClr val="lt2"/>
+                </a:solidFill>
+              </a:defRPr>
+            </a:lvl1pPr>
+            <a:lvl2pPr lvl="1" algn="l">
+              <a:lnSpc>
+                <a:spcPct val="100000"/>
+              </a:lnSpc>
+              <a:spcBef>
+                <a:spcPts val="0"/>
+              </a:spcBef>
+              <a:spcAft>
+                <a:spcPts val="0"/>
+              </a:spcAft>
+              <a:buClr>
+                <a:schemeClr val="lt2"/>
+              </a:buClr>
+              <a:buSzPts val="1100"/>
+              <a:buNone/>
+              <a:defRPr sz="1467">
+                <a:solidFill>
+                  <a:schemeClr val="lt2"/>
+                </a:solidFill>
+              </a:defRPr>
+            </a:lvl2pPr>
+            <a:lvl3pPr lvl="2" algn="l">
+              <a:lnSpc>
+                <a:spcPct val="100000"/>
+              </a:lnSpc>
+              <a:spcBef>
+                <a:spcPts val="0"/>
+              </a:spcBef>
+              <a:spcAft>
+                <a:spcPts val="0"/>
+              </a:spcAft>
+              <a:buClr>
+                <a:schemeClr val="lt2"/>
+              </a:buClr>
+              <a:buSzPts val="1100"/>
+              <a:buNone/>
+              <a:defRPr sz="1467">
+                <a:solidFill>
+                  <a:schemeClr val="lt2"/>
+                </a:solidFill>
+              </a:defRPr>
+            </a:lvl3pPr>
+            <a:lvl4pPr lvl="3" algn="l">
+              <a:lnSpc>
+                <a:spcPct val="100000"/>
+              </a:lnSpc>
+              <a:spcBef>
+                <a:spcPts val="0"/>
+              </a:spcBef>
+              <a:spcAft>
+                <a:spcPts val="0"/>
+              </a:spcAft>
+              <a:buClr>
+                <a:schemeClr val="lt2"/>
+              </a:buClr>
+              <a:buSzPts val="1100"/>
+              <a:buNone/>
+              <a:defRPr sz="1467">
+                <a:solidFill>
+                  <a:schemeClr val="lt2"/>
+                </a:solidFill>
+              </a:defRPr>
+            </a:lvl4pPr>
+            <a:lvl5pPr lvl="4" algn="l">
+              <a:lnSpc>
+                <a:spcPct val="100000"/>
+              </a:lnSpc>
+              <a:spcBef>
+                <a:spcPts val="0"/>
+              </a:spcBef>
+              <a:spcAft>
+                <a:spcPts val="0"/>
+              </a:spcAft>
+              <a:buClr>
+                <a:schemeClr val="lt2"/>
+              </a:buClr>
+              <a:buSzPts val="1100"/>
+              <a:buNone/>
+              <a:defRPr sz="1467">
+                <a:solidFill>
+                  <a:schemeClr val="lt2"/>
+                </a:solidFill>
+              </a:defRPr>
+            </a:lvl5pPr>
+            <a:lvl6pPr lvl="5" algn="l">
+              <a:lnSpc>
+                <a:spcPct val="100000"/>
+              </a:lnSpc>
+              <a:spcBef>
+                <a:spcPts val="0"/>
+              </a:spcBef>
+              <a:spcAft>
+                <a:spcPts val="0"/>
+              </a:spcAft>
+              <a:buClr>
+                <a:schemeClr val="lt2"/>
+              </a:buClr>
+              <a:buSzPts val="1100"/>
+              <a:buNone/>
+              <a:defRPr sz="1467">
+                <a:solidFill>
+                  <a:schemeClr val="lt2"/>
+                </a:solidFill>
+              </a:defRPr>
+            </a:lvl6pPr>
+            <a:lvl7pPr lvl="6" algn="l">
+              <a:lnSpc>
+                <a:spcPct val="100000"/>
+              </a:lnSpc>
+              <a:spcBef>
+                <a:spcPts val="0"/>
+              </a:spcBef>
+              <a:spcAft>
+                <a:spcPts val="0"/>
+              </a:spcAft>
+              <a:buClr>
+                <a:schemeClr val="lt2"/>
+              </a:buClr>
+              <a:buSzPts val="1100"/>
+              <a:buNone/>
+              <a:defRPr sz="1467">
+                <a:solidFill>
+                  <a:schemeClr val="lt2"/>
+                </a:solidFill>
+              </a:defRPr>
+            </a:lvl7pPr>
+            <a:lvl8pPr lvl="7" algn="l">
+              <a:lnSpc>
+                <a:spcPct val="100000"/>
+              </a:lnSpc>
+              <a:spcBef>
+                <a:spcPts val="0"/>
+              </a:spcBef>
+              <a:spcAft>
+                <a:spcPts val="0"/>
+              </a:spcAft>
+              <a:buClr>
+                <a:schemeClr val="lt2"/>
+              </a:buClr>
+              <a:buSzPts val="1100"/>
+              <a:buNone/>
+              <a:defRPr sz="1467">
+                <a:solidFill>
+                  <a:schemeClr val="lt2"/>
+                </a:solidFill>
+              </a:defRPr>
+            </a:lvl8pPr>
+            <a:lvl9pPr lvl="8" algn="l">
+              <a:lnSpc>
+                <a:spcPct val="100000"/>
+              </a:lnSpc>
+              <a:spcBef>
+                <a:spcPts val="0"/>
+              </a:spcBef>
+              <a:spcAft>
+                <a:spcPts val="0"/>
+              </a:spcAft>
+              <a:buClr>
+                <a:schemeClr val="lt2"/>
+              </a:buClr>
+              <a:buSzPts val="1100"/>
+              <a:buNone/>
+              <a:defRPr sz="1467">
+                <a:solidFill>
+                  <a:schemeClr val="lt2"/>
+                </a:solidFill>
+              </a:defRPr>
+            </a:lvl9pPr>
+          </a:lstStyle>
+          <a:p>
+            <a:endParaRPr/>
+          </a:p>
+        </p:txBody>
+      </p:sp>
+    </p:spTree>
+    <p:extLst>
+      <p:ext uri="{BB962C8B-B14F-4D97-AF65-F5344CB8AC3E}">
+        <p14:creationId xmlns:p14="http://schemas.microsoft.com/office/powerpoint/2010/main" val="1605261151"/>
       </p:ext>
     </p:extLst>
   </p:cSld>
@@ -3020,6 +6599,9 @@
     <p:sldLayoutId id="2147483657" r:id="rId9"/>
     <p:sldLayoutId id="2147483658" r:id="rId10"/>
     <p:sldLayoutId id="2147483659" r:id="rId11"/>
+    <p:sldLayoutId id="2147483660" r:id="rId12"/>
+    <p:sldLayoutId id="2147483661" r:id="rId13"/>
+    <p:sldLayoutId id="2147483662" r:id="rId14"/>
   </p:sldLayoutIdLst>
   <p:txStyles>
     <p:titleStyle>
@@ -3446,6 +7028,5319 @@
 </p:sld>
 </file>
 
+<file path=ppt/slides/slide2.xml><?xml version="1.0" encoding="utf-8"?>
+<p:sld xmlns:a="http://schemas.openxmlformats.org/drawingml/2006/main" xmlns:r="http://schemas.openxmlformats.org/officeDocument/2006/relationships" xmlns:p="http://schemas.openxmlformats.org/presentationml/2006/main">
+  <p:cSld>
+    <p:spTree>
+      <p:nvGrpSpPr>
+        <p:cNvPr id="1" name="Shape 42"/>
+        <p:cNvGrpSpPr/>
+        <p:nvPr/>
+      </p:nvGrpSpPr>
+      <p:grpSpPr>
+        <a:xfrm>
+          <a:off x="0" y="0"/>
+          <a:ext cx="0" cy="0"/>
+          <a:chOff x="0" y="0"/>
+          <a:chExt cx="0" cy="0"/>
+        </a:xfrm>
+      </p:grpSpPr>
+      <p:sp>
+        <p:nvSpPr>
+          <p:cNvPr id="43" name="Google Shape;43;g1f083006354_0_200"/>
+          <p:cNvSpPr txBox="1">
+            <a:spLocks noGrp="1"/>
+          </p:cNvSpPr>
+          <p:nvPr>
+            <p:ph type="ctrTitle"/>
+          </p:nvPr>
+        </p:nvSpPr>
+        <p:spPr>
+          <a:xfrm>
+            <a:off x="6194600" y="841475"/>
+            <a:ext cx="5679600" cy="3287100"/>
+          </a:xfrm>
+          <a:prstGeom prst="rect">
+            <a:avLst/>
+          </a:prstGeom>
+          <a:noFill/>
+          <a:ln>
+            <a:noFill/>
+          </a:ln>
+        </p:spPr>
+        <p:txBody>
+          <a:bodyPr spcFirstLastPara="1" wrap="square" lIns="121900" tIns="121900" rIns="121900" bIns="121900" anchor="b" anchorCtr="0">
+            <a:noAutofit/>
+          </a:bodyPr>
+          <a:lstStyle/>
+          <a:p>
+            <a:pPr marL="0" lvl="0" indent="0" algn="l" rtl="0">
+              <a:lnSpc>
+                <a:spcPct val="90000"/>
+              </a:lnSpc>
+              <a:spcBef>
+                <a:spcPts val="0"/>
+              </a:spcBef>
+              <a:spcAft>
+                <a:spcPts val="0"/>
+              </a:spcAft>
+              <a:buClr>
+                <a:schemeClr val="accent1"/>
+              </a:buClr>
+              <a:buSzPts val="4400"/>
+              <a:buNone/>
+            </a:pPr>
+            <a:r>
+              <a:rPr lang="fr-FR" sz="4400" b="0" dirty="0">
+                <a:solidFill>
+                  <a:schemeClr val="lt2"/>
+                </a:solidFill>
+                <a:latin typeface="Open Sans SemiBold"/>
+                <a:ea typeface="Open Sans SemiBold"/>
+                <a:cs typeface="Open Sans SemiBold"/>
+                <a:sym typeface="Open Sans SemiBold"/>
+              </a:rPr>
+              <a:t>Re-</a:t>
+            </a:r>
+            <a:r>
+              <a:rPr lang="fr-FR" sz="4400" b="0" dirty="0" err="1">
+                <a:solidFill>
+                  <a:schemeClr val="lt2"/>
+                </a:solidFill>
+                <a:latin typeface="Open Sans SemiBold"/>
+                <a:ea typeface="Open Sans SemiBold"/>
+                <a:cs typeface="Open Sans SemiBold"/>
+                <a:sym typeface="Open Sans SemiBold"/>
+              </a:rPr>
+              <a:t>inventing</a:t>
+            </a:r>
+            <a:endParaRPr sz="1400" b="0" dirty="0">
+              <a:solidFill>
+                <a:srgbClr val="000000"/>
+              </a:solidFill>
+              <a:latin typeface="Arial"/>
+              <a:ea typeface="Arial"/>
+              <a:cs typeface="Arial"/>
+              <a:sym typeface="Arial"/>
+            </a:endParaRPr>
+          </a:p>
+          <a:p>
+            <a:pPr marL="0" lvl="0" indent="0" algn="l" rtl="0">
+              <a:lnSpc>
+                <a:spcPct val="90000"/>
+              </a:lnSpc>
+              <a:spcBef>
+                <a:spcPts val="1400"/>
+              </a:spcBef>
+              <a:spcAft>
+                <a:spcPts val="0"/>
+              </a:spcAft>
+              <a:buClr>
+                <a:schemeClr val="accent1"/>
+              </a:buClr>
+              <a:buSzPts val="3600"/>
+              <a:buNone/>
+            </a:pPr>
+            <a:r>
+              <a:rPr lang="fr-FR" sz="3600" b="0" dirty="0">
+                <a:solidFill>
+                  <a:schemeClr val="lt2"/>
+                </a:solidFill>
+                <a:latin typeface="Open Sans"/>
+                <a:ea typeface="Open Sans"/>
+                <a:cs typeface="Open Sans"/>
+                <a:sym typeface="Open Sans"/>
+              </a:rPr>
+              <a:t>cancer </a:t>
+            </a:r>
+            <a:r>
+              <a:rPr lang="fr-FR" sz="3600" b="0" dirty="0" err="1">
+                <a:solidFill>
+                  <a:schemeClr val="lt2"/>
+                </a:solidFill>
+                <a:latin typeface="Open Sans"/>
+                <a:ea typeface="Open Sans"/>
+                <a:cs typeface="Open Sans"/>
+                <a:sym typeface="Open Sans"/>
+              </a:rPr>
+              <a:t>treatment</a:t>
+            </a:r>
+            <a:r>
+              <a:rPr lang="fr-FR" sz="3600" b="0" dirty="0">
+                <a:solidFill>
+                  <a:schemeClr val="lt2"/>
+                </a:solidFill>
+                <a:latin typeface="Open Sans"/>
+                <a:ea typeface="Open Sans"/>
+                <a:cs typeface="Open Sans"/>
+                <a:sym typeface="Open Sans"/>
+              </a:rPr>
+              <a:t> </a:t>
+            </a:r>
+            <a:r>
+              <a:rPr lang="fr-FR" sz="3600" b="0" dirty="0" err="1">
+                <a:solidFill>
+                  <a:schemeClr val="lt2"/>
+                </a:solidFill>
+                <a:latin typeface="Open Sans"/>
+                <a:ea typeface="Open Sans"/>
+                <a:cs typeface="Open Sans"/>
+                <a:sym typeface="Open Sans"/>
+              </a:rPr>
+              <a:t>with</a:t>
+            </a:r>
+            <a:endParaRPr sz="1400" b="0" dirty="0">
+              <a:solidFill>
+                <a:srgbClr val="000000"/>
+              </a:solidFill>
+              <a:latin typeface="Arial"/>
+              <a:ea typeface="Arial"/>
+              <a:cs typeface="Arial"/>
+              <a:sym typeface="Arial"/>
+            </a:endParaRPr>
+          </a:p>
+          <a:p>
+            <a:pPr marL="0" lvl="0" indent="0" algn="l" rtl="0">
+              <a:lnSpc>
+                <a:spcPct val="90000"/>
+              </a:lnSpc>
+              <a:spcBef>
+                <a:spcPts val="1400"/>
+              </a:spcBef>
+              <a:spcAft>
+                <a:spcPts val="0"/>
+              </a:spcAft>
+              <a:buClr>
+                <a:schemeClr val="accent1"/>
+              </a:buClr>
+              <a:buSzPts val="4000"/>
+              <a:buNone/>
+            </a:pPr>
+            <a:r>
+              <a:rPr lang="fr-FR" sz="4000" b="0" dirty="0" err="1">
+                <a:solidFill>
+                  <a:schemeClr val="lt2"/>
+                </a:solidFill>
+                <a:latin typeface="Open Sans SemiBold"/>
+                <a:ea typeface="Open Sans SemiBold"/>
+                <a:cs typeface="Open Sans SemiBold"/>
+                <a:sym typeface="Open Sans SemiBold"/>
+              </a:rPr>
+              <a:t>Artificial</a:t>
+            </a:r>
+            <a:r>
+              <a:rPr lang="fr-FR" sz="4000" b="0" dirty="0">
+                <a:solidFill>
+                  <a:schemeClr val="lt2"/>
+                </a:solidFill>
+                <a:latin typeface="Open Sans SemiBold"/>
+                <a:ea typeface="Open Sans SemiBold"/>
+                <a:cs typeface="Open Sans SemiBold"/>
+                <a:sym typeface="Open Sans SemiBold"/>
+              </a:rPr>
+              <a:t> Intelligence</a:t>
+            </a:r>
+            <a:endParaRPr sz="1400" b="0" dirty="0">
+              <a:solidFill>
+                <a:srgbClr val="000000"/>
+              </a:solidFill>
+              <a:latin typeface="Arial"/>
+              <a:ea typeface="Arial"/>
+              <a:cs typeface="Arial"/>
+              <a:sym typeface="Arial"/>
+            </a:endParaRPr>
+          </a:p>
+          <a:p>
+            <a:pPr marL="0" lvl="0" indent="0" algn="r" rtl="0">
+              <a:lnSpc>
+                <a:spcPct val="100000"/>
+              </a:lnSpc>
+              <a:spcBef>
+                <a:spcPts val="0"/>
+              </a:spcBef>
+              <a:spcAft>
+                <a:spcPts val="0"/>
+              </a:spcAft>
+              <a:buClr>
+                <a:schemeClr val="dk2"/>
+              </a:buClr>
+              <a:buSzPts val="6000"/>
+              <a:buNone/>
+            </a:pPr>
+            <a:endParaRPr dirty="0">
+              <a:solidFill>
+                <a:schemeClr val="lt2"/>
+              </a:solidFill>
+              <a:latin typeface="Arial"/>
+              <a:ea typeface="Arial"/>
+              <a:cs typeface="Arial"/>
+              <a:sym typeface="Arial"/>
+            </a:endParaRPr>
+          </a:p>
+        </p:txBody>
+      </p:sp>
+      <p:cxnSp>
+        <p:nvCxnSpPr>
+          <p:cNvPr id="44" name="Google Shape;44;g1f083006354_0_200"/>
+          <p:cNvCxnSpPr/>
+          <p:nvPr/>
+        </p:nvCxnSpPr>
+        <p:spPr>
+          <a:xfrm>
+            <a:off x="6194612" y="4390554"/>
+            <a:ext cx="5997300" cy="0"/>
+          </a:xfrm>
+          <a:prstGeom prst="straightConnector1">
+            <a:avLst/>
+          </a:prstGeom>
+          <a:noFill/>
+          <a:ln w="28575" cap="flat" cmpd="sng">
+            <a:solidFill>
+              <a:srgbClr val="80E8F9"/>
+            </a:solidFill>
+            <a:prstDash val="solid"/>
+            <a:round/>
+            <a:headEnd type="none" w="sm" len="sm"/>
+            <a:tailEnd type="none" w="sm" len="sm"/>
+          </a:ln>
+        </p:spPr>
+      </p:cxnSp>
+      <p:pic>
+        <p:nvPicPr>
+          <p:cNvPr id="45" name="Google Shape;45;g1f083006354_0_200"/>
+          <p:cNvPicPr preferRelativeResize="0"/>
+          <p:nvPr/>
+        </p:nvPicPr>
+        <p:blipFill rotWithShape="1">
+          <a:blip r:embed="rId3">
+            <a:alphaModFix/>
+          </a:blip>
+          <a:srcRect t="29378" b="29382"/>
+          <a:stretch/>
+        </p:blipFill>
+        <p:spPr>
+          <a:xfrm>
+            <a:off x="6047987" y="4533499"/>
+            <a:ext cx="5467976" cy="2254975"/>
+          </a:xfrm>
+          <a:prstGeom prst="rect">
+            <a:avLst/>
+          </a:prstGeom>
+          <a:noFill/>
+          <a:ln>
+            <a:noFill/>
+          </a:ln>
+        </p:spPr>
+      </p:pic>
+      <p:pic>
+        <p:nvPicPr>
+          <p:cNvPr id="46" name="Google Shape;46;g1f083006354_0_200"/>
+          <p:cNvPicPr preferRelativeResize="0"/>
+          <p:nvPr/>
+        </p:nvPicPr>
+        <p:blipFill rotWithShape="1">
+          <a:blip r:embed="rId4">
+            <a:alphaModFix/>
+          </a:blip>
+          <a:srcRect/>
+          <a:stretch/>
+        </p:blipFill>
+        <p:spPr>
+          <a:xfrm>
+            <a:off x="900425" y="1345126"/>
+            <a:ext cx="4274068" cy="4338619"/>
+          </a:xfrm>
+          <a:prstGeom prst="rect">
+            <a:avLst/>
+          </a:prstGeom>
+          <a:noFill/>
+          <a:ln>
+            <a:noFill/>
+          </a:ln>
+        </p:spPr>
+      </p:pic>
+    </p:spTree>
+  </p:cSld>
+  <p:clrMapOvr>
+    <a:masterClrMapping/>
+  </p:clrMapOvr>
+</p:sld>
+</file>
+
+<file path=ppt/slides/slide3.xml><?xml version="1.0" encoding="utf-8"?>
+<p:sld xmlns:a="http://schemas.openxmlformats.org/drawingml/2006/main" xmlns:r="http://schemas.openxmlformats.org/officeDocument/2006/relationships" xmlns:p="http://schemas.openxmlformats.org/presentationml/2006/main">
+  <p:cSld>
+    <p:spTree>
+      <p:nvGrpSpPr>
+        <p:cNvPr id="1" name="Shape 51"/>
+        <p:cNvGrpSpPr/>
+        <p:nvPr/>
+      </p:nvGrpSpPr>
+      <p:grpSpPr>
+        <a:xfrm>
+          <a:off x="0" y="0"/>
+          <a:ext cx="0" cy="0"/>
+          <a:chOff x="0" y="0"/>
+          <a:chExt cx="0" cy="0"/>
+        </a:xfrm>
+      </p:grpSpPr>
+      <p:sp>
+        <p:nvSpPr>
+          <p:cNvPr id="52" name="Google Shape;52;g1f083006354_0_62"/>
+          <p:cNvSpPr/>
+          <p:nvPr/>
+        </p:nvSpPr>
+        <p:spPr>
+          <a:xfrm>
+            <a:off x="8819909" y="0"/>
+            <a:ext cx="3387300" cy="4080300"/>
+          </a:xfrm>
+          <a:prstGeom prst="roundRect">
+            <a:avLst>
+              <a:gd name="adj" fmla="val 0"/>
+            </a:avLst>
+          </a:prstGeom>
+          <a:solidFill>
+            <a:srgbClr val="FFFFFF"/>
+          </a:solidFill>
+          <a:ln>
+            <a:noFill/>
+          </a:ln>
+        </p:spPr>
+        <p:txBody>
+          <a:bodyPr spcFirstLastPara="1" wrap="square" lIns="38100" tIns="38100" rIns="38100" bIns="38100" anchor="ctr" anchorCtr="0">
+            <a:noAutofit/>
+          </a:bodyPr>
+          <a:lstStyle/>
+          <a:p>
+            <a:pPr marL="0" marR="0" lvl="0" indent="0" algn="ctr" defTabSz="914400" rtl="0" eaLnBrk="1" fontAlgn="auto" latinLnBrk="0" hangingPunct="1">
+              <a:lnSpc>
+                <a:spcPct val="100000"/>
+              </a:lnSpc>
+              <a:spcBef>
+                <a:spcPts val="0"/>
+              </a:spcBef>
+              <a:spcAft>
+                <a:spcPts val="0"/>
+              </a:spcAft>
+              <a:buClr>
+                <a:srgbClr val="05214A"/>
+              </a:buClr>
+              <a:buSzPts val="3000"/>
+              <a:buFont typeface="Open Sans"/>
+              <a:buNone/>
+              <a:tabLst/>
+              <a:defRPr/>
+            </a:pPr>
+            <a:endParaRPr kumimoji="0" sz="3000" b="0" i="0" u="none" strike="noStrike" kern="0" cap="none" spc="0" normalizeH="0" baseline="0" noProof="0">
+              <a:ln>
+                <a:noFill/>
+              </a:ln>
+              <a:solidFill>
+                <a:srgbClr val="FFFFFF"/>
+              </a:solidFill>
+              <a:effectLst/>
+              <a:uLnTx/>
+              <a:uFillTx/>
+              <a:latin typeface="Open Sans"/>
+              <a:ea typeface="Open Sans"/>
+              <a:cs typeface="Open Sans"/>
+              <a:sym typeface="Open Sans"/>
+            </a:endParaRPr>
+          </a:p>
+        </p:txBody>
+      </p:sp>
+      <p:sp>
+        <p:nvSpPr>
+          <p:cNvPr id="53" name="Google Shape;53;g1f083006354_0_62"/>
+          <p:cNvSpPr/>
+          <p:nvPr/>
+        </p:nvSpPr>
+        <p:spPr>
+          <a:xfrm>
+            <a:off x="6147849" y="0"/>
+            <a:ext cx="6059100" cy="6867900"/>
+          </a:xfrm>
+          <a:prstGeom prst="rect">
+            <a:avLst/>
+          </a:prstGeom>
+          <a:gradFill>
+            <a:gsLst>
+              <a:gs pos="0">
+                <a:srgbClr val="1CADE2"/>
+              </a:gs>
+              <a:gs pos="100000">
+                <a:srgbClr val="0186AA"/>
+              </a:gs>
+            </a:gsLst>
+            <a:path path="circle">
+              <a:fillToRect r="100000" b="100000"/>
+            </a:path>
+            <a:tileRect l="-100000" t="-100000"/>
+          </a:gradFill>
+          <a:ln>
+            <a:noFill/>
+          </a:ln>
+        </p:spPr>
+        <p:txBody>
+          <a:bodyPr spcFirstLastPara="1" wrap="square" lIns="91425" tIns="45700" rIns="91425" bIns="45700" anchor="ctr" anchorCtr="0">
+            <a:noAutofit/>
+          </a:bodyPr>
+          <a:lstStyle/>
+          <a:p>
+            <a:pPr marL="0" marR="0" lvl="0" indent="0" algn="ctr" defTabSz="914400" rtl="0" eaLnBrk="1" fontAlgn="auto" latinLnBrk="0" hangingPunct="1">
+              <a:lnSpc>
+                <a:spcPct val="100000"/>
+              </a:lnSpc>
+              <a:spcBef>
+                <a:spcPts val="0"/>
+              </a:spcBef>
+              <a:spcAft>
+                <a:spcPts val="0"/>
+              </a:spcAft>
+              <a:buClr>
+                <a:srgbClr val="05214A"/>
+              </a:buClr>
+              <a:buSzPts val="1800"/>
+              <a:buFont typeface="Open Sans"/>
+              <a:buNone/>
+              <a:tabLst/>
+              <a:defRPr/>
+            </a:pPr>
+            <a:endParaRPr kumimoji="0" sz="1800" b="0" i="0" u="none" strike="noStrike" kern="0" cap="none" spc="0" normalizeH="0" baseline="0" noProof="0">
+              <a:ln>
+                <a:noFill/>
+              </a:ln>
+              <a:solidFill>
+                <a:srgbClr val="FFFFFF"/>
+              </a:solidFill>
+              <a:effectLst/>
+              <a:uLnTx/>
+              <a:uFillTx/>
+              <a:latin typeface="Calibri"/>
+              <a:ea typeface="Calibri"/>
+              <a:cs typeface="Calibri"/>
+              <a:sym typeface="Calibri"/>
+            </a:endParaRPr>
+          </a:p>
+        </p:txBody>
+      </p:sp>
+      <p:pic>
+        <p:nvPicPr>
+          <p:cNvPr id="54" name="Google Shape;54;g1f083006354_0_62"/>
+          <p:cNvPicPr preferRelativeResize="0"/>
+          <p:nvPr/>
+        </p:nvPicPr>
+        <p:blipFill rotWithShape="1">
+          <a:blip r:embed="rId3">
+            <a:alphaModFix/>
+          </a:blip>
+          <a:srcRect t="-8873"/>
+          <a:stretch/>
+        </p:blipFill>
+        <p:spPr>
+          <a:xfrm>
+            <a:off x="9461172" y="-1886484"/>
+            <a:ext cx="3962400" cy="7466555"/>
+          </a:xfrm>
+          <a:prstGeom prst="rect">
+            <a:avLst/>
+          </a:prstGeom>
+          <a:noFill/>
+          <a:ln>
+            <a:noFill/>
+          </a:ln>
+        </p:spPr>
+      </p:pic>
+      <p:sp>
+        <p:nvSpPr>
+          <p:cNvPr id="55" name="Google Shape;55;g1f083006354_0_62"/>
+          <p:cNvSpPr/>
+          <p:nvPr/>
+        </p:nvSpPr>
+        <p:spPr>
+          <a:xfrm>
+            <a:off x="7206009" y="1456259"/>
+            <a:ext cx="4024800" cy="4172400"/>
+          </a:xfrm>
+          <a:prstGeom prst="roundRect">
+            <a:avLst>
+              <a:gd name="adj" fmla="val 3483"/>
+            </a:avLst>
+          </a:prstGeom>
+          <a:solidFill>
+            <a:srgbClr val="FFFFFF"/>
+          </a:solidFill>
+          <a:ln>
+            <a:noFill/>
+          </a:ln>
+        </p:spPr>
+        <p:txBody>
+          <a:bodyPr spcFirstLastPara="1" wrap="square" lIns="38100" tIns="38100" rIns="38100" bIns="38100" anchor="ctr" anchorCtr="0">
+            <a:noAutofit/>
+          </a:bodyPr>
+          <a:lstStyle/>
+          <a:p>
+            <a:pPr marL="0" marR="0" lvl="0" indent="0" algn="ctr" defTabSz="914400" rtl="0" eaLnBrk="1" fontAlgn="auto" latinLnBrk="0" hangingPunct="1">
+              <a:lnSpc>
+                <a:spcPct val="100000"/>
+              </a:lnSpc>
+              <a:spcBef>
+                <a:spcPts val="0"/>
+              </a:spcBef>
+              <a:spcAft>
+                <a:spcPts val="0"/>
+              </a:spcAft>
+              <a:buClr>
+                <a:srgbClr val="05214A"/>
+              </a:buClr>
+              <a:buSzPts val="3000"/>
+              <a:buFont typeface="Open Sans"/>
+              <a:buNone/>
+              <a:tabLst/>
+              <a:defRPr/>
+            </a:pPr>
+            <a:endParaRPr kumimoji="0" sz="3000" b="0" i="0" u="none" strike="noStrike" kern="0" cap="none" spc="0" normalizeH="0" baseline="0" noProof="0">
+              <a:ln>
+                <a:noFill/>
+              </a:ln>
+              <a:solidFill>
+                <a:srgbClr val="FFFFFF"/>
+              </a:solidFill>
+              <a:effectLst/>
+              <a:uLnTx/>
+              <a:uFillTx/>
+              <a:latin typeface="Open Sans"/>
+              <a:ea typeface="Open Sans"/>
+              <a:cs typeface="Open Sans"/>
+              <a:sym typeface="Open Sans"/>
+            </a:endParaRPr>
+          </a:p>
+        </p:txBody>
+      </p:sp>
+      <p:sp>
+        <p:nvSpPr>
+          <p:cNvPr id="56" name="Google Shape;56;g1f083006354_0_62"/>
+          <p:cNvSpPr/>
+          <p:nvPr/>
+        </p:nvSpPr>
+        <p:spPr>
+          <a:xfrm>
+            <a:off x="0" y="321190"/>
+            <a:ext cx="6147900" cy="461700"/>
+          </a:xfrm>
+          <a:prstGeom prst="rect">
+            <a:avLst/>
+          </a:prstGeom>
+          <a:noFill/>
+          <a:ln>
+            <a:noFill/>
+          </a:ln>
+        </p:spPr>
+        <p:txBody>
+          <a:bodyPr spcFirstLastPara="1" wrap="square" lIns="91425" tIns="45700" rIns="91425" bIns="45700" anchor="t" anchorCtr="0">
+            <a:noAutofit/>
+          </a:bodyPr>
+          <a:lstStyle/>
+          <a:p>
+            <a:pPr marL="0" marR="0" lvl="0" indent="0" algn="ctr" defTabSz="914400" rtl="0" eaLnBrk="1" fontAlgn="auto" latinLnBrk="0" hangingPunct="1">
+              <a:lnSpc>
+                <a:spcPct val="100000"/>
+              </a:lnSpc>
+              <a:spcBef>
+                <a:spcPts val="0"/>
+              </a:spcBef>
+              <a:spcAft>
+                <a:spcPts val="0"/>
+              </a:spcAft>
+              <a:buClr>
+                <a:srgbClr val="0186AA"/>
+              </a:buClr>
+              <a:buSzPts val="2400"/>
+              <a:buFont typeface="Open Sans SemiBold"/>
+              <a:buNone/>
+              <a:tabLst/>
+              <a:defRPr/>
+            </a:pPr>
+            <a:r>
+              <a:rPr kumimoji="0" lang="fr-FR" sz="2400" b="0" i="0" u="none" strike="noStrike" kern="0" cap="none" spc="0" normalizeH="0" baseline="0" noProof="0">
+                <a:ln>
+                  <a:noFill/>
+                </a:ln>
+                <a:solidFill>
+                  <a:srgbClr val="0186AA"/>
+                </a:solidFill>
+                <a:effectLst/>
+                <a:uLnTx/>
+                <a:uFillTx/>
+                <a:latin typeface="Open Sans SemiBold"/>
+                <a:ea typeface="Open Sans SemiBold"/>
+                <a:cs typeface="Open Sans SemiBold"/>
+                <a:sym typeface="Open Sans SemiBold"/>
+              </a:rPr>
+              <a:t>TheraPanacea Overview</a:t>
+            </a:r>
+            <a:endParaRPr kumimoji="0" sz="2400" b="0" i="0" u="none" strike="noStrike" kern="0" cap="none" spc="0" normalizeH="0" baseline="0" noProof="0">
+              <a:ln>
+                <a:noFill/>
+              </a:ln>
+              <a:solidFill>
+                <a:srgbClr val="0186AA"/>
+              </a:solidFill>
+              <a:effectLst/>
+              <a:uLnTx/>
+              <a:uFillTx/>
+              <a:latin typeface="Open Sans SemiBold"/>
+              <a:ea typeface="Open Sans SemiBold"/>
+              <a:cs typeface="Open Sans SemiBold"/>
+              <a:sym typeface="Open Sans SemiBold"/>
+            </a:endParaRPr>
+          </a:p>
+        </p:txBody>
+      </p:sp>
+      <p:pic>
+        <p:nvPicPr>
+          <p:cNvPr id="57" name="Google Shape;57;g1f083006354_0_62"/>
+          <p:cNvPicPr preferRelativeResize="0"/>
+          <p:nvPr/>
+        </p:nvPicPr>
+        <p:blipFill rotWithShape="1">
+          <a:blip r:embed="rId4">
+            <a:alphaModFix/>
+          </a:blip>
+          <a:srcRect/>
+          <a:stretch/>
+        </p:blipFill>
+        <p:spPr>
+          <a:xfrm>
+            <a:off x="7784592" y="1802328"/>
+            <a:ext cx="1066300" cy="756537"/>
+          </a:xfrm>
+          <a:prstGeom prst="rect">
+            <a:avLst/>
+          </a:prstGeom>
+          <a:noFill/>
+          <a:ln>
+            <a:noFill/>
+          </a:ln>
+        </p:spPr>
+      </p:pic>
+      <p:pic>
+        <p:nvPicPr>
+          <p:cNvPr id="58" name="Google Shape;58;g1f083006354_0_62" descr="http://www.s2e2.fr/sites/default/files/styles/illustration_miniature_crop/public/ged/bpi_france.png?itok=9Z8aqrV-"/>
+          <p:cNvPicPr preferRelativeResize="0"/>
+          <p:nvPr/>
+        </p:nvPicPr>
+        <p:blipFill rotWithShape="1">
+          <a:blip r:embed="rId5">
+            <a:alphaModFix/>
+          </a:blip>
+          <a:srcRect t="25850" b="18364"/>
+          <a:stretch/>
+        </p:blipFill>
+        <p:spPr>
+          <a:xfrm>
+            <a:off x="7722232" y="3281044"/>
+            <a:ext cx="1150304" cy="417094"/>
+          </a:xfrm>
+          <a:prstGeom prst="rect">
+            <a:avLst/>
+          </a:prstGeom>
+          <a:noFill/>
+          <a:ln>
+            <a:noFill/>
+          </a:ln>
+        </p:spPr>
+      </p:pic>
+      <p:pic>
+        <p:nvPicPr>
+          <p:cNvPr id="59" name="Google Shape;59;g1f083006354_0_62"/>
+          <p:cNvPicPr preferRelativeResize="0"/>
+          <p:nvPr/>
+        </p:nvPicPr>
+        <p:blipFill rotWithShape="1">
+          <a:blip r:embed="rId6">
+            <a:alphaModFix/>
+          </a:blip>
+          <a:srcRect/>
+          <a:stretch/>
+        </p:blipFill>
+        <p:spPr>
+          <a:xfrm>
+            <a:off x="9191625" y="3110603"/>
+            <a:ext cx="1430207" cy="729186"/>
+          </a:xfrm>
+          <a:prstGeom prst="rect">
+            <a:avLst/>
+          </a:prstGeom>
+          <a:noFill/>
+          <a:ln>
+            <a:noFill/>
+          </a:ln>
+        </p:spPr>
+      </p:pic>
+      <p:pic>
+        <p:nvPicPr>
+          <p:cNvPr id="60" name="Google Shape;60;g1f083006354_0_62"/>
+          <p:cNvPicPr preferRelativeResize="0"/>
+          <p:nvPr/>
+        </p:nvPicPr>
+        <p:blipFill rotWithShape="1">
+          <a:blip r:embed="rId7">
+            <a:alphaModFix/>
+          </a:blip>
+          <a:srcRect/>
+          <a:stretch/>
+        </p:blipFill>
+        <p:spPr>
+          <a:xfrm>
+            <a:off x="7801229" y="4219972"/>
+            <a:ext cx="992309" cy="992309"/>
+          </a:xfrm>
+          <a:prstGeom prst="rect">
+            <a:avLst/>
+          </a:prstGeom>
+          <a:noFill/>
+          <a:ln>
+            <a:noFill/>
+          </a:ln>
+        </p:spPr>
+      </p:pic>
+      <p:pic>
+        <p:nvPicPr>
+          <p:cNvPr id="61" name="Google Shape;61;g1f083006354_0_62"/>
+          <p:cNvPicPr preferRelativeResize="0"/>
+          <p:nvPr/>
+        </p:nvPicPr>
+        <p:blipFill rotWithShape="1">
+          <a:blip r:embed="rId8">
+            <a:alphaModFix/>
+          </a:blip>
+          <a:srcRect/>
+          <a:stretch/>
+        </p:blipFill>
+        <p:spPr>
+          <a:xfrm>
+            <a:off x="9191625" y="4434797"/>
+            <a:ext cx="1446126" cy="563276"/>
+          </a:xfrm>
+          <a:prstGeom prst="rect">
+            <a:avLst/>
+          </a:prstGeom>
+          <a:noFill/>
+          <a:ln>
+            <a:noFill/>
+          </a:ln>
+        </p:spPr>
+      </p:pic>
+      <p:sp>
+        <p:nvSpPr>
+          <p:cNvPr id="62" name="Google Shape;62;g1f083006354_0_62"/>
+          <p:cNvSpPr/>
+          <p:nvPr/>
+        </p:nvSpPr>
+        <p:spPr>
+          <a:xfrm>
+            <a:off x="6750646" y="5821097"/>
+            <a:ext cx="4881900" cy="757200"/>
+          </a:xfrm>
+          <a:prstGeom prst="rect">
+            <a:avLst/>
+          </a:prstGeom>
+          <a:noFill/>
+          <a:ln>
+            <a:noFill/>
+          </a:ln>
+        </p:spPr>
+        <p:txBody>
+          <a:bodyPr spcFirstLastPara="1" wrap="square" lIns="91425" tIns="45700" rIns="91425" bIns="45700" anchor="t" anchorCtr="0">
+            <a:noAutofit/>
+          </a:bodyPr>
+          <a:lstStyle/>
+          <a:p>
+            <a:pPr marL="0" marR="0" lvl="0" indent="0" algn="ctr" defTabSz="914400" rtl="0" eaLnBrk="1" fontAlgn="auto" latinLnBrk="0" hangingPunct="1">
+              <a:lnSpc>
+                <a:spcPct val="90000"/>
+              </a:lnSpc>
+              <a:spcBef>
+                <a:spcPts val="0"/>
+              </a:spcBef>
+              <a:spcAft>
+                <a:spcPts val="0"/>
+              </a:spcAft>
+              <a:buClr>
+                <a:srgbClr val="FFFFFF"/>
+              </a:buClr>
+              <a:buSzPts val="1200"/>
+              <a:buFont typeface="Open Sans"/>
+              <a:buNone/>
+              <a:tabLst/>
+              <a:defRPr/>
+            </a:pPr>
+            <a:r>
+              <a:rPr kumimoji="0" lang="fr-FR" sz="1200" b="0" i="0" u="none" strike="noStrike" kern="0" cap="none" spc="0" normalizeH="0" baseline="0" noProof="0">
+                <a:ln>
+                  <a:noFill/>
+                </a:ln>
+                <a:solidFill>
+                  <a:srgbClr val="FFFFFF"/>
+                </a:solidFill>
+                <a:effectLst/>
+                <a:uLnTx/>
+                <a:uFillTx/>
+                <a:latin typeface="Open Sans"/>
+                <a:ea typeface="Open Sans"/>
+                <a:cs typeface="Open Sans"/>
+                <a:sym typeface="Open Sans"/>
+              </a:rPr>
+              <a:t>H2020 ERC POC, Grands Prix d’Innovation de la Ville de Paris, Concours d’innovation numérique, Concours iLab des jeunes </a:t>
+            </a:r>
+            <a:br>
+              <a:rPr kumimoji="0" lang="fr-FR" sz="1200" b="0" i="0" u="none" strike="noStrike" kern="0" cap="none" spc="0" normalizeH="0" baseline="0" noProof="0">
+                <a:ln>
+                  <a:noFill/>
+                </a:ln>
+                <a:solidFill>
+                  <a:srgbClr val="FFFFFF"/>
+                </a:solidFill>
+                <a:effectLst/>
+                <a:uLnTx/>
+                <a:uFillTx/>
+                <a:latin typeface="Open Sans"/>
+                <a:ea typeface="Open Sans"/>
+                <a:cs typeface="Open Sans"/>
+                <a:sym typeface="Open Sans"/>
+              </a:rPr>
+            </a:br>
+            <a:r>
+              <a:rPr kumimoji="0" lang="fr-FR" sz="1200" b="0" i="0" u="none" strike="noStrike" kern="0" cap="none" spc="0" normalizeH="0" baseline="0" noProof="0">
+                <a:ln>
+                  <a:noFill/>
+                </a:ln>
+                <a:solidFill>
+                  <a:srgbClr val="FFFFFF"/>
+                </a:solidFill>
+                <a:effectLst/>
+                <a:uLnTx/>
+                <a:uFillTx/>
+                <a:latin typeface="Open Sans"/>
+                <a:ea typeface="Open Sans"/>
+                <a:cs typeface="Open Sans"/>
+                <a:sym typeface="Open Sans"/>
+              </a:rPr>
+              <a:t>entreprises innovantes, Paris Region AI challenge, Prix de l’innovation en imagerie médicale Société Francaise de Radiologie</a:t>
+            </a:r>
+            <a:endParaRPr kumimoji="0" sz="1200" b="0" i="0" u="none" strike="noStrike" kern="0" cap="none" spc="0" normalizeH="0" baseline="0" noProof="0">
+              <a:ln>
+                <a:noFill/>
+              </a:ln>
+              <a:solidFill>
+                <a:srgbClr val="FFFFFF"/>
+              </a:solidFill>
+              <a:effectLst/>
+              <a:uLnTx/>
+              <a:uFillTx/>
+              <a:latin typeface="Open Sans"/>
+              <a:ea typeface="Open Sans"/>
+              <a:cs typeface="Open Sans"/>
+              <a:sym typeface="Open Sans"/>
+            </a:endParaRPr>
+          </a:p>
+        </p:txBody>
+      </p:sp>
+      <p:pic>
+        <p:nvPicPr>
+          <p:cNvPr id="63" name="Google Shape;63;g1f083006354_0_62"/>
+          <p:cNvPicPr preferRelativeResize="0"/>
+          <p:nvPr/>
+        </p:nvPicPr>
+        <p:blipFill rotWithShape="1">
+          <a:blip r:embed="rId9">
+            <a:alphaModFix/>
+          </a:blip>
+          <a:srcRect/>
+          <a:stretch/>
+        </p:blipFill>
+        <p:spPr>
+          <a:xfrm>
+            <a:off x="2612539" y="9309315"/>
+            <a:ext cx="215822" cy="145500"/>
+          </a:xfrm>
+          <a:prstGeom prst="rect">
+            <a:avLst/>
+          </a:prstGeom>
+          <a:noFill/>
+          <a:ln>
+            <a:noFill/>
+          </a:ln>
+        </p:spPr>
+      </p:pic>
+      <p:pic>
+        <p:nvPicPr>
+          <p:cNvPr id="64" name="Google Shape;64;g1f083006354_0_62"/>
+          <p:cNvPicPr preferRelativeResize="0"/>
+          <p:nvPr/>
+        </p:nvPicPr>
+        <p:blipFill rotWithShape="1">
+          <a:blip r:embed="rId10">
+            <a:alphaModFix/>
+          </a:blip>
+          <a:srcRect/>
+          <a:stretch/>
+        </p:blipFill>
+        <p:spPr>
+          <a:xfrm>
+            <a:off x="1993522" y="6309553"/>
+            <a:ext cx="671923" cy="389007"/>
+          </a:xfrm>
+          <a:prstGeom prst="rect">
+            <a:avLst/>
+          </a:prstGeom>
+          <a:noFill/>
+          <a:ln>
+            <a:noFill/>
+          </a:ln>
+        </p:spPr>
+      </p:pic>
+      <p:pic>
+        <p:nvPicPr>
+          <p:cNvPr id="65" name="Google Shape;65;g1f083006354_0_62"/>
+          <p:cNvPicPr preferRelativeResize="0"/>
+          <p:nvPr/>
+        </p:nvPicPr>
+        <p:blipFill rotWithShape="1">
+          <a:blip r:embed="rId11">
+            <a:alphaModFix/>
+          </a:blip>
+          <a:srcRect/>
+          <a:stretch/>
+        </p:blipFill>
+        <p:spPr>
+          <a:xfrm>
+            <a:off x="9207544" y="1925495"/>
+            <a:ext cx="1430208" cy="606931"/>
+          </a:xfrm>
+          <a:prstGeom prst="rect">
+            <a:avLst/>
+          </a:prstGeom>
+          <a:noFill/>
+          <a:ln>
+            <a:noFill/>
+          </a:ln>
+        </p:spPr>
+      </p:pic>
+      <p:pic>
+        <p:nvPicPr>
+          <p:cNvPr id="66" name="Google Shape;66;g1f083006354_0_62" descr="Résultat de recherche d'images pour &quot;universite paris saclay&quot;"/>
+          <p:cNvPicPr preferRelativeResize="0"/>
+          <p:nvPr/>
+        </p:nvPicPr>
+        <p:blipFill rotWithShape="1">
+          <a:blip r:embed="rId12">
+            <a:alphaModFix/>
+          </a:blip>
+          <a:srcRect/>
+          <a:stretch/>
+        </p:blipFill>
+        <p:spPr>
+          <a:xfrm>
+            <a:off x="925773" y="6128423"/>
+            <a:ext cx="671923" cy="671923"/>
+          </a:xfrm>
+          <a:prstGeom prst="rect">
+            <a:avLst/>
+          </a:prstGeom>
+          <a:noFill/>
+          <a:ln>
+            <a:noFill/>
+          </a:ln>
+        </p:spPr>
+      </p:pic>
+      <p:sp>
+        <p:nvSpPr>
+          <p:cNvPr id="67" name="Google Shape;67;g1f083006354_0_62" descr="Bouclier de Newton avec un remplissage uni"/>
+          <p:cNvSpPr/>
+          <p:nvPr/>
+        </p:nvSpPr>
+        <p:spPr>
+          <a:xfrm>
+            <a:off x="925773" y="3371689"/>
+            <a:ext cx="471876" cy="333836"/>
+          </a:xfrm>
+          <a:custGeom>
+            <a:avLst/>
+            <a:gdLst/>
+            <a:ahLst/>
+            <a:cxnLst/>
+            <a:rect l="l" t="t" r="r" b="b"/>
+            <a:pathLst>
+              <a:path w="471876" h="333836" extrusionOk="0">
+                <a:moveTo>
+                  <a:pt x="464942" y="154007"/>
+                </a:moveTo>
+                <a:cubicBezTo>
+                  <a:pt x="454756" y="139461"/>
+                  <a:pt x="435947" y="133763"/>
+                  <a:pt x="419402" y="140211"/>
+                </a:cubicBezTo>
+                <a:lnTo>
+                  <a:pt x="380060" y="90696"/>
+                </a:lnTo>
+                <a:lnTo>
+                  <a:pt x="380060" y="30816"/>
+                </a:lnTo>
+                <a:cubicBezTo>
+                  <a:pt x="380043" y="13804"/>
+                  <a:pt x="366256" y="17"/>
+                  <a:pt x="349244" y="0"/>
+                </a:cubicBezTo>
+                <a:lnTo>
+                  <a:pt x="51359" y="0"/>
+                </a:lnTo>
+                <a:cubicBezTo>
+                  <a:pt x="34349" y="20"/>
+                  <a:pt x="20564" y="13805"/>
+                  <a:pt x="20544" y="30816"/>
+                </a:cubicBezTo>
+                <a:lnTo>
+                  <a:pt x="20544" y="303021"/>
+                </a:lnTo>
+                <a:lnTo>
+                  <a:pt x="0" y="303021"/>
+                </a:lnTo>
+                <a:lnTo>
+                  <a:pt x="0" y="333837"/>
+                </a:lnTo>
+                <a:lnTo>
+                  <a:pt x="400604" y="333837"/>
+                </a:lnTo>
+                <a:lnTo>
+                  <a:pt x="400604" y="303021"/>
+                </a:lnTo>
+                <a:lnTo>
+                  <a:pt x="380060" y="303021"/>
+                </a:lnTo>
+                <a:lnTo>
+                  <a:pt x="380060" y="123715"/>
+                </a:lnTo>
+                <a:lnTo>
+                  <a:pt x="402905" y="152476"/>
+                </a:lnTo>
+                <a:cubicBezTo>
+                  <a:pt x="389877" y="169294"/>
+                  <a:pt x="392949" y="193489"/>
+                  <a:pt x="409767" y="206517"/>
+                </a:cubicBezTo>
+                <a:cubicBezTo>
+                  <a:pt x="426586" y="219545"/>
+                  <a:pt x="450781" y="216473"/>
+                  <a:pt x="463808" y="199654"/>
+                </a:cubicBezTo>
+                <a:cubicBezTo>
+                  <a:pt x="474131" y="186329"/>
+                  <a:pt x="474590" y="167839"/>
+                  <a:pt x="464942" y="154017"/>
+                </a:cubicBezTo>
+                <a:close/>
+                <a:moveTo>
+                  <a:pt x="359516" y="30816"/>
+                </a:moveTo>
+                <a:lnTo>
+                  <a:pt x="359516" y="64836"/>
+                </a:lnTo>
+                <a:lnTo>
+                  <a:pt x="324325" y="20544"/>
+                </a:lnTo>
+                <a:lnTo>
+                  <a:pt x="349244" y="20544"/>
+                </a:lnTo>
+                <a:cubicBezTo>
+                  <a:pt x="354918" y="20544"/>
+                  <a:pt x="359516" y="25143"/>
+                  <a:pt x="359516" y="30816"/>
+                </a:cubicBezTo>
+                <a:close/>
+                <a:moveTo>
+                  <a:pt x="359516" y="303021"/>
+                </a:moveTo>
+                <a:lnTo>
+                  <a:pt x="41088" y="303021"/>
+                </a:lnTo>
+                <a:lnTo>
+                  <a:pt x="41088" y="30816"/>
+                </a:lnTo>
+                <a:cubicBezTo>
+                  <a:pt x="41088" y="25143"/>
+                  <a:pt x="45686" y="20544"/>
+                  <a:pt x="51359" y="20544"/>
+                </a:cubicBezTo>
+                <a:lnTo>
+                  <a:pt x="84743" y="20544"/>
+                </a:lnTo>
+                <a:lnTo>
+                  <a:pt x="84743" y="181186"/>
+                </a:lnTo>
+                <a:cubicBezTo>
+                  <a:pt x="64240" y="186859"/>
+                  <a:pt x="52217" y="208079"/>
+                  <a:pt x="57890" y="228583"/>
+                </a:cubicBezTo>
+                <a:cubicBezTo>
+                  <a:pt x="63564" y="249086"/>
+                  <a:pt x="84784" y="261109"/>
+                  <a:pt x="105287" y="255435"/>
+                </a:cubicBezTo>
+                <a:cubicBezTo>
+                  <a:pt x="125790" y="249763"/>
+                  <a:pt x="137813" y="228542"/>
+                  <a:pt x="132140" y="208039"/>
+                </a:cubicBezTo>
+                <a:cubicBezTo>
+                  <a:pt x="128530" y="194991"/>
+                  <a:pt x="118335" y="184796"/>
+                  <a:pt x="105287" y="181186"/>
+                </a:cubicBezTo>
+                <a:lnTo>
+                  <a:pt x="105287" y="20544"/>
+                </a:lnTo>
+                <a:lnTo>
+                  <a:pt x="161782" y="20544"/>
+                </a:lnTo>
+                <a:lnTo>
+                  <a:pt x="161782" y="181186"/>
+                </a:lnTo>
+                <a:cubicBezTo>
+                  <a:pt x="141279" y="186859"/>
+                  <a:pt x="129256" y="208079"/>
+                  <a:pt x="134930" y="228583"/>
+                </a:cubicBezTo>
+                <a:cubicBezTo>
+                  <a:pt x="140603" y="249086"/>
+                  <a:pt x="161823" y="261109"/>
+                  <a:pt x="182326" y="255435"/>
+                </a:cubicBezTo>
+                <a:cubicBezTo>
+                  <a:pt x="202829" y="249763"/>
+                  <a:pt x="214852" y="228542"/>
+                  <a:pt x="209179" y="208039"/>
+                </a:cubicBezTo>
+                <a:cubicBezTo>
+                  <a:pt x="205569" y="194991"/>
+                  <a:pt x="195374" y="184796"/>
+                  <a:pt x="182326" y="181186"/>
+                </a:cubicBezTo>
+                <a:lnTo>
+                  <a:pt x="182326" y="20544"/>
+                </a:lnTo>
+                <a:lnTo>
+                  <a:pt x="238822" y="20544"/>
+                </a:lnTo>
+                <a:lnTo>
+                  <a:pt x="238822" y="181186"/>
+                </a:lnTo>
+                <a:cubicBezTo>
+                  <a:pt x="218318" y="186859"/>
+                  <a:pt x="206296" y="208079"/>
+                  <a:pt x="211969" y="228583"/>
+                </a:cubicBezTo>
+                <a:cubicBezTo>
+                  <a:pt x="217642" y="249086"/>
+                  <a:pt x="238862" y="261109"/>
+                  <a:pt x="259365" y="255435"/>
+                </a:cubicBezTo>
+                <a:cubicBezTo>
+                  <a:pt x="279869" y="249763"/>
+                  <a:pt x="291891" y="228542"/>
+                  <a:pt x="286218" y="208039"/>
+                </a:cubicBezTo>
+                <a:cubicBezTo>
+                  <a:pt x="282608" y="194991"/>
+                  <a:pt x="272413" y="184796"/>
+                  <a:pt x="259365" y="181186"/>
+                </a:cubicBezTo>
+                <a:lnTo>
+                  <a:pt x="259365" y="20544"/>
+                </a:lnTo>
+                <a:lnTo>
+                  <a:pt x="298085" y="20544"/>
+                </a:lnTo>
+                <a:lnTo>
+                  <a:pt x="359516" y="97860"/>
+                </a:lnTo>
+                <a:close/>
+              </a:path>
+            </a:pathLst>
+          </a:custGeom>
+          <a:solidFill>
+            <a:schemeClr val="accent3"/>
+          </a:solidFill>
+          <a:ln>
+            <a:noFill/>
+          </a:ln>
+        </p:spPr>
+        <p:txBody>
+          <a:bodyPr spcFirstLastPara="1" wrap="square" lIns="91425" tIns="45700" rIns="91425" bIns="45700" anchor="ctr" anchorCtr="0">
+            <a:noAutofit/>
+          </a:bodyPr>
+          <a:lstStyle/>
+          <a:p>
+            <a:pPr marL="0" marR="0" lvl="0" indent="0" algn="l" defTabSz="914400" rtl="0" eaLnBrk="1" fontAlgn="auto" latinLnBrk="0" hangingPunct="1">
+              <a:lnSpc>
+                <a:spcPct val="100000"/>
+              </a:lnSpc>
+              <a:spcBef>
+                <a:spcPts val="0"/>
+              </a:spcBef>
+              <a:spcAft>
+                <a:spcPts val="0"/>
+              </a:spcAft>
+              <a:buClr>
+                <a:srgbClr val="05214A"/>
+              </a:buClr>
+              <a:buSzPts val="1800"/>
+              <a:buFont typeface="Open Sans"/>
+              <a:buNone/>
+              <a:tabLst/>
+              <a:defRPr/>
+            </a:pPr>
+            <a:endParaRPr kumimoji="0" sz="1800" b="0" i="0" u="none" strike="noStrike" kern="0" cap="none" spc="0" normalizeH="0" baseline="0" noProof="0">
+              <a:ln>
+                <a:noFill/>
+              </a:ln>
+              <a:solidFill>
+                <a:srgbClr val="A9A9A9"/>
+              </a:solidFill>
+              <a:effectLst/>
+              <a:uLnTx/>
+              <a:uFillTx/>
+              <a:latin typeface="Open Sans"/>
+              <a:ea typeface="Open Sans"/>
+              <a:cs typeface="Open Sans"/>
+              <a:sym typeface="Open Sans"/>
+            </a:endParaRPr>
+          </a:p>
+        </p:txBody>
+      </p:sp>
+      <p:sp>
+        <p:nvSpPr>
+          <p:cNvPr id="68" name="Google Shape;68;g1f083006354_0_62"/>
+          <p:cNvSpPr txBox="1"/>
+          <p:nvPr/>
+        </p:nvSpPr>
+        <p:spPr>
+          <a:xfrm>
+            <a:off x="1590451" y="1658157"/>
+            <a:ext cx="3921600" cy="480300"/>
+          </a:xfrm>
+          <a:prstGeom prst="rect">
+            <a:avLst/>
+          </a:prstGeom>
+          <a:noFill/>
+          <a:ln>
+            <a:noFill/>
+          </a:ln>
+        </p:spPr>
+        <p:txBody>
+          <a:bodyPr spcFirstLastPara="1" wrap="square" lIns="91425" tIns="45700" rIns="91425" bIns="45700" anchor="t" anchorCtr="0">
+            <a:spAutoFit/>
+          </a:bodyPr>
+          <a:lstStyle/>
+          <a:p>
+            <a:pPr marL="0" marR="0" lvl="0" indent="0" algn="l" defTabSz="914400" rtl="0" eaLnBrk="1" fontAlgn="auto" latinLnBrk="0" hangingPunct="1">
+              <a:lnSpc>
+                <a:spcPct val="90000"/>
+              </a:lnSpc>
+              <a:spcBef>
+                <a:spcPts val="0"/>
+              </a:spcBef>
+              <a:spcAft>
+                <a:spcPts val="0"/>
+              </a:spcAft>
+              <a:buClr>
+                <a:srgbClr val="323232"/>
+              </a:buClr>
+              <a:buSzPts val="1400"/>
+              <a:buFont typeface="Open Sans"/>
+              <a:buNone/>
+              <a:tabLst/>
+              <a:defRPr/>
+            </a:pPr>
+            <a:r>
+              <a:rPr kumimoji="0" lang="fr-FR" sz="1400" b="0" i="0" u="none" strike="noStrike" kern="0" cap="none" spc="0" normalizeH="0" baseline="0" noProof="0">
+                <a:ln>
+                  <a:noFill/>
+                </a:ln>
+                <a:solidFill>
+                  <a:srgbClr val="323232"/>
+                </a:solidFill>
+                <a:effectLst/>
+                <a:uLnTx/>
+                <a:uFillTx/>
+                <a:latin typeface="Open Sans"/>
+                <a:ea typeface="Open Sans"/>
+                <a:cs typeface="Open Sans"/>
+                <a:sym typeface="Open Sans"/>
+              </a:rPr>
+              <a:t>Company is spin-off of </a:t>
+            </a:r>
+            <a:r>
+              <a:rPr kumimoji="0" lang="fr-FR" sz="1400" b="1" i="0" u="none" strike="noStrike" kern="0" cap="none" spc="0" normalizeH="0" baseline="0" noProof="0">
+                <a:ln>
+                  <a:noFill/>
+                </a:ln>
+                <a:solidFill>
+                  <a:srgbClr val="0186AA"/>
+                </a:solidFill>
+                <a:effectLst/>
+                <a:uLnTx/>
+                <a:uFillTx/>
+                <a:latin typeface="Open Sans"/>
+                <a:ea typeface="Open Sans"/>
+                <a:cs typeface="Open Sans"/>
+                <a:sym typeface="Open Sans"/>
+              </a:rPr>
+              <a:t>Artificial </a:t>
+            </a:r>
+            <a:br>
+              <a:rPr kumimoji="0" lang="fr-FR" sz="1400" b="1" i="0" u="none" strike="noStrike" kern="0" cap="none" spc="0" normalizeH="0" baseline="0" noProof="0">
+                <a:ln>
+                  <a:noFill/>
+                </a:ln>
+                <a:solidFill>
+                  <a:srgbClr val="0186AA"/>
+                </a:solidFill>
+                <a:effectLst/>
+                <a:uLnTx/>
+                <a:uFillTx/>
+                <a:latin typeface="Open Sans"/>
+                <a:ea typeface="Open Sans"/>
+                <a:cs typeface="Open Sans"/>
+                <a:sym typeface="Open Sans"/>
+              </a:rPr>
+            </a:br>
+            <a:r>
+              <a:rPr kumimoji="0" lang="fr-FR" sz="1400" b="1" i="0" u="none" strike="noStrike" kern="0" cap="none" spc="0" normalizeH="0" baseline="0" noProof="0">
+                <a:ln>
+                  <a:noFill/>
+                </a:ln>
+                <a:solidFill>
+                  <a:srgbClr val="0186AA"/>
+                </a:solidFill>
+                <a:effectLst/>
+                <a:uLnTx/>
+                <a:uFillTx/>
+                <a:latin typeface="Open Sans"/>
+                <a:ea typeface="Open Sans"/>
+                <a:cs typeface="Open Sans"/>
+                <a:sym typeface="Open Sans"/>
+              </a:rPr>
+              <a:t>Intelligence research</a:t>
+            </a:r>
+            <a:r>
+              <a:rPr kumimoji="0" lang="fr-FR" sz="1400" b="0" i="0" u="none" strike="noStrike" kern="0" cap="none" spc="0" normalizeH="0" baseline="0" noProof="0">
+                <a:ln>
+                  <a:noFill/>
+                </a:ln>
+                <a:solidFill>
+                  <a:srgbClr val="323232"/>
+                </a:solidFill>
+                <a:effectLst/>
+                <a:uLnTx/>
+                <a:uFillTx/>
+                <a:latin typeface="Open Sans"/>
+                <a:ea typeface="Open Sans"/>
+                <a:cs typeface="Open Sans"/>
+                <a:sym typeface="Open Sans"/>
+              </a:rPr>
+              <a:t> lab</a:t>
+            </a:r>
+            <a:endParaRPr kumimoji="0" sz="1400" b="0" i="0" u="none" strike="noStrike" kern="0" cap="none" spc="0" normalizeH="0" baseline="0" noProof="0">
+              <a:ln>
+                <a:noFill/>
+              </a:ln>
+              <a:solidFill>
+                <a:srgbClr val="000000"/>
+              </a:solidFill>
+              <a:effectLst/>
+              <a:uLnTx/>
+              <a:uFillTx/>
+              <a:latin typeface="Arial"/>
+              <a:ea typeface="Arial"/>
+              <a:cs typeface="Arial"/>
+              <a:sym typeface="Arial"/>
+            </a:endParaRPr>
+          </a:p>
+        </p:txBody>
+      </p:sp>
+      <p:sp>
+        <p:nvSpPr>
+          <p:cNvPr id="69" name="Google Shape;69;g1f083006354_0_62"/>
+          <p:cNvSpPr txBox="1"/>
+          <p:nvPr/>
+        </p:nvSpPr>
+        <p:spPr>
+          <a:xfrm>
+            <a:off x="1554249" y="2468904"/>
+            <a:ext cx="3362700" cy="480300"/>
+          </a:xfrm>
+          <a:prstGeom prst="rect">
+            <a:avLst/>
+          </a:prstGeom>
+          <a:noFill/>
+          <a:ln>
+            <a:noFill/>
+          </a:ln>
+        </p:spPr>
+        <p:txBody>
+          <a:bodyPr spcFirstLastPara="1" wrap="square" lIns="91425" tIns="45700" rIns="91425" bIns="45700" anchor="t" anchorCtr="0">
+            <a:spAutoFit/>
+          </a:bodyPr>
+          <a:lstStyle/>
+          <a:p>
+            <a:pPr marL="0" marR="0" lvl="0" indent="0" algn="l" defTabSz="914400" rtl="0" eaLnBrk="1" fontAlgn="auto" latinLnBrk="0" hangingPunct="1">
+              <a:lnSpc>
+                <a:spcPct val="90000"/>
+              </a:lnSpc>
+              <a:spcBef>
+                <a:spcPts val="0"/>
+              </a:spcBef>
+              <a:spcAft>
+                <a:spcPts val="0"/>
+              </a:spcAft>
+              <a:buClr>
+                <a:srgbClr val="0186AA"/>
+              </a:buClr>
+              <a:buSzPts val="1400"/>
+              <a:buFont typeface="Open Sans SemiBold"/>
+              <a:buNone/>
+              <a:tabLst/>
+              <a:defRPr/>
+            </a:pPr>
+            <a:r>
+              <a:rPr kumimoji="0" lang="fr-FR" sz="1400" b="0" i="0" u="none" strike="noStrike" kern="0" cap="none" spc="0" normalizeH="0" baseline="0" noProof="0">
+                <a:ln>
+                  <a:noFill/>
+                </a:ln>
+                <a:solidFill>
+                  <a:srgbClr val="0186AA"/>
+                </a:solidFill>
+                <a:effectLst/>
+                <a:uLnTx/>
+                <a:uFillTx/>
+                <a:latin typeface="Open Sans SemiBold"/>
+                <a:ea typeface="Open Sans SemiBold"/>
+                <a:cs typeface="Open Sans SemiBold"/>
+                <a:sym typeface="Open Sans SemiBold"/>
+              </a:rPr>
+              <a:t>Founded in 2017 </a:t>
+            </a:r>
+            <a:r>
+              <a:rPr kumimoji="0" lang="fr-FR" sz="1400" b="0" i="0" u="none" strike="noStrike" kern="0" cap="none" spc="0" normalizeH="0" baseline="0" noProof="0">
+                <a:ln>
+                  <a:noFill/>
+                </a:ln>
+                <a:solidFill>
+                  <a:srgbClr val="323232"/>
+                </a:solidFill>
+                <a:effectLst/>
+                <a:uLnTx/>
+                <a:uFillTx/>
+                <a:latin typeface="Open Sans"/>
+                <a:ea typeface="Open Sans"/>
+                <a:cs typeface="Open Sans"/>
+                <a:sym typeface="Open Sans"/>
+              </a:rPr>
+              <a:t>and based in Paris &amp;  Pittsburgh, </a:t>
+            </a:r>
+            <a:r>
+              <a:rPr kumimoji="0" lang="fr-FR" sz="1400" b="1" i="0" u="none" strike="noStrike" kern="0" cap="none" spc="0" normalizeH="0" baseline="0" noProof="0">
+                <a:ln>
+                  <a:noFill/>
+                </a:ln>
+                <a:solidFill>
+                  <a:srgbClr val="28497A"/>
+                </a:solidFill>
+                <a:effectLst/>
+                <a:uLnTx/>
+                <a:uFillTx/>
+                <a:latin typeface="Open Sans"/>
+                <a:ea typeface="Open Sans"/>
+                <a:cs typeface="Open Sans"/>
+                <a:sym typeface="Open Sans"/>
+              </a:rPr>
+              <a:t>70+ employees </a:t>
+            </a:r>
+            <a:r>
+              <a:rPr kumimoji="0" lang="fr-FR" sz="1400" b="0" i="0" u="none" strike="noStrike" kern="0" cap="none" spc="0" normalizeH="0" baseline="0" noProof="0">
+                <a:ln>
+                  <a:noFill/>
+                </a:ln>
+                <a:solidFill>
+                  <a:srgbClr val="323232"/>
+                </a:solidFill>
+                <a:effectLst/>
+                <a:uLnTx/>
+                <a:uFillTx/>
+                <a:latin typeface="Open Sans"/>
+                <a:ea typeface="Open Sans"/>
+                <a:cs typeface="Open Sans"/>
+                <a:sym typeface="Open Sans"/>
+              </a:rPr>
+              <a:t>to date</a:t>
+            </a:r>
+            <a:endParaRPr kumimoji="0" sz="1400" b="1" i="0" u="none" strike="noStrike" kern="0" cap="none" spc="0" normalizeH="0" baseline="0" noProof="0">
+              <a:ln>
+                <a:noFill/>
+              </a:ln>
+              <a:solidFill>
+                <a:srgbClr val="323232"/>
+              </a:solidFill>
+              <a:effectLst/>
+              <a:uLnTx/>
+              <a:uFillTx/>
+              <a:latin typeface="Open Sans"/>
+              <a:ea typeface="Open Sans"/>
+              <a:cs typeface="Open Sans"/>
+              <a:sym typeface="Open Sans"/>
+            </a:endParaRPr>
+          </a:p>
+        </p:txBody>
+      </p:sp>
+      <p:sp>
+        <p:nvSpPr>
+          <p:cNvPr id="70" name="Google Shape;70;g1f083006354_0_62"/>
+          <p:cNvSpPr txBox="1"/>
+          <p:nvPr/>
+        </p:nvSpPr>
+        <p:spPr>
+          <a:xfrm>
+            <a:off x="1554249" y="3327645"/>
+            <a:ext cx="3426600" cy="674100"/>
+          </a:xfrm>
+          <a:prstGeom prst="rect">
+            <a:avLst/>
+          </a:prstGeom>
+          <a:noFill/>
+          <a:ln>
+            <a:noFill/>
+          </a:ln>
+        </p:spPr>
+        <p:txBody>
+          <a:bodyPr spcFirstLastPara="1" wrap="square" lIns="91425" tIns="45700" rIns="91425" bIns="45700" anchor="t" anchorCtr="0">
+            <a:spAutoFit/>
+          </a:bodyPr>
+          <a:lstStyle/>
+          <a:p>
+            <a:pPr marL="0" marR="0" lvl="0" indent="0" algn="l" defTabSz="914400" rtl="0" eaLnBrk="1" fontAlgn="auto" latinLnBrk="0" hangingPunct="1">
+              <a:lnSpc>
+                <a:spcPct val="90000"/>
+              </a:lnSpc>
+              <a:spcBef>
+                <a:spcPts val="0"/>
+              </a:spcBef>
+              <a:spcAft>
+                <a:spcPts val="0"/>
+              </a:spcAft>
+              <a:buClr>
+                <a:srgbClr val="323232"/>
+              </a:buClr>
+              <a:buSzPts val="1400"/>
+              <a:buFont typeface="Open Sans"/>
+              <a:buNone/>
+              <a:tabLst/>
+              <a:defRPr/>
+            </a:pPr>
+            <a:r>
+              <a:rPr kumimoji="0" lang="fr-FR" sz="1400" b="0" i="0" u="none" strike="noStrike" kern="0" cap="none" spc="0" normalizeH="0" baseline="0" noProof="0">
+                <a:ln>
+                  <a:noFill/>
+                </a:ln>
+                <a:solidFill>
+                  <a:srgbClr val="323232"/>
+                </a:solidFill>
+                <a:effectLst/>
+                <a:uLnTx/>
+                <a:uFillTx/>
+                <a:latin typeface="Open Sans"/>
+                <a:ea typeface="Open Sans"/>
+                <a:cs typeface="Open Sans"/>
+                <a:sym typeface="Open Sans"/>
+              </a:rPr>
+              <a:t>Core expertise in </a:t>
+            </a:r>
+            <a:r>
+              <a:rPr kumimoji="0" lang="fr-FR" sz="1400" b="1" i="0" u="none" strike="noStrike" kern="0" cap="none" spc="0" normalizeH="0" baseline="0" noProof="0">
+                <a:ln>
+                  <a:noFill/>
+                </a:ln>
+                <a:solidFill>
+                  <a:srgbClr val="0186AA"/>
+                </a:solidFill>
+                <a:effectLst/>
+                <a:uLnTx/>
+                <a:uFillTx/>
+                <a:latin typeface="Open Sans"/>
+                <a:ea typeface="Open Sans"/>
+                <a:cs typeface="Open Sans"/>
+                <a:sym typeface="Open Sans"/>
+              </a:rPr>
+              <a:t>Advanced </a:t>
+            </a:r>
+            <a:r>
+              <a:rPr kumimoji="0" lang="fr-FR" sz="1400" b="1" i="0" u="none" strike="noStrike" kern="0" cap="none" spc="0" normalizeH="0" baseline="0" noProof="0">
+                <a:ln>
+                  <a:noFill/>
+                </a:ln>
+                <a:solidFill>
+                  <a:srgbClr val="0186AA"/>
+                </a:solidFill>
+                <a:effectLst/>
+                <a:uLnTx/>
+                <a:uFillTx/>
+                <a:latin typeface="Open Sans SemiBold"/>
+                <a:ea typeface="Open Sans SemiBold"/>
+                <a:cs typeface="Open Sans SemiBold"/>
+                <a:sym typeface="Open Sans SemiBold"/>
+              </a:rPr>
+              <a:t>Mathematics, Medical Imaging and AI</a:t>
+            </a:r>
+            <a:endParaRPr kumimoji="0" sz="1400" b="0" i="0" u="none" strike="noStrike" kern="0" cap="none" spc="0" normalizeH="0" baseline="0" noProof="0">
+              <a:ln>
+                <a:noFill/>
+              </a:ln>
+              <a:solidFill>
+                <a:srgbClr val="000000"/>
+              </a:solidFill>
+              <a:effectLst/>
+              <a:uLnTx/>
+              <a:uFillTx/>
+              <a:latin typeface="Arial"/>
+              <a:ea typeface="Arial"/>
+              <a:cs typeface="Arial"/>
+              <a:sym typeface="Arial"/>
+            </a:endParaRPr>
+          </a:p>
+        </p:txBody>
+      </p:sp>
+      <p:sp>
+        <p:nvSpPr>
+          <p:cNvPr id="71" name="Google Shape;71;g1f083006354_0_62"/>
+          <p:cNvSpPr txBox="1"/>
+          <p:nvPr/>
+        </p:nvSpPr>
+        <p:spPr>
+          <a:xfrm>
+            <a:off x="1525115" y="4097225"/>
+            <a:ext cx="4088400" cy="480300"/>
+          </a:xfrm>
+          <a:prstGeom prst="rect">
+            <a:avLst/>
+          </a:prstGeom>
+          <a:noFill/>
+          <a:ln>
+            <a:noFill/>
+          </a:ln>
+        </p:spPr>
+        <p:txBody>
+          <a:bodyPr spcFirstLastPara="1" wrap="square" lIns="91425" tIns="45700" rIns="91425" bIns="45700" anchor="t" anchorCtr="0">
+            <a:spAutoFit/>
+          </a:bodyPr>
+          <a:lstStyle/>
+          <a:p>
+            <a:pPr marL="0" marR="0" lvl="0" indent="0" algn="l" defTabSz="914400" rtl="0" eaLnBrk="1" fontAlgn="auto" latinLnBrk="0" hangingPunct="1">
+              <a:lnSpc>
+                <a:spcPct val="90000"/>
+              </a:lnSpc>
+              <a:spcBef>
+                <a:spcPts val="0"/>
+              </a:spcBef>
+              <a:spcAft>
+                <a:spcPts val="0"/>
+              </a:spcAft>
+              <a:buClr>
+                <a:srgbClr val="0186AA"/>
+              </a:buClr>
+              <a:buSzPts val="1400"/>
+              <a:buFont typeface="Open Sans SemiBold"/>
+              <a:buNone/>
+              <a:tabLst/>
+              <a:defRPr/>
+            </a:pPr>
+            <a:r>
+              <a:rPr kumimoji="0" lang="fr-FR" sz="1400" b="0" i="0" u="none" strike="noStrike" kern="0" cap="none" spc="0" normalizeH="0" baseline="0" noProof="0">
+                <a:ln>
+                  <a:noFill/>
+                </a:ln>
+                <a:solidFill>
+                  <a:srgbClr val="0186AA"/>
+                </a:solidFill>
+                <a:effectLst/>
+                <a:uLnTx/>
+                <a:uFillTx/>
+                <a:latin typeface="Open Sans SemiBold"/>
+                <a:ea typeface="Open Sans SemiBold"/>
+                <a:cs typeface="Open Sans SemiBold"/>
+                <a:sym typeface="Open Sans SemiBold"/>
+              </a:rPr>
+              <a:t>ART-Plan</a:t>
+            </a:r>
+            <a:r>
+              <a:rPr kumimoji="0" lang="fr-FR" sz="1400" b="0" i="0" u="none" strike="noStrike" kern="0" cap="none" spc="0" normalizeH="0" baseline="0" noProof="0">
+                <a:ln>
+                  <a:noFill/>
+                </a:ln>
+                <a:solidFill>
+                  <a:srgbClr val="323232"/>
+                </a:solidFill>
+                <a:effectLst/>
+                <a:uLnTx/>
+                <a:uFillTx/>
+                <a:latin typeface="Open Sans SemiBold"/>
+                <a:ea typeface="Open Sans SemiBold"/>
+                <a:cs typeface="Open Sans SemiBold"/>
+                <a:sym typeface="Open Sans SemiBold"/>
+              </a:rPr>
+              <a:t> solution for Radiation Oncology 1</a:t>
+            </a:r>
+            <a:r>
+              <a:rPr kumimoji="0" lang="fr-FR" sz="1400" b="0" i="0" u="none" strike="noStrike" kern="0" cap="none" spc="0" normalizeH="0" baseline="30000" noProof="0">
+                <a:ln>
+                  <a:noFill/>
+                </a:ln>
+                <a:solidFill>
+                  <a:srgbClr val="323232"/>
+                </a:solidFill>
+                <a:effectLst/>
+                <a:uLnTx/>
+                <a:uFillTx/>
+                <a:latin typeface="Open Sans SemiBold"/>
+                <a:ea typeface="Open Sans SemiBold"/>
+                <a:cs typeface="Open Sans SemiBold"/>
+                <a:sym typeface="Open Sans SemiBold"/>
+              </a:rPr>
+              <a:t>st</a:t>
+            </a:r>
+            <a:r>
+              <a:rPr kumimoji="0" lang="fr-FR" sz="1400" b="0" i="0" u="none" strike="noStrike" kern="0" cap="none" spc="0" normalizeH="0" baseline="0" noProof="0">
+                <a:ln>
+                  <a:noFill/>
+                </a:ln>
+                <a:solidFill>
+                  <a:srgbClr val="323232"/>
+                </a:solidFill>
+                <a:effectLst/>
+                <a:uLnTx/>
+                <a:uFillTx/>
+                <a:latin typeface="Open Sans SemiBold"/>
+                <a:ea typeface="Open Sans SemiBold"/>
+                <a:cs typeface="Open Sans SemiBold"/>
+                <a:sym typeface="Open Sans SemiBold"/>
+              </a:rPr>
+              <a:t> market launch</a:t>
+            </a:r>
+            <a:r>
+              <a:rPr kumimoji="0" lang="fr-FR" sz="1400" b="0" i="0" u="none" strike="noStrike" kern="0" cap="none" spc="0" normalizeH="0" baseline="0" noProof="0">
+                <a:ln>
+                  <a:noFill/>
+                </a:ln>
+                <a:solidFill>
+                  <a:srgbClr val="62F8DA"/>
+                </a:solidFill>
+                <a:effectLst/>
+                <a:uLnTx/>
+                <a:uFillTx/>
+                <a:latin typeface="Open Sans SemiBold"/>
+                <a:ea typeface="Open Sans SemiBold"/>
+                <a:cs typeface="Open Sans SemiBold"/>
+                <a:sym typeface="Open Sans SemiBold"/>
+              </a:rPr>
+              <a:t> </a:t>
+            </a:r>
+            <a:r>
+              <a:rPr kumimoji="0" lang="fr-FR" sz="1400" b="1" i="0" u="none" strike="noStrike" kern="0" cap="none" spc="0" normalizeH="0" baseline="0" noProof="0">
+                <a:ln>
+                  <a:noFill/>
+                </a:ln>
+                <a:solidFill>
+                  <a:srgbClr val="0186AA"/>
+                </a:solidFill>
+                <a:effectLst/>
+                <a:uLnTx/>
+                <a:uFillTx/>
+                <a:latin typeface="Open Sans SemiBold"/>
+                <a:ea typeface="Open Sans SemiBold"/>
+                <a:cs typeface="Open Sans SemiBold"/>
+                <a:sym typeface="Open Sans SemiBold"/>
+              </a:rPr>
+              <a:t>in 2019</a:t>
+            </a:r>
+            <a:endParaRPr kumimoji="0" sz="1400" b="0" i="0" u="none" strike="noStrike" kern="0" cap="none" spc="0" normalizeH="0" baseline="0" noProof="0">
+              <a:ln>
+                <a:noFill/>
+              </a:ln>
+              <a:solidFill>
+                <a:srgbClr val="000000"/>
+              </a:solidFill>
+              <a:effectLst/>
+              <a:uLnTx/>
+              <a:uFillTx/>
+              <a:latin typeface="Arial"/>
+              <a:ea typeface="Arial"/>
+              <a:cs typeface="Arial"/>
+              <a:sym typeface="Arial"/>
+            </a:endParaRPr>
+          </a:p>
+        </p:txBody>
+      </p:sp>
+      <p:sp>
+        <p:nvSpPr>
+          <p:cNvPr id="72" name="Google Shape;72;g1f083006354_0_62"/>
+          <p:cNvSpPr txBox="1"/>
+          <p:nvPr/>
+        </p:nvSpPr>
+        <p:spPr>
+          <a:xfrm>
+            <a:off x="1525115" y="5060140"/>
+            <a:ext cx="3673800" cy="480300"/>
+          </a:xfrm>
+          <a:prstGeom prst="rect">
+            <a:avLst/>
+          </a:prstGeom>
+          <a:noFill/>
+          <a:ln>
+            <a:noFill/>
+          </a:ln>
+        </p:spPr>
+        <p:txBody>
+          <a:bodyPr spcFirstLastPara="1" wrap="square" lIns="91425" tIns="45700" rIns="91425" bIns="45700" anchor="t" anchorCtr="0">
+            <a:spAutoFit/>
+          </a:bodyPr>
+          <a:lstStyle/>
+          <a:p>
+            <a:pPr marL="0" marR="0" lvl="0" indent="0" algn="l" defTabSz="914400" rtl="0" eaLnBrk="1" fontAlgn="auto" latinLnBrk="0" hangingPunct="1">
+              <a:lnSpc>
+                <a:spcPct val="90000"/>
+              </a:lnSpc>
+              <a:spcBef>
+                <a:spcPts val="0"/>
+              </a:spcBef>
+              <a:spcAft>
+                <a:spcPts val="0"/>
+              </a:spcAft>
+              <a:buClr>
+                <a:srgbClr val="0186AA"/>
+              </a:buClr>
+              <a:buSzPts val="1400"/>
+              <a:buFont typeface="Open Sans SemiBold"/>
+              <a:buNone/>
+              <a:tabLst/>
+              <a:defRPr/>
+            </a:pPr>
+            <a:r>
+              <a:rPr kumimoji="0" lang="fr-FR" sz="1400" b="1" i="0" u="none" strike="noStrike" kern="0" cap="none" spc="0" normalizeH="0" baseline="0" noProof="0" dirty="0">
+                <a:ln>
+                  <a:noFill/>
+                </a:ln>
+                <a:solidFill>
+                  <a:srgbClr val="0186AA"/>
+                </a:solidFill>
+                <a:effectLst/>
+                <a:uLnTx/>
+                <a:uFillTx/>
+                <a:latin typeface="Open Sans SemiBold"/>
+                <a:ea typeface="Open Sans SemiBold"/>
+                <a:cs typeface="Open Sans SemiBold"/>
+                <a:sym typeface="Open Sans SemiBold"/>
+              </a:rPr>
+              <a:t>100+ user sites</a:t>
+            </a:r>
+            <a:r>
+              <a:rPr kumimoji="0" lang="fr-FR" sz="1400" b="0" i="0" u="none" strike="noStrike" kern="0" cap="none" spc="0" normalizeH="0" baseline="0" noProof="0" dirty="0">
+                <a:ln>
+                  <a:noFill/>
+                </a:ln>
+                <a:solidFill>
+                  <a:srgbClr val="0186AA"/>
+                </a:solidFill>
+                <a:effectLst/>
+                <a:uLnTx/>
+                <a:uFillTx/>
+                <a:latin typeface="Open Sans SemiBold"/>
+                <a:ea typeface="Open Sans SemiBold"/>
+                <a:cs typeface="Open Sans SemiBold"/>
+                <a:sym typeface="Open Sans SemiBold"/>
+              </a:rPr>
+              <a:t> </a:t>
+            </a:r>
+            <a:r>
+              <a:rPr kumimoji="0" lang="fr-FR" sz="1400" b="0" i="0" u="none" strike="noStrike" kern="0" cap="none" spc="0" normalizeH="0" baseline="0" noProof="0" dirty="0">
+                <a:ln>
+                  <a:noFill/>
+                </a:ln>
+                <a:solidFill>
+                  <a:srgbClr val="323232"/>
+                </a:solidFill>
+                <a:effectLst/>
+                <a:uLnTx/>
+                <a:uFillTx/>
+                <a:latin typeface="Open Sans SemiBold"/>
+                <a:ea typeface="Open Sans SemiBold"/>
+                <a:cs typeface="Open Sans SemiBold"/>
+                <a:sym typeface="Open Sans SemiBold"/>
+              </a:rPr>
+              <a:t>in Europe, </a:t>
+            </a:r>
+            <a:r>
+              <a:rPr kumimoji="0" lang="fr-FR" sz="1400" b="0" i="0" u="none" strike="noStrike" kern="0" cap="none" spc="0" normalizeH="0" baseline="0" noProof="0" dirty="0" err="1">
+                <a:ln>
+                  <a:noFill/>
+                </a:ln>
+                <a:solidFill>
+                  <a:srgbClr val="323232"/>
+                </a:solidFill>
+                <a:effectLst/>
+                <a:uLnTx/>
+                <a:uFillTx/>
+                <a:latin typeface="Open Sans SemiBold"/>
+                <a:ea typeface="Open Sans SemiBold"/>
+                <a:cs typeface="Open Sans SemiBold"/>
+                <a:sym typeface="Open Sans SemiBold"/>
+              </a:rPr>
+              <a:t>Africa</a:t>
+            </a:r>
+            <a:r>
+              <a:rPr kumimoji="0" lang="fr-FR" sz="1400" b="0" i="0" u="none" strike="noStrike" kern="0" cap="none" spc="0" normalizeH="0" baseline="0" noProof="0" dirty="0">
+                <a:ln>
+                  <a:noFill/>
+                </a:ln>
+                <a:solidFill>
+                  <a:srgbClr val="323232"/>
+                </a:solidFill>
+                <a:effectLst/>
+                <a:uLnTx/>
+                <a:uFillTx/>
+                <a:latin typeface="Open Sans SemiBold"/>
+                <a:ea typeface="Open Sans SemiBold"/>
+                <a:cs typeface="Open Sans SemiBold"/>
+                <a:sym typeface="Open Sans SemiBold"/>
+              </a:rPr>
+              <a:t>, Middle East and the US</a:t>
+            </a:r>
+            <a:endParaRPr kumimoji="0" sz="1400" b="0" i="0" u="none" strike="noStrike" kern="0" cap="none" spc="0" normalizeH="0" baseline="0" noProof="0" dirty="0">
+              <a:ln>
+                <a:noFill/>
+              </a:ln>
+              <a:solidFill>
+                <a:srgbClr val="000000"/>
+              </a:solidFill>
+              <a:effectLst/>
+              <a:uLnTx/>
+              <a:uFillTx/>
+              <a:latin typeface="Arial"/>
+              <a:ea typeface="Arial"/>
+              <a:cs typeface="Arial"/>
+              <a:sym typeface="Arial"/>
+            </a:endParaRPr>
+          </a:p>
+        </p:txBody>
+      </p:sp>
+      <p:sp>
+        <p:nvSpPr>
+          <p:cNvPr id="73" name="Google Shape;73;g1f083006354_0_62"/>
+          <p:cNvSpPr txBox="1"/>
+          <p:nvPr/>
+        </p:nvSpPr>
+        <p:spPr>
+          <a:xfrm>
+            <a:off x="6980338" y="431983"/>
+            <a:ext cx="4472400" cy="923400"/>
+          </a:xfrm>
+          <a:prstGeom prst="rect">
+            <a:avLst/>
+          </a:prstGeom>
+          <a:noFill/>
+          <a:ln>
+            <a:noFill/>
+          </a:ln>
+        </p:spPr>
+        <p:txBody>
+          <a:bodyPr spcFirstLastPara="1" wrap="square" lIns="91425" tIns="45700" rIns="91425" bIns="45700" anchor="t" anchorCtr="0">
+            <a:spAutoFit/>
+          </a:bodyPr>
+          <a:lstStyle/>
+          <a:p>
+            <a:pPr marL="0" marR="0" lvl="0" indent="0" algn="ctr" defTabSz="914400" rtl="0" eaLnBrk="1" fontAlgn="auto" latinLnBrk="0" hangingPunct="1">
+              <a:lnSpc>
+                <a:spcPct val="90000"/>
+              </a:lnSpc>
+              <a:spcBef>
+                <a:spcPts val="0"/>
+              </a:spcBef>
+              <a:spcAft>
+                <a:spcPts val="0"/>
+              </a:spcAft>
+              <a:buClr>
+                <a:srgbClr val="FFFFFF"/>
+              </a:buClr>
+              <a:buSzPts val="2000"/>
+              <a:buFont typeface="Open Sans SemiBold"/>
+              <a:buNone/>
+              <a:tabLst/>
+              <a:defRPr/>
+            </a:pPr>
+            <a:r>
+              <a:rPr kumimoji="0" lang="fr-FR" sz="2000" b="0" i="0" u="none" strike="noStrike" kern="0" cap="none" spc="0" normalizeH="0" baseline="0" noProof="0">
+                <a:ln>
+                  <a:noFill/>
+                </a:ln>
+                <a:solidFill>
+                  <a:srgbClr val="FFFFFF"/>
+                </a:solidFill>
+                <a:effectLst/>
+                <a:uLnTx/>
+                <a:uFillTx/>
+                <a:latin typeface="Open Sans SemiBold"/>
+                <a:ea typeface="Open Sans SemiBold"/>
+                <a:cs typeface="Open Sans SemiBold"/>
+                <a:sym typeface="Open Sans SemiBold"/>
+              </a:rPr>
+              <a:t>European and National Science and Innovation Prizes and Awards obtained since 2017: </a:t>
+            </a:r>
+            <a:endParaRPr kumimoji="0" sz="1400" b="0" i="0" u="none" strike="noStrike" kern="0" cap="none" spc="0" normalizeH="0" baseline="0" noProof="0">
+              <a:ln>
+                <a:noFill/>
+              </a:ln>
+              <a:solidFill>
+                <a:srgbClr val="000000"/>
+              </a:solidFill>
+              <a:effectLst/>
+              <a:uLnTx/>
+              <a:uFillTx/>
+              <a:latin typeface="Arial"/>
+              <a:ea typeface="Arial"/>
+              <a:cs typeface="Arial"/>
+              <a:sym typeface="Arial"/>
+            </a:endParaRPr>
+          </a:p>
+        </p:txBody>
+      </p:sp>
+      <p:sp>
+        <p:nvSpPr>
+          <p:cNvPr id="74" name="Google Shape;74;g1f083006354_0_62" descr="Cigogne bébé avec un remplissage uni"/>
+          <p:cNvSpPr/>
+          <p:nvPr/>
+        </p:nvSpPr>
+        <p:spPr>
+          <a:xfrm>
+            <a:off x="1000831" y="2517847"/>
+            <a:ext cx="265259" cy="339155"/>
+          </a:xfrm>
+          <a:custGeom>
+            <a:avLst/>
+            <a:gdLst/>
+            <a:ahLst/>
+            <a:cxnLst/>
+            <a:rect l="l" t="t" r="r" b="b"/>
+            <a:pathLst>
+              <a:path w="392976" h="502452" extrusionOk="0">
+                <a:moveTo>
+                  <a:pt x="332312" y="58389"/>
+                </a:moveTo>
+                <a:cubicBezTo>
+                  <a:pt x="336784" y="56248"/>
+                  <a:pt x="340858" y="53360"/>
+                  <a:pt x="344360" y="49851"/>
+                </a:cubicBezTo>
+                <a:cubicBezTo>
+                  <a:pt x="353216" y="41376"/>
+                  <a:pt x="357691" y="29304"/>
+                  <a:pt x="356497" y="17104"/>
+                </a:cubicBezTo>
+                <a:cubicBezTo>
+                  <a:pt x="344299" y="15919"/>
+                  <a:pt x="332233" y="20398"/>
+                  <a:pt x="323762" y="29253"/>
+                </a:cubicBezTo>
+                <a:cubicBezTo>
+                  <a:pt x="321237" y="31795"/>
+                  <a:pt x="319029" y="34634"/>
+                  <a:pt x="317188" y="37708"/>
+                </a:cubicBezTo>
+                <a:cubicBezTo>
+                  <a:pt x="315347" y="34632"/>
+                  <a:pt x="313137" y="31793"/>
+                  <a:pt x="310609" y="29253"/>
+                </a:cubicBezTo>
+                <a:cubicBezTo>
+                  <a:pt x="302133" y="20395"/>
+                  <a:pt x="290058" y="15920"/>
+                  <a:pt x="277857" y="17116"/>
+                </a:cubicBezTo>
+                <a:cubicBezTo>
+                  <a:pt x="276786" y="27451"/>
+                  <a:pt x="279877" y="37786"/>
+                  <a:pt x="286446" y="45837"/>
+                </a:cubicBezTo>
+                <a:cubicBezTo>
+                  <a:pt x="266052" y="40721"/>
+                  <a:pt x="245294" y="37191"/>
+                  <a:pt x="224356" y="35277"/>
+                </a:cubicBezTo>
+                <a:cubicBezTo>
+                  <a:pt x="222155" y="13707"/>
+                  <a:pt x="202885" y="-1995"/>
+                  <a:pt x="181315" y="206"/>
+                </a:cubicBezTo>
+                <a:cubicBezTo>
+                  <a:pt x="171796" y="1177"/>
+                  <a:pt x="162960" y="5591"/>
+                  <a:pt x="156466" y="12619"/>
+                </a:cubicBezTo>
+                <a:cubicBezTo>
+                  <a:pt x="155350" y="13486"/>
+                  <a:pt x="154330" y="14470"/>
+                  <a:pt x="153424" y="15555"/>
+                </a:cubicBezTo>
+                <a:cubicBezTo>
+                  <a:pt x="137730" y="34725"/>
+                  <a:pt x="132815" y="60539"/>
+                  <a:pt x="140366" y="84135"/>
+                </a:cubicBezTo>
+                <a:lnTo>
+                  <a:pt x="173892" y="188420"/>
+                </a:lnTo>
+                <a:cubicBezTo>
+                  <a:pt x="155592" y="181171"/>
+                  <a:pt x="136116" y="177348"/>
+                  <a:pt x="116433" y="177141"/>
+                </a:cubicBezTo>
+                <a:cubicBezTo>
+                  <a:pt x="98108" y="176943"/>
+                  <a:pt x="80009" y="181209"/>
+                  <a:pt x="63701" y="189570"/>
+                </a:cubicBezTo>
+                <a:lnTo>
+                  <a:pt x="32482" y="158346"/>
+                </a:lnTo>
+                <a:cubicBezTo>
+                  <a:pt x="11858" y="176160"/>
+                  <a:pt x="2" y="202064"/>
+                  <a:pt x="0" y="229317"/>
+                </a:cubicBezTo>
+                <a:cubicBezTo>
+                  <a:pt x="278" y="281658"/>
+                  <a:pt x="42871" y="323897"/>
+                  <a:pt x="95213" y="323738"/>
+                </a:cubicBezTo>
+                <a:cubicBezTo>
+                  <a:pt x="97133" y="324081"/>
+                  <a:pt x="99086" y="324333"/>
+                  <a:pt x="101051" y="324580"/>
+                </a:cubicBezTo>
+                <a:lnTo>
+                  <a:pt x="101051" y="488418"/>
+                </a:lnTo>
+                <a:cubicBezTo>
+                  <a:pt x="101051" y="496169"/>
+                  <a:pt x="107335" y="502453"/>
+                  <a:pt x="115086" y="502453"/>
+                </a:cubicBezTo>
+                <a:lnTo>
+                  <a:pt x="157191" y="502453"/>
+                </a:lnTo>
+                <a:cubicBezTo>
+                  <a:pt x="164942" y="502453"/>
+                  <a:pt x="171225" y="496169"/>
+                  <a:pt x="171225" y="488418"/>
+                </a:cubicBezTo>
+                <a:cubicBezTo>
+                  <a:pt x="171225" y="480667"/>
+                  <a:pt x="164942" y="474383"/>
+                  <a:pt x="157191" y="474383"/>
+                </a:cubicBezTo>
+                <a:lnTo>
+                  <a:pt x="129121" y="474383"/>
+                </a:lnTo>
+                <a:lnTo>
+                  <a:pt x="129121" y="324855"/>
+                </a:lnTo>
+                <a:cubicBezTo>
+                  <a:pt x="178243" y="319241"/>
+                  <a:pt x="224558" y="281432"/>
+                  <a:pt x="224558" y="224562"/>
+                </a:cubicBezTo>
+                <a:cubicBezTo>
+                  <a:pt x="224517" y="223702"/>
+                  <a:pt x="224299" y="222859"/>
+                  <a:pt x="223918" y="222086"/>
+                </a:cubicBezTo>
+                <a:cubicBezTo>
+                  <a:pt x="223609" y="216841"/>
+                  <a:pt x="222639" y="211656"/>
+                  <a:pt x="221032" y="206654"/>
+                </a:cubicBezTo>
+                <a:lnTo>
+                  <a:pt x="177754" y="72037"/>
+                </a:lnTo>
+                <a:cubicBezTo>
+                  <a:pt x="176700" y="68713"/>
+                  <a:pt x="176179" y="65244"/>
+                  <a:pt x="176211" y="61758"/>
+                </a:cubicBezTo>
+                <a:lnTo>
+                  <a:pt x="298235" y="61758"/>
+                </a:lnTo>
+                <a:cubicBezTo>
+                  <a:pt x="271339" y="86611"/>
+                  <a:pt x="241400" y="152372"/>
+                  <a:pt x="241400" y="185910"/>
+                </a:cubicBezTo>
+                <a:cubicBezTo>
+                  <a:pt x="241400" y="227767"/>
+                  <a:pt x="275332" y="261698"/>
+                  <a:pt x="317188" y="261698"/>
+                </a:cubicBezTo>
+                <a:cubicBezTo>
+                  <a:pt x="359045" y="261698"/>
+                  <a:pt x="392976" y="227767"/>
+                  <a:pt x="392976" y="185910"/>
+                </a:cubicBezTo>
+                <a:cubicBezTo>
+                  <a:pt x="392976" y="150778"/>
+                  <a:pt x="360124" y="80188"/>
+                  <a:pt x="332312" y="58389"/>
+                </a:cubicBezTo>
+                <a:close/>
+                <a:moveTo>
+                  <a:pt x="317154" y="174244"/>
+                </a:moveTo>
+                <a:cubicBezTo>
+                  <a:pt x="297389" y="174244"/>
+                  <a:pt x="281365" y="158221"/>
+                  <a:pt x="281365" y="138455"/>
+                </a:cubicBezTo>
+                <a:cubicBezTo>
+                  <a:pt x="281365" y="118689"/>
+                  <a:pt x="305505" y="75136"/>
+                  <a:pt x="317154" y="75136"/>
+                </a:cubicBezTo>
+                <a:cubicBezTo>
+                  <a:pt x="328803" y="75136"/>
+                  <a:pt x="352943" y="118689"/>
+                  <a:pt x="352943" y="138455"/>
+                </a:cubicBezTo>
+                <a:cubicBezTo>
+                  <a:pt x="352949" y="158213"/>
+                  <a:pt x="336945" y="174237"/>
+                  <a:pt x="317188" y="174256"/>
+                </a:cubicBezTo>
+                <a:close/>
+              </a:path>
+            </a:pathLst>
+          </a:custGeom>
+          <a:solidFill>
+            <a:schemeClr val="accent3"/>
+          </a:solidFill>
+          <a:ln>
+            <a:noFill/>
+          </a:ln>
+        </p:spPr>
+        <p:txBody>
+          <a:bodyPr spcFirstLastPara="1" wrap="square" lIns="91425" tIns="45700" rIns="91425" bIns="45700" anchor="ctr" anchorCtr="0">
+            <a:noAutofit/>
+          </a:bodyPr>
+          <a:lstStyle/>
+          <a:p>
+            <a:pPr marL="0" marR="0" lvl="0" indent="0" algn="l" defTabSz="914400" rtl="0" eaLnBrk="1" fontAlgn="auto" latinLnBrk="0" hangingPunct="1">
+              <a:lnSpc>
+                <a:spcPct val="100000"/>
+              </a:lnSpc>
+              <a:spcBef>
+                <a:spcPts val="0"/>
+              </a:spcBef>
+              <a:spcAft>
+                <a:spcPts val="0"/>
+              </a:spcAft>
+              <a:buClr>
+                <a:srgbClr val="05214A"/>
+              </a:buClr>
+              <a:buSzPts val="1800"/>
+              <a:buFont typeface="Open Sans"/>
+              <a:buNone/>
+              <a:tabLst/>
+              <a:defRPr/>
+            </a:pPr>
+            <a:endParaRPr kumimoji="0" sz="1800" b="0" i="0" u="none" strike="noStrike" kern="0" cap="none" spc="0" normalizeH="0" baseline="0" noProof="0">
+              <a:ln>
+                <a:noFill/>
+              </a:ln>
+              <a:solidFill>
+                <a:srgbClr val="A9A9A9"/>
+              </a:solidFill>
+              <a:effectLst/>
+              <a:uLnTx/>
+              <a:uFillTx/>
+              <a:latin typeface="Open Sans"/>
+              <a:ea typeface="Open Sans"/>
+              <a:cs typeface="Open Sans"/>
+              <a:sym typeface="Open Sans"/>
+            </a:endParaRPr>
+          </a:p>
+        </p:txBody>
+      </p:sp>
+      <p:pic>
+        <p:nvPicPr>
+          <p:cNvPr id="75" name="Google Shape;75;g1f083006354_0_62" descr="The Eberhard Karls University of Tübingen - The International Agency for  the Prevention of Blindness"/>
+          <p:cNvPicPr preferRelativeResize="0"/>
+          <p:nvPr/>
+        </p:nvPicPr>
+        <p:blipFill rotWithShape="1">
+          <a:blip r:embed="rId13">
+            <a:alphaModFix/>
+          </a:blip>
+          <a:srcRect/>
+          <a:stretch/>
+        </p:blipFill>
+        <p:spPr>
+          <a:xfrm>
+            <a:off x="4465573" y="6325719"/>
+            <a:ext cx="897617" cy="286232"/>
+          </a:xfrm>
+          <a:prstGeom prst="rect">
+            <a:avLst/>
+          </a:prstGeom>
+          <a:noFill/>
+          <a:ln>
+            <a:noFill/>
+          </a:ln>
+        </p:spPr>
+      </p:pic>
+      <p:sp>
+        <p:nvSpPr>
+          <p:cNvPr id="76" name="Google Shape;76;g1f083006354_0_62"/>
+          <p:cNvSpPr/>
+          <p:nvPr/>
+        </p:nvSpPr>
+        <p:spPr>
+          <a:xfrm>
+            <a:off x="913028" y="1583535"/>
+            <a:ext cx="413385" cy="413392"/>
+          </a:xfrm>
+          <a:custGeom>
+            <a:avLst/>
+            <a:gdLst/>
+            <a:ahLst/>
+            <a:cxnLst/>
+            <a:rect l="l" t="t" r="r" b="b"/>
+            <a:pathLst>
+              <a:path w="4724399" h="4724476" extrusionOk="0">
+                <a:moveTo>
+                  <a:pt x="4724400" y="1447800"/>
+                </a:moveTo>
+                <a:cubicBezTo>
+                  <a:pt x="4724400" y="1321765"/>
+                  <a:pt x="4621835" y="1219200"/>
+                  <a:pt x="4495800" y="1219200"/>
+                </a:cubicBezTo>
+                <a:cubicBezTo>
+                  <a:pt x="4469588" y="1219200"/>
+                  <a:pt x="4444746" y="1224534"/>
+                  <a:pt x="4421277" y="1232687"/>
+                </a:cubicBezTo>
+                <a:lnTo>
+                  <a:pt x="4079824" y="805891"/>
+                </a:lnTo>
+                <a:cubicBezTo>
+                  <a:pt x="4101617" y="770915"/>
+                  <a:pt x="4114800" y="729996"/>
+                  <a:pt x="4114800" y="685800"/>
+                </a:cubicBezTo>
+                <a:cubicBezTo>
+                  <a:pt x="4114800" y="559765"/>
+                  <a:pt x="4012235" y="457200"/>
+                  <a:pt x="3886200" y="457200"/>
+                </a:cubicBezTo>
+                <a:cubicBezTo>
+                  <a:pt x="3822116" y="457200"/>
+                  <a:pt x="3764356" y="483870"/>
+                  <a:pt x="3722827" y="526390"/>
+                </a:cubicBezTo>
+                <a:lnTo>
+                  <a:pt x="3122143" y="249174"/>
+                </a:lnTo>
+                <a:cubicBezTo>
+                  <a:pt x="3122752" y="242316"/>
+                  <a:pt x="3124200" y="235687"/>
+                  <a:pt x="3124200" y="228600"/>
+                </a:cubicBezTo>
+                <a:cubicBezTo>
+                  <a:pt x="3124200" y="102565"/>
+                  <a:pt x="3021635" y="0"/>
+                  <a:pt x="2895600" y="0"/>
+                </a:cubicBezTo>
+                <a:cubicBezTo>
+                  <a:pt x="2796388" y="0"/>
+                  <a:pt x="2712568" y="63932"/>
+                  <a:pt x="2681021" y="152400"/>
+                </a:cubicBezTo>
+                <a:lnTo>
+                  <a:pt x="1814779" y="152400"/>
+                </a:lnTo>
+                <a:cubicBezTo>
+                  <a:pt x="1783232" y="63932"/>
+                  <a:pt x="1699412" y="0"/>
+                  <a:pt x="1600200" y="0"/>
+                </a:cubicBezTo>
+                <a:cubicBezTo>
+                  <a:pt x="1474165" y="0"/>
+                  <a:pt x="1371600" y="102565"/>
+                  <a:pt x="1371600" y="228600"/>
+                </a:cubicBezTo>
+                <a:cubicBezTo>
+                  <a:pt x="1371600" y="238049"/>
+                  <a:pt x="1373276" y="247117"/>
+                  <a:pt x="1374419" y="256337"/>
+                </a:cubicBezTo>
+                <a:lnTo>
+                  <a:pt x="996467" y="445313"/>
+                </a:lnTo>
+                <a:cubicBezTo>
+                  <a:pt x="955319" y="405689"/>
+                  <a:pt x="899693" y="381000"/>
+                  <a:pt x="838200" y="381000"/>
+                </a:cubicBezTo>
+                <a:cubicBezTo>
+                  <a:pt x="712165" y="381000"/>
+                  <a:pt x="609600" y="483565"/>
+                  <a:pt x="609600" y="609600"/>
+                </a:cubicBezTo>
+                <a:cubicBezTo>
+                  <a:pt x="609600" y="653796"/>
+                  <a:pt x="622783" y="694715"/>
+                  <a:pt x="644576" y="729691"/>
+                </a:cubicBezTo>
+                <a:lnTo>
+                  <a:pt x="303124" y="1156487"/>
+                </a:lnTo>
+                <a:cubicBezTo>
+                  <a:pt x="279654" y="1148334"/>
+                  <a:pt x="254813" y="1143000"/>
+                  <a:pt x="228600" y="1143000"/>
+                </a:cubicBezTo>
+                <a:cubicBezTo>
+                  <a:pt x="102565" y="1143000"/>
+                  <a:pt x="0" y="1245565"/>
+                  <a:pt x="0" y="1371600"/>
+                </a:cubicBezTo>
+                <a:cubicBezTo>
+                  <a:pt x="0" y="1470812"/>
+                  <a:pt x="63932" y="1554632"/>
+                  <a:pt x="152400" y="1586179"/>
+                </a:cubicBezTo>
+                <a:lnTo>
+                  <a:pt x="152400" y="2071497"/>
+                </a:lnTo>
+                <a:cubicBezTo>
+                  <a:pt x="63932" y="2102968"/>
+                  <a:pt x="0" y="2186788"/>
+                  <a:pt x="0" y="2286000"/>
+                </a:cubicBezTo>
+                <a:cubicBezTo>
+                  <a:pt x="0" y="2412035"/>
+                  <a:pt x="102565" y="2514600"/>
+                  <a:pt x="228600" y="2514600"/>
+                </a:cubicBezTo>
+                <a:cubicBezTo>
+                  <a:pt x="313258" y="2514600"/>
+                  <a:pt x="386410" y="2467813"/>
+                  <a:pt x="425958" y="2399309"/>
+                </a:cubicBezTo>
+                <a:lnTo>
+                  <a:pt x="841934" y="2474900"/>
+                </a:lnTo>
+                <a:cubicBezTo>
+                  <a:pt x="859536" y="2583561"/>
+                  <a:pt x="953262" y="2667000"/>
+                  <a:pt x="1066800" y="2667000"/>
+                </a:cubicBezTo>
+                <a:cubicBezTo>
+                  <a:pt x="1069848" y="2667000"/>
+                  <a:pt x="1072744" y="2666238"/>
+                  <a:pt x="1075792" y="2666086"/>
+                </a:cubicBezTo>
+                <a:lnTo>
+                  <a:pt x="1221181" y="3029636"/>
+                </a:lnTo>
+                <a:cubicBezTo>
+                  <a:pt x="1173632" y="3071546"/>
+                  <a:pt x="1143000" y="3132201"/>
+                  <a:pt x="1143000" y="3200400"/>
+                </a:cubicBezTo>
+                <a:cubicBezTo>
+                  <a:pt x="1143000" y="3326435"/>
+                  <a:pt x="1245565" y="3429000"/>
+                  <a:pt x="1371600" y="3429000"/>
+                </a:cubicBezTo>
+                <a:cubicBezTo>
+                  <a:pt x="1448257" y="3429000"/>
+                  <a:pt x="1515847" y="3390748"/>
+                  <a:pt x="1557299" y="3332759"/>
+                </a:cubicBezTo>
+                <a:lnTo>
+                  <a:pt x="2211248" y="3519602"/>
+                </a:lnTo>
+                <a:cubicBezTo>
+                  <a:pt x="2217115" y="3612414"/>
+                  <a:pt x="2278075" y="3689757"/>
+                  <a:pt x="2362200" y="3719779"/>
+                </a:cubicBezTo>
+                <a:lnTo>
+                  <a:pt x="2362200" y="4281297"/>
+                </a:lnTo>
+                <a:cubicBezTo>
+                  <a:pt x="2273732" y="4312844"/>
+                  <a:pt x="2209800" y="4396664"/>
+                  <a:pt x="2209800" y="4495876"/>
+                </a:cubicBezTo>
+                <a:cubicBezTo>
+                  <a:pt x="2209800" y="4621911"/>
+                  <a:pt x="2312365" y="4724476"/>
+                  <a:pt x="2438400" y="4724476"/>
+                </a:cubicBezTo>
+                <a:cubicBezTo>
+                  <a:pt x="2564435" y="4724476"/>
+                  <a:pt x="2667000" y="4621911"/>
+                  <a:pt x="2667000" y="4495876"/>
+                </a:cubicBezTo>
+                <a:cubicBezTo>
+                  <a:pt x="2667000" y="4396664"/>
+                  <a:pt x="2603068" y="4312844"/>
+                  <a:pt x="2514600" y="4281297"/>
+                </a:cubicBezTo>
+                <a:lnTo>
+                  <a:pt x="2514600" y="3719779"/>
+                </a:lnTo>
+                <a:cubicBezTo>
+                  <a:pt x="2603068" y="3688233"/>
+                  <a:pt x="2667000" y="3604412"/>
+                  <a:pt x="2667000" y="3505200"/>
+                </a:cubicBezTo>
+                <a:cubicBezTo>
+                  <a:pt x="2667000" y="3432201"/>
+                  <a:pt x="2631948" y="3367811"/>
+                  <a:pt x="2578532" y="3325901"/>
+                </a:cubicBezTo>
+                <a:lnTo>
+                  <a:pt x="2669515" y="3052877"/>
+                </a:lnTo>
+                <a:lnTo>
+                  <a:pt x="3353257" y="3280791"/>
+                </a:lnTo>
+                <a:cubicBezTo>
+                  <a:pt x="3355086" y="3378099"/>
+                  <a:pt x="3418027" y="3460014"/>
+                  <a:pt x="3505200" y="3491103"/>
+                </a:cubicBezTo>
+                <a:lnTo>
+                  <a:pt x="3505200" y="4281221"/>
+                </a:lnTo>
+                <a:cubicBezTo>
+                  <a:pt x="3416732" y="4312768"/>
+                  <a:pt x="3352800" y="4396588"/>
+                  <a:pt x="3352800" y="4495800"/>
+                </a:cubicBezTo>
+                <a:cubicBezTo>
+                  <a:pt x="3352800" y="4621835"/>
+                  <a:pt x="3455365" y="4724400"/>
+                  <a:pt x="3581400" y="4724400"/>
+                </a:cubicBezTo>
+                <a:cubicBezTo>
+                  <a:pt x="3707435" y="4724400"/>
+                  <a:pt x="3810000" y="4621835"/>
+                  <a:pt x="3810000" y="4495800"/>
+                </a:cubicBezTo>
+                <a:cubicBezTo>
+                  <a:pt x="3810000" y="4396588"/>
+                  <a:pt x="3746068" y="4312768"/>
+                  <a:pt x="3657600" y="4281221"/>
+                </a:cubicBezTo>
+                <a:lnTo>
+                  <a:pt x="3657600" y="3491179"/>
+                </a:lnTo>
+                <a:cubicBezTo>
+                  <a:pt x="3746068" y="3459633"/>
+                  <a:pt x="3810000" y="3375812"/>
+                  <a:pt x="3810000" y="3276600"/>
+                </a:cubicBezTo>
+                <a:cubicBezTo>
+                  <a:pt x="3810000" y="3248787"/>
+                  <a:pt x="3804285" y="3222422"/>
+                  <a:pt x="3795141" y="3197733"/>
+                </a:cubicBezTo>
+                <a:lnTo>
+                  <a:pt x="4379824" y="2710510"/>
+                </a:lnTo>
+                <a:cubicBezTo>
+                  <a:pt x="4413885" y="2730780"/>
+                  <a:pt x="4453281" y="2743200"/>
+                  <a:pt x="4495800" y="2743200"/>
+                </a:cubicBezTo>
+                <a:cubicBezTo>
+                  <a:pt x="4621835" y="2743200"/>
+                  <a:pt x="4724400" y="2640635"/>
+                  <a:pt x="4724400" y="2514600"/>
+                </a:cubicBezTo>
+                <a:cubicBezTo>
+                  <a:pt x="4724400" y="2415388"/>
+                  <a:pt x="4660468" y="2331568"/>
+                  <a:pt x="4572000" y="2300021"/>
+                </a:cubicBezTo>
+                <a:lnTo>
+                  <a:pt x="4572000" y="1662303"/>
+                </a:lnTo>
+                <a:cubicBezTo>
+                  <a:pt x="4660468" y="1630832"/>
+                  <a:pt x="4724400" y="1547012"/>
+                  <a:pt x="4724400" y="1447800"/>
+                </a:cubicBezTo>
+                <a:close/>
+                <a:moveTo>
+                  <a:pt x="3886200" y="609600"/>
+                </a:moveTo>
+                <a:cubicBezTo>
+                  <a:pt x="3928186" y="609600"/>
+                  <a:pt x="3962400" y="643738"/>
+                  <a:pt x="3962400" y="685800"/>
+                </a:cubicBezTo>
+                <a:cubicBezTo>
+                  <a:pt x="3962400" y="727862"/>
+                  <a:pt x="3928186" y="762000"/>
+                  <a:pt x="3886200" y="762000"/>
+                </a:cubicBezTo>
+                <a:cubicBezTo>
+                  <a:pt x="3844214" y="762000"/>
+                  <a:pt x="3810000" y="727862"/>
+                  <a:pt x="3810000" y="685800"/>
+                </a:cubicBezTo>
+                <a:cubicBezTo>
+                  <a:pt x="3810000" y="643738"/>
+                  <a:pt x="3844214" y="609600"/>
+                  <a:pt x="3886200" y="609600"/>
+                </a:cubicBezTo>
+                <a:close/>
+                <a:moveTo>
+                  <a:pt x="3777844" y="885825"/>
+                </a:moveTo>
+                <a:cubicBezTo>
+                  <a:pt x="3810229" y="903503"/>
+                  <a:pt x="3846805" y="914400"/>
+                  <a:pt x="3886200" y="914400"/>
+                </a:cubicBezTo>
+                <a:cubicBezTo>
+                  <a:pt x="3912413" y="914400"/>
+                  <a:pt x="3937178" y="909066"/>
+                  <a:pt x="3960648" y="900913"/>
+                </a:cubicBezTo>
+                <a:lnTo>
+                  <a:pt x="4302100" y="1327785"/>
+                </a:lnTo>
+                <a:cubicBezTo>
+                  <a:pt x="4280383" y="1362761"/>
+                  <a:pt x="4267200" y="1403604"/>
+                  <a:pt x="4267200" y="1447800"/>
+                </a:cubicBezTo>
+                <a:cubicBezTo>
+                  <a:pt x="4267200" y="1460068"/>
+                  <a:pt x="4268953" y="1471879"/>
+                  <a:pt x="4270858" y="1483690"/>
+                </a:cubicBezTo>
+                <a:lnTo>
+                  <a:pt x="3731057" y="1778127"/>
+                </a:lnTo>
+                <a:lnTo>
+                  <a:pt x="3337941" y="1450543"/>
+                </a:lnTo>
+                <a:cubicBezTo>
+                  <a:pt x="3347085" y="1425778"/>
+                  <a:pt x="3352800" y="1399413"/>
+                  <a:pt x="3352800" y="1371600"/>
+                </a:cubicBezTo>
+                <a:cubicBezTo>
+                  <a:pt x="3352800" y="1340663"/>
+                  <a:pt x="3346475" y="1311097"/>
+                  <a:pt x="3335274" y="1284199"/>
+                </a:cubicBezTo>
+                <a:lnTo>
+                  <a:pt x="3777844" y="885825"/>
+                </a:lnTo>
+                <a:close/>
+                <a:moveTo>
+                  <a:pt x="2819400" y="2133600"/>
+                </a:moveTo>
+                <a:cubicBezTo>
+                  <a:pt x="2784196" y="2133600"/>
+                  <a:pt x="2751277" y="2142211"/>
+                  <a:pt x="2721483" y="2156536"/>
+                </a:cubicBezTo>
+                <a:lnTo>
+                  <a:pt x="2398624" y="1833677"/>
+                </a:lnTo>
+                <a:lnTo>
+                  <a:pt x="2968600" y="1538097"/>
+                </a:lnTo>
+                <a:cubicBezTo>
+                  <a:pt x="3009519" y="1576349"/>
+                  <a:pt x="3063926" y="1600200"/>
+                  <a:pt x="3124200" y="1600200"/>
+                </a:cubicBezTo>
+                <a:cubicBezTo>
+                  <a:pt x="3166720" y="1600200"/>
+                  <a:pt x="3206039" y="1587779"/>
+                  <a:pt x="3240176" y="1567510"/>
+                </a:cubicBezTo>
+                <a:lnTo>
+                  <a:pt x="3587115" y="1856613"/>
+                </a:lnTo>
+                <a:lnTo>
+                  <a:pt x="2971191" y="2192579"/>
+                </a:lnTo>
+                <a:cubicBezTo>
+                  <a:pt x="2930728" y="2156308"/>
+                  <a:pt x="2877922" y="2133600"/>
+                  <a:pt x="2819400" y="2133600"/>
+                </a:cubicBezTo>
+                <a:close/>
+                <a:moveTo>
+                  <a:pt x="2895600" y="2362200"/>
+                </a:moveTo>
+                <a:cubicBezTo>
+                  <a:pt x="2895600" y="2404263"/>
+                  <a:pt x="2861386" y="2438400"/>
+                  <a:pt x="2819400" y="2438400"/>
+                </a:cubicBezTo>
+                <a:cubicBezTo>
+                  <a:pt x="2777414" y="2438400"/>
+                  <a:pt x="2743200" y="2404263"/>
+                  <a:pt x="2743200" y="2362200"/>
+                </a:cubicBezTo>
+                <a:cubicBezTo>
+                  <a:pt x="2743200" y="2320138"/>
+                  <a:pt x="2777414" y="2286000"/>
+                  <a:pt x="2819400" y="2286000"/>
+                </a:cubicBezTo>
+                <a:cubicBezTo>
+                  <a:pt x="2861386" y="2286000"/>
+                  <a:pt x="2895600" y="2320138"/>
+                  <a:pt x="2895600" y="2362200"/>
+                </a:cubicBezTo>
+                <a:close/>
+                <a:moveTo>
+                  <a:pt x="1743532" y="1523009"/>
+                </a:moveTo>
+                <a:lnTo>
+                  <a:pt x="1871472" y="1935251"/>
+                </a:lnTo>
+                <a:lnTo>
+                  <a:pt x="1222400" y="2271827"/>
+                </a:lnTo>
+                <a:cubicBezTo>
+                  <a:pt x="1195197" y="2246452"/>
+                  <a:pt x="1161898" y="2228012"/>
+                  <a:pt x="1124864" y="2218182"/>
+                </a:cubicBezTo>
+                <a:lnTo>
+                  <a:pt x="1019251" y="1408328"/>
+                </a:lnTo>
+                <a:lnTo>
+                  <a:pt x="1541374" y="1382192"/>
+                </a:lnTo>
+                <a:cubicBezTo>
+                  <a:pt x="1574521" y="1462507"/>
+                  <a:pt x="1652245" y="1519352"/>
+                  <a:pt x="1743532" y="1523009"/>
+                </a:cubicBezTo>
+                <a:close/>
+                <a:moveTo>
+                  <a:pt x="1676400" y="1295400"/>
+                </a:moveTo>
+                <a:cubicBezTo>
+                  <a:pt x="1676400" y="1253338"/>
+                  <a:pt x="1710614" y="1219200"/>
+                  <a:pt x="1752600" y="1219200"/>
+                </a:cubicBezTo>
+                <a:cubicBezTo>
+                  <a:pt x="1794586" y="1219200"/>
+                  <a:pt x="1828800" y="1253338"/>
+                  <a:pt x="1828800" y="1295400"/>
+                </a:cubicBezTo>
+                <a:cubicBezTo>
+                  <a:pt x="1828800" y="1337462"/>
+                  <a:pt x="1794586" y="1371600"/>
+                  <a:pt x="1752600" y="1371600"/>
+                </a:cubicBezTo>
+                <a:cubicBezTo>
+                  <a:pt x="1710614" y="1371600"/>
+                  <a:pt x="1676400" y="1337462"/>
+                  <a:pt x="1676400" y="1295400"/>
+                </a:cubicBezTo>
+                <a:close/>
+                <a:moveTo>
+                  <a:pt x="1917268" y="2083232"/>
+                </a:moveTo>
+                <a:lnTo>
+                  <a:pt x="2110512" y="2706015"/>
+                </a:lnTo>
+                <a:lnTo>
+                  <a:pt x="1294943" y="2434133"/>
+                </a:lnTo>
+                <a:cubicBezTo>
+                  <a:pt x="1294790" y="2424989"/>
+                  <a:pt x="1293419" y="2416150"/>
+                  <a:pt x="1292200" y="2407310"/>
+                </a:cubicBezTo>
+                <a:lnTo>
+                  <a:pt x="1917268" y="2083232"/>
+                </a:lnTo>
+                <a:close/>
+                <a:moveTo>
+                  <a:pt x="1916735" y="1567358"/>
+                </a:moveTo>
+                <a:lnTo>
+                  <a:pt x="2143659" y="1794205"/>
+                </a:lnTo>
+                <a:lnTo>
+                  <a:pt x="2008861" y="1864081"/>
+                </a:lnTo>
+                <a:lnTo>
+                  <a:pt x="1916735" y="1567358"/>
+                </a:lnTo>
+                <a:close/>
+                <a:moveTo>
+                  <a:pt x="1958340" y="1393317"/>
+                </a:moveTo>
+                <a:cubicBezTo>
+                  <a:pt x="1972590" y="1363523"/>
+                  <a:pt x="1981200" y="1330604"/>
+                  <a:pt x="1981200" y="1295400"/>
+                </a:cubicBezTo>
+                <a:cubicBezTo>
+                  <a:pt x="1981200" y="1262939"/>
+                  <a:pt x="1974190" y="1232154"/>
+                  <a:pt x="1961998" y="1204189"/>
+                </a:cubicBezTo>
+                <a:lnTo>
+                  <a:pt x="2323795" y="866470"/>
+                </a:lnTo>
+                <a:lnTo>
+                  <a:pt x="2907030" y="1303858"/>
+                </a:lnTo>
+                <a:cubicBezTo>
+                  <a:pt x="2900248" y="1325499"/>
+                  <a:pt x="2895600" y="1347902"/>
+                  <a:pt x="2895600" y="1371600"/>
+                </a:cubicBezTo>
+                <a:cubicBezTo>
+                  <a:pt x="2895600" y="1382268"/>
+                  <a:pt x="2897353" y="1392403"/>
+                  <a:pt x="2898724" y="1402690"/>
+                </a:cubicBezTo>
+                <a:lnTo>
+                  <a:pt x="2285543" y="1720596"/>
+                </a:lnTo>
+                <a:lnTo>
+                  <a:pt x="1958340" y="1393317"/>
+                </a:lnTo>
+                <a:close/>
+                <a:moveTo>
+                  <a:pt x="3048000" y="1371600"/>
+                </a:moveTo>
+                <a:cubicBezTo>
+                  <a:pt x="3048000" y="1329538"/>
+                  <a:pt x="3082214" y="1295400"/>
+                  <a:pt x="3124200" y="1295400"/>
+                </a:cubicBezTo>
+                <a:cubicBezTo>
+                  <a:pt x="3166186" y="1295400"/>
+                  <a:pt x="3200400" y="1329538"/>
+                  <a:pt x="3200400" y="1371600"/>
+                </a:cubicBezTo>
+                <a:cubicBezTo>
+                  <a:pt x="3200400" y="1413662"/>
+                  <a:pt x="3166186" y="1447800"/>
+                  <a:pt x="3124200" y="1447800"/>
+                </a:cubicBezTo>
+                <a:cubicBezTo>
+                  <a:pt x="3082214" y="1447800"/>
+                  <a:pt x="3048000" y="1413662"/>
+                  <a:pt x="3048000" y="1371600"/>
+                </a:cubicBezTo>
+                <a:close/>
+                <a:moveTo>
+                  <a:pt x="3713074" y="1961541"/>
+                </a:moveTo>
+                <a:lnTo>
+                  <a:pt x="4259047" y="2416531"/>
+                </a:lnTo>
+                <a:lnTo>
+                  <a:pt x="3076042" y="2309013"/>
+                </a:lnTo>
+                <a:lnTo>
+                  <a:pt x="3713074" y="1961541"/>
+                </a:lnTo>
+                <a:close/>
+                <a:moveTo>
+                  <a:pt x="2895600" y="152400"/>
+                </a:moveTo>
+                <a:cubicBezTo>
+                  <a:pt x="2937586" y="152400"/>
+                  <a:pt x="2971800" y="186538"/>
+                  <a:pt x="2971800" y="228600"/>
+                </a:cubicBezTo>
+                <a:cubicBezTo>
+                  <a:pt x="2971800" y="270662"/>
+                  <a:pt x="2937586" y="304800"/>
+                  <a:pt x="2895600" y="304800"/>
+                </a:cubicBezTo>
+                <a:cubicBezTo>
+                  <a:pt x="2853614" y="304800"/>
+                  <a:pt x="2819400" y="270662"/>
+                  <a:pt x="2819400" y="228600"/>
+                </a:cubicBezTo>
+                <a:cubicBezTo>
+                  <a:pt x="2819400" y="186538"/>
+                  <a:pt x="2853614" y="152400"/>
+                  <a:pt x="2895600" y="152400"/>
+                </a:cubicBezTo>
+                <a:close/>
+                <a:moveTo>
+                  <a:pt x="2790901" y="430606"/>
+                </a:moveTo>
+                <a:cubicBezTo>
+                  <a:pt x="2822372" y="446989"/>
+                  <a:pt x="2857652" y="457200"/>
+                  <a:pt x="2895600" y="457200"/>
+                </a:cubicBezTo>
+                <a:cubicBezTo>
+                  <a:pt x="2959684" y="457200"/>
+                  <a:pt x="3017444" y="430530"/>
+                  <a:pt x="3059049" y="387934"/>
+                </a:cubicBezTo>
+                <a:lnTo>
+                  <a:pt x="3659658" y="665150"/>
+                </a:lnTo>
+                <a:cubicBezTo>
+                  <a:pt x="3659048" y="672084"/>
+                  <a:pt x="3657600" y="678713"/>
+                  <a:pt x="3657600" y="685800"/>
+                </a:cubicBezTo>
+                <a:cubicBezTo>
+                  <a:pt x="3657600" y="716813"/>
+                  <a:pt x="3663925" y="746303"/>
+                  <a:pt x="3675126" y="773278"/>
+                </a:cubicBezTo>
+                <a:lnTo>
+                  <a:pt x="3232557" y="1171575"/>
+                </a:lnTo>
+                <a:cubicBezTo>
+                  <a:pt x="3200172" y="1153897"/>
+                  <a:pt x="3163596" y="1143000"/>
+                  <a:pt x="3124200" y="1143000"/>
+                </a:cubicBezTo>
+                <a:cubicBezTo>
+                  <a:pt x="3077413" y="1143000"/>
+                  <a:pt x="3033903" y="1157249"/>
+                  <a:pt x="2997632" y="1181481"/>
+                </a:cubicBezTo>
+                <a:lnTo>
+                  <a:pt x="2436952" y="760933"/>
+                </a:lnTo>
+                <a:lnTo>
+                  <a:pt x="2790901" y="430606"/>
+                </a:lnTo>
+                <a:close/>
+                <a:moveTo>
+                  <a:pt x="2681021" y="304800"/>
+                </a:moveTo>
+                <a:cubicBezTo>
+                  <a:pt x="2682850" y="309753"/>
+                  <a:pt x="2684145" y="314935"/>
+                  <a:pt x="2686202" y="319735"/>
+                </a:cubicBezTo>
+                <a:lnTo>
+                  <a:pt x="2313051" y="667969"/>
+                </a:lnTo>
+                <a:lnTo>
+                  <a:pt x="1828800" y="304800"/>
+                </a:lnTo>
+                <a:lnTo>
+                  <a:pt x="2681021" y="304800"/>
+                </a:lnTo>
+                <a:close/>
+                <a:moveTo>
+                  <a:pt x="1600200" y="152400"/>
+                </a:moveTo>
+                <a:cubicBezTo>
+                  <a:pt x="1642186" y="152400"/>
+                  <a:pt x="1676400" y="186538"/>
+                  <a:pt x="1676400" y="228600"/>
+                </a:cubicBezTo>
+                <a:cubicBezTo>
+                  <a:pt x="1676400" y="270662"/>
+                  <a:pt x="1642186" y="304800"/>
+                  <a:pt x="1600200" y="304800"/>
+                </a:cubicBezTo>
+                <a:cubicBezTo>
+                  <a:pt x="1558214" y="304800"/>
+                  <a:pt x="1524000" y="270662"/>
+                  <a:pt x="1524000" y="228600"/>
+                </a:cubicBezTo>
+                <a:cubicBezTo>
+                  <a:pt x="1524000" y="186538"/>
+                  <a:pt x="1558214" y="152400"/>
+                  <a:pt x="1600200" y="152400"/>
+                </a:cubicBezTo>
+                <a:close/>
+                <a:moveTo>
+                  <a:pt x="1066800" y="609600"/>
+                </a:moveTo>
+                <a:cubicBezTo>
+                  <a:pt x="1066800" y="600151"/>
+                  <a:pt x="1065124" y="591083"/>
+                  <a:pt x="1063981" y="581939"/>
+                </a:cubicBezTo>
+                <a:lnTo>
+                  <a:pt x="1441933" y="392963"/>
+                </a:lnTo>
+                <a:cubicBezTo>
+                  <a:pt x="1483081" y="432511"/>
+                  <a:pt x="1538707" y="457200"/>
+                  <a:pt x="1600200" y="457200"/>
+                </a:cubicBezTo>
+                <a:cubicBezTo>
+                  <a:pt x="1646987" y="457200"/>
+                  <a:pt x="1690497" y="442951"/>
+                  <a:pt x="1726768" y="418719"/>
+                </a:cubicBezTo>
+                <a:lnTo>
+                  <a:pt x="2199894" y="773582"/>
+                </a:lnTo>
+                <a:lnTo>
+                  <a:pt x="1857299" y="1093318"/>
+                </a:lnTo>
+                <a:cubicBezTo>
+                  <a:pt x="1825828" y="1076935"/>
+                  <a:pt x="1790548" y="1066800"/>
+                  <a:pt x="1752600" y="1066800"/>
+                </a:cubicBezTo>
+                <a:cubicBezTo>
+                  <a:pt x="1649425" y="1066800"/>
+                  <a:pt x="1563015" y="1135913"/>
+                  <a:pt x="1534668" y="1229944"/>
+                </a:cubicBezTo>
+                <a:lnTo>
+                  <a:pt x="999439" y="1256691"/>
+                </a:lnTo>
+                <a:lnTo>
+                  <a:pt x="941527" y="812368"/>
+                </a:lnTo>
+                <a:cubicBezTo>
+                  <a:pt x="1015517" y="774497"/>
+                  <a:pt x="1066800" y="698297"/>
+                  <a:pt x="1066800" y="609600"/>
+                </a:cubicBezTo>
+                <a:close/>
+                <a:moveTo>
+                  <a:pt x="838200" y="533400"/>
+                </a:moveTo>
+                <a:cubicBezTo>
+                  <a:pt x="880186" y="533400"/>
+                  <a:pt x="914400" y="567538"/>
+                  <a:pt x="914400" y="609600"/>
+                </a:cubicBezTo>
+                <a:cubicBezTo>
+                  <a:pt x="914400" y="651662"/>
+                  <a:pt x="880186" y="685800"/>
+                  <a:pt x="838200" y="685800"/>
+                </a:cubicBezTo>
+                <a:cubicBezTo>
+                  <a:pt x="796214" y="685800"/>
+                  <a:pt x="762000" y="651662"/>
+                  <a:pt x="762000" y="609600"/>
+                </a:cubicBezTo>
+                <a:cubicBezTo>
+                  <a:pt x="762000" y="567538"/>
+                  <a:pt x="796214" y="533400"/>
+                  <a:pt x="838200" y="533400"/>
+                </a:cubicBezTo>
+                <a:close/>
+                <a:moveTo>
+                  <a:pt x="763676" y="824713"/>
+                </a:moveTo>
+                <a:cubicBezTo>
+                  <a:pt x="772516" y="827761"/>
+                  <a:pt x="781202" y="831037"/>
+                  <a:pt x="790423" y="833018"/>
+                </a:cubicBezTo>
+                <a:lnTo>
+                  <a:pt x="846658" y="1264387"/>
+                </a:lnTo>
+                <a:lnTo>
+                  <a:pt x="439826" y="1284732"/>
+                </a:lnTo>
+                <a:cubicBezTo>
+                  <a:pt x="435026" y="1273074"/>
+                  <a:pt x="428854" y="1262177"/>
+                  <a:pt x="422224" y="1251509"/>
+                </a:cubicBezTo>
+                <a:lnTo>
+                  <a:pt x="763676" y="824713"/>
+                </a:lnTo>
+                <a:close/>
+                <a:moveTo>
+                  <a:pt x="228600" y="1295400"/>
+                </a:moveTo>
+                <a:cubicBezTo>
+                  <a:pt x="270586" y="1295400"/>
+                  <a:pt x="304800" y="1329538"/>
+                  <a:pt x="304800" y="1371600"/>
+                </a:cubicBezTo>
+                <a:cubicBezTo>
+                  <a:pt x="304800" y="1413662"/>
+                  <a:pt x="270586" y="1447800"/>
+                  <a:pt x="228600" y="1447800"/>
+                </a:cubicBezTo>
+                <a:cubicBezTo>
+                  <a:pt x="186614" y="1447800"/>
+                  <a:pt x="152400" y="1413662"/>
+                  <a:pt x="152400" y="1371600"/>
+                </a:cubicBezTo>
+                <a:cubicBezTo>
+                  <a:pt x="152400" y="1329538"/>
+                  <a:pt x="186614" y="1295400"/>
+                  <a:pt x="228600" y="1295400"/>
+                </a:cubicBezTo>
+                <a:close/>
+                <a:moveTo>
+                  <a:pt x="228600" y="2362200"/>
+                </a:moveTo>
+                <a:cubicBezTo>
+                  <a:pt x="186614" y="2362200"/>
+                  <a:pt x="152400" y="2328063"/>
+                  <a:pt x="152400" y="2286000"/>
+                </a:cubicBezTo>
+                <a:cubicBezTo>
+                  <a:pt x="152400" y="2243938"/>
+                  <a:pt x="186614" y="2209800"/>
+                  <a:pt x="228600" y="2209800"/>
+                </a:cubicBezTo>
+                <a:cubicBezTo>
+                  <a:pt x="270586" y="2209800"/>
+                  <a:pt x="304800" y="2243938"/>
+                  <a:pt x="304800" y="2286000"/>
+                </a:cubicBezTo>
+                <a:cubicBezTo>
+                  <a:pt x="304800" y="2328063"/>
+                  <a:pt x="270586" y="2362200"/>
+                  <a:pt x="228600" y="2362200"/>
+                </a:cubicBezTo>
+                <a:close/>
+                <a:moveTo>
+                  <a:pt x="869442" y="2325091"/>
+                </a:moveTo>
+                <a:lnTo>
+                  <a:pt x="453542" y="2249500"/>
+                </a:lnTo>
+                <a:cubicBezTo>
+                  <a:pt x="440055" y="2166518"/>
+                  <a:pt x="382143" y="2099005"/>
+                  <a:pt x="304800" y="2071421"/>
+                </a:cubicBezTo>
+                <a:lnTo>
+                  <a:pt x="304800" y="1586103"/>
+                </a:lnTo>
+                <a:cubicBezTo>
+                  <a:pt x="372847" y="1561795"/>
+                  <a:pt x="425577" y="1506550"/>
+                  <a:pt x="446532" y="1436980"/>
+                </a:cubicBezTo>
+                <a:lnTo>
+                  <a:pt x="866546" y="1415949"/>
+                </a:lnTo>
+                <a:lnTo>
+                  <a:pt x="972769" y="2230526"/>
+                </a:lnTo>
+                <a:cubicBezTo>
+                  <a:pt x="929030" y="2250415"/>
+                  <a:pt x="893293" y="2283714"/>
+                  <a:pt x="869442" y="2325091"/>
+                </a:cubicBezTo>
+                <a:close/>
+                <a:moveTo>
+                  <a:pt x="1066800" y="2514600"/>
+                </a:moveTo>
+                <a:cubicBezTo>
+                  <a:pt x="1024814" y="2514600"/>
+                  <a:pt x="990600" y="2480462"/>
+                  <a:pt x="990600" y="2438400"/>
+                </a:cubicBezTo>
+                <a:cubicBezTo>
+                  <a:pt x="990600" y="2396338"/>
+                  <a:pt x="1024814" y="2362200"/>
+                  <a:pt x="1066800" y="2362200"/>
+                </a:cubicBezTo>
+                <a:cubicBezTo>
+                  <a:pt x="1108786" y="2362200"/>
+                  <a:pt x="1143000" y="2396338"/>
+                  <a:pt x="1143000" y="2438400"/>
+                </a:cubicBezTo>
+                <a:cubicBezTo>
+                  <a:pt x="1143000" y="2480462"/>
+                  <a:pt x="1108786" y="2514600"/>
+                  <a:pt x="1066800" y="2514600"/>
+                </a:cubicBezTo>
+                <a:close/>
+                <a:moveTo>
+                  <a:pt x="1371600" y="3276600"/>
+                </a:moveTo>
+                <a:cubicBezTo>
+                  <a:pt x="1329614" y="3276600"/>
+                  <a:pt x="1295400" y="3242462"/>
+                  <a:pt x="1295400" y="3200400"/>
+                </a:cubicBezTo>
+                <a:cubicBezTo>
+                  <a:pt x="1295400" y="3158338"/>
+                  <a:pt x="1329614" y="3124200"/>
+                  <a:pt x="1371600" y="3124200"/>
+                </a:cubicBezTo>
+                <a:cubicBezTo>
+                  <a:pt x="1413586" y="3124200"/>
+                  <a:pt x="1447800" y="3158338"/>
+                  <a:pt x="1447800" y="3200400"/>
+                </a:cubicBezTo>
+                <a:cubicBezTo>
+                  <a:pt x="1447800" y="3242462"/>
+                  <a:pt x="1413586" y="3276600"/>
+                  <a:pt x="1371600" y="3276600"/>
+                </a:cubicBezTo>
+                <a:close/>
+                <a:moveTo>
+                  <a:pt x="2252777" y="3372841"/>
+                </a:moveTo>
+                <a:lnTo>
+                  <a:pt x="1598828" y="3185998"/>
+                </a:lnTo>
+                <a:cubicBezTo>
+                  <a:pt x="1591132" y="3066745"/>
+                  <a:pt x="1492758" y="2971800"/>
+                  <a:pt x="1371600" y="2971800"/>
+                </a:cubicBezTo>
+                <a:cubicBezTo>
+                  <a:pt x="1368552" y="2971800"/>
+                  <a:pt x="1365657" y="2972562"/>
+                  <a:pt x="1362608" y="2972715"/>
+                </a:cubicBezTo>
+                <a:lnTo>
+                  <a:pt x="1217219" y="2609164"/>
+                </a:lnTo>
+                <a:cubicBezTo>
+                  <a:pt x="1227811" y="2599792"/>
+                  <a:pt x="1237412" y="2589581"/>
+                  <a:pt x="1246175" y="2578456"/>
+                </a:cubicBezTo>
+                <a:lnTo>
+                  <a:pt x="2166214" y="2885161"/>
+                </a:lnTo>
+                <a:lnTo>
+                  <a:pt x="2302078" y="3322853"/>
+                </a:lnTo>
+                <a:cubicBezTo>
+                  <a:pt x="2283257" y="3337027"/>
+                  <a:pt x="2266493" y="3353715"/>
+                  <a:pt x="2252777" y="3372841"/>
+                </a:cubicBezTo>
+                <a:close/>
+                <a:moveTo>
+                  <a:pt x="2438400" y="4572000"/>
+                </a:moveTo>
+                <a:cubicBezTo>
+                  <a:pt x="2396414" y="4572000"/>
+                  <a:pt x="2362200" y="4537863"/>
+                  <a:pt x="2362200" y="4495800"/>
+                </a:cubicBezTo>
+                <a:cubicBezTo>
+                  <a:pt x="2362200" y="4453738"/>
+                  <a:pt x="2396414" y="4419600"/>
+                  <a:pt x="2438400" y="4419600"/>
+                </a:cubicBezTo>
+                <a:cubicBezTo>
+                  <a:pt x="2480386" y="4419600"/>
+                  <a:pt x="2514600" y="4453738"/>
+                  <a:pt x="2514600" y="4495800"/>
+                </a:cubicBezTo>
+                <a:cubicBezTo>
+                  <a:pt x="2514600" y="4537863"/>
+                  <a:pt x="2480386" y="4572000"/>
+                  <a:pt x="2438400" y="4572000"/>
+                </a:cubicBezTo>
+                <a:close/>
+                <a:moveTo>
+                  <a:pt x="2438400" y="3581400"/>
+                </a:moveTo>
+                <a:cubicBezTo>
+                  <a:pt x="2396414" y="3581400"/>
+                  <a:pt x="2362200" y="3547262"/>
+                  <a:pt x="2362200" y="3505200"/>
+                </a:cubicBezTo>
+                <a:cubicBezTo>
+                  <a:pt x="2362200" y="3463138"/>
+                  <a:pt x="2396414" y="3429000"/>
+                  <a:pt x="2438400" y="3429000"/>
+                </a:cubicBezTo>
+                <a:cubicBezTo>
+                  <a:pt x="2480386" y="3429000"/>
+                  <a:pt x="2514600" y="3463138"/>
+                  <a:pt x="2514600" y="3505200"/>
+                </a:cubicBezTo>
+                <a:cubicBezTo>
+                  <a:pt x="2514600" y="3547262"/>
+                  <a:pt x="2480386" y="3581400"/>
+                  <a:pt x="2438400" y="3581400"/>
+                </a:cubicBezTo>
+                <a:close/>
+                <a:moveTo>
+                  <a:pt x="2440991" y="3256483"/>
+                </a:moveTo>
+                <a:lnTo>
+                  <a:pt x="2344141" y="2944520"/>
+                </a:lnTo>
+                <a:lnTo>
+                  <a:pt x="2524887" y="3004795"/>
+                </a:lnTo>
+                <a:lnTo>
+                  <a:pt x="2440991" y="3256483"/>
+                </a:lnTo>
+                <a:close/>
+                <a:moveTo>
+                  <a:pt x="2573122" y="2860167"/>
+                </a:moveTo>
+                <a:lnTo>
+                  <a:pt x="2288591" y="2765298"/>
+                </a:lnTo>
+                <a:lnTo>
+                  <a:pt x="2054809" y="2011985"/>
+                </a:lnTo>
+                <a:lnTo>
+                  <a:pt x="2256739" y="1907286"/>
+                </a:lnTo>
+                <a:lnTo>
+                  <a:pt x="2613736" y="2264283"/>
+                </a:lnTo>
+                <a:cubicBezTo>
+                  <a:pt x="2599411" y="2294077"/>
+                  <a:pt x="2590800" y="2326996"/>
+                  <a:pt x="2590800" y="2362200"/>
+                </a:cubicBezTo>
+                <a:cubicBezTo>
+                  <a:pt x="2590800" y="2435200"/>
+                  <a:pt x="2625852" y="2499665"/>
+                  <a:pt x="2679344" y="2541499"/>
+                </a:cubicBezTo>
+                <a:lnTo>
+                  <a:pt x="2573122" y="2860167"/>
+                </a:lnTo>
+                <a:close/>
+                <a:moveTo>
+                  <a:pt x="3581400" y="4572000"/>
+                </a:moveTo>
+                <a:cubicBezTo>
+                  <a:pt x="3539414" y="4572000"/>
+                  <a:pt x="3505200" y="4537863"/>
+                  <a:pt x="3505200" y="4495800"/>
+                </a:cubicBezTo>
+                <a:cubicBezTo>
+                  <a:pt x="3505200" y="4453738"/>
+                  <a:pt x="3539414" y="4419600"/>
+                  <a:pt x="3581400" y="4419600"/>
+                </a:cubicBezTo>
+                <a:cubicBezTo>
+                  <a:pt x="3623386" y="4419600"/>
+                  <a:pt x="3657600" y="4453738"/>
+                  <a:pt x="3657600" y="4495800"/>
+                </a:cubicBezTo>
+                <a:cubicBezTo>
+                  <a:pt x="3657600" y="4537863"/>
+                  <a:pt x="3623386" y="4572000"/>
+                  <a:pt x="3581400" y="4572000"/>
+                </a:cubicBezTo>
+                <a:close/>
+                <a:moveTo>
+                  <a:pt x="3581400" y="3352800"/>
+                </a:moveTo>
+                <a:cubicBezTo>
+                  <a:pt x="3539414" y="3352800"/>
+                  <a:pt x="3505200" y="3318662"/>
+                  <a:pt x="3505200" y="3276600"/>
+                </a:cubicBezTo>
+                <a:cubicBezTo>
+                  <a:pt x="3505200" y="3234538"/>
+                  <a:pt x="3539414" y="3200400"/>
+                  <a:pt x="3581400" y="3200400"/>
+                </a:cubicBezTo>
+                <a:cubicBezTo>
+                  <a:pt x="3623386" y="3200400"/>
+                  <a:pt x="3657600" y="3234538"/>
+                  <a:pt x="3657600" y="3276600"/>
+                </a:cubicBezTo>
+                <a:cubicBezTo>
+                  <a:pt x="3657600" y="3318662"/>
+                  <a:pt x="3623386" y="3352800"/>
+                  <a:pt x="3581400" y="3352800"/>
+                </a:cubicBezTo>
+                <a:close/>
+                <a:moveTo>
+                  <a:pt x="3697376" y="3080614"/>
+                </a:moveTo>
+                <a:cubicBezTo>
+                  <a:pt x="3663239" y="3060421"/>
+                  <a:pt x="3623920" y="3048000"/>
+                  <a:pt x="3581400" y="3048000"/>
+                </a:cubicBezTo>
+                <a:cubicBezTo>
+                  <a:pt x="3508400" y="3048000"/>
+                  <a:pt x="3443935" y="3083052"/>
+                  <a:pt x="3402101" y="3136544"/>
+                </a:cubicBezTo>
+                <a:lnTo>
+                  <a:pt x="2717673" y="2908402"/>
+                </a:lnTo>
+                <a:lnTo>
+                  <a:pt x="2823667" y="2590343"/>
+                </a:lnTo>
+                <a:cubicBezTo>
+                  <a:pt x="2913736" y="2588667"/>
+                  <a:pt x="2990774" y="2534717"/>
+                  <a:pt x="3026435" y="2457526"/>
+                </a:cubicBezTo>
+                <a:lnTo>
+                  <a:pt x="4275049" y="2570988"/>
+                </a:lnTo>
+                <a:cubicBezTo>
+                  <a:pt x="4277030" y="2578608"/>
+                  <a:pt x="4279316" y="2586076"/>
+                  <a:pt x="4282059" y="2593391"/>
+                </a:cubicBezTo>
+                <a:lnTo>
+                  <a:pt x="3697376" y="3080614"/>
+                </a:lnTo>
+                <a:close/>
+                <a:moveTo>
+                  <a:pt x="3857016" y="1882978"/>
+                </a:moveTo>
+                <a:lnTo>
+                  <a:pt x="4344010" y="1617345"/>
+                </a:lnTo>
+                <a:cubicBezTo>
+                  <a:pt x="4365879" y="1637005"/>
+                  <a:pt x="4391406" y="1652245"/>
+                  <a:pt x="4419676" y="1662303"/>
+                </a:cubicBezTo>
+                <a:lnTo>
+                  <a:pt x="4419676" y="2300021"/>
+                </a:lnTo>
+                <a:cubicBezTo>
+                  <a:pt x="4405656" y="2305050"/>
+                  <a:pt x="4392397" y="2311222"/>
+                  <a:pt x="4379824" y="2318690"/>
+                </a:cubicBezTo>
+                <a:lnTo>
+                  <a:pt x="3857016" y="1882978"/>
+                </a:lnTo>
+                <a:close/>
+                <a:moveTo>
+                  <a:pt x="4495800" y="2590800"/>
+                </a:moveTo>
+                <a:cubicBezTo>
+                  <a:pt x="4453814" y="2590800"/>
+                  <a:pt x="4419600" y="2556662"/>
+                  <a:pt x="4419600" y="2514600"/>
+                </a:cubicBezTo>
+                <a:cubicBezTo>
+                  <a:pt x="4419600" y="2472538"/>
+                  <a:pt x="4453814" y="2438400"/>
+                  <a:pt x="4495800" y="2438400"/>
+                </a:cubicBezTo>
+                <a:cubicBezTo>
+                  <a:pt x="4537786" y="2438400"/>
+                  <a:pt x="4572000" y="2472538"/>
+                  <a:pt x="4572000" y="2514600"/>
+                </a:cubicBezTo>
+                <a:cubicBezTo>
+                  <a:pt x="4572000" y="2556662"/>
+                  <a:pt x="4537786" y="2590800"/>
+                  <a:pt x="4495800" y="2590800"/>
+                </a:cubicBezTo>
+                <a:close/>
+                <a:moveTo>
+                  <a:pt x="4495800" y="1524000"/>
+                </a:moveTo>
+                <a:cubicBezTo>
+                  <a:pt x="4453814" y="1524000"/>
+                  <a:pt x="4419600" y="1489862"/>
+                  <a:pt x="4419600" y="1447800"/>
+                </a:cubicBezTo>
+                <a:cubicBezTo>
+                  <a:pt x="4419600" y="1405738"/>
+                  <a:pt x="4453814" y="1371600"/>
+                  <a:pt x="4495800" y="1371600"/>
+                </a:cubicBezTo>
+                <a:cubicBezTo>
+                  <a:pt x="4537786" y="1371600"/>
+                  <a:pt x="4572000" y="1405738"/>
+                  <a:pt x="4572000" y="1447800"/>
+                </a:cubicBezTo>
+                <a:cubicBezTo>
+                  <a:pt x="4572000" y="1489862"/>
+                  <a:pt x="4537786" y="1524000"/>
+                  <a:pt x="4495800" y="1524000"/>
+                </a:cubicBezTo>
+                <a:close/>
+              </a:path>
+            </a:pathLst>
+          </a:custGeom>
+          <a:solidFill>
+            <a:srgbClr val="0186AA"/>
+          </a:solidFill>
+          <a:ln>
+            <a:noFill/>
+          </a:ln>
+        </p:spPr>
+        <p:txBody>
+          <a:bodyPr spcFirstLastPara="1" wrap="square" lIns="91425" tIns="45700" rIns="91425" bIns="45700" anchor="ctr" anchorCtr="0">
+            <a:noAutofit/>
+          </a:bodyPr>
+          <a:lstStyle/>
+          <a:p>
+            <a:pPr marL="0" marR="0" lvl="0" indent="0" algn="l" defTabSz="914400" rtl="0" eaLnBrk="1" fontAlgn="auto" latinLnBrk="0" hangingPunct="1">
+              <a:lnSpc>
+                <a:spcPct val="100000"/>
+              </a:lnSpc>
+              <a:spcBef>
+                <a:spcPts val="0"/>
+              </a:spcBef>
+              <a:spcAft>
+                <a:spcPts val="0"/>
+              </a:spcAft>
+              <a:buClr>
+                <a:srgbClr val="05214A"/>
+              </a:buClr>
+              <a:buSzPts val="1800"/>
+              <a:buFont typeface="Open Sans"/>
+              <a:buNone/>
+              <a:tabLst/>
+              <a:defRPr/>
+            </a:pPr>
+            <a:endParaRPr kumimoji="0" sz="1800" b="0" i="0" u="none" strike="noStrike" kern="0" cap="none" spc="0" normalizeH="0" baseline="0" noProof="0">
+              <a:ln>
+                <a:noFill/>
+              </a:ln>
+              <a:solidFill>
+                <a:srgbClr val="A9A9A9"/>
+              </a:solidFill>
+              <a:effectLst/>
+              <a:uLnTx/>
+              <a:uFillTx/>
+              <a:latin typeface="Open Sans"/>
+              <a:ea typeface="Open Sans"/>
+              <a:cs typeface="Open Sans"/>
+              <a:sym typeface="Open Sans"/>
+            </a:endParaRPr>
+          </a:p>
+        </p:txBody>
+      </p:sp>
+      <p:pic>
+        <p:nvPicPr>
+          <p:cNvPr id="77" name="Google Shape;77;g1f083006354_0_62"/>
+          <p:cNvPicPr preferRelativeResize="0"/>
+          <p:nvPr/>
+        </p:nvPicPr>
+        <p:blipFill rotWithShape="1">
+          <a:blip r:embed="rId14">
+            <a:alphaModFix/>
+          </a:blip>
+          <a:srcRect/>
+          <a:stretch/>
+        </p:blipFill>
+        <p:spPr>
+          <a:xfrm>
+            <a:off x="937218" y="5040307"/>
+            <a:ext cx="384881" cy="384881"/>
+          </a:xfrm>
+          <a:prstGeom prst="rect">
+            <a:avLst/>
+          </a:prstGeom>
+          <a:noFill/>
+          <a:ln>
+            <a:noFill/>
+          </a:ln>
+        </p:spPr>
+      </p:pic>
+      <p:sp>
+        <p:nvSpPr>
+          <p:cNvPr id="78" name="Google Shape;78;g1f083006354_0_62"/>
+          <p:cNvSpPr txBox="1">
+            <a:spLocks noGrp="1"/>
+          </p:cNvSpPr>
+          <p:nvPr>
+            <p:ph type="sldNum" idx="12"/>
+          </p:nvPr>
+        </p:nvSpPr>
+        <p:spPr>
+          <a:xfrm>
+            <a:off x="11518041" y="6504057"/>
+            <a:ext cx="662700" cy="354000"/>
+          </a:xfrm>
+          <a:prstGeom prst="rect">
+            <a:avLst/>
+          </a:prstGeom>
+          <a:noFill/>
+          <a:ln>
+            <a:noFill/>
+          </a:ln>
+        </p:spPr>
+        <p:txBody>
+          <a:bodyPr spcFirstLastPara="1" wrap="square" lIns="91425" tIns="45700" rIns="91425" bIns="45700" anchor="t" anchorCtr="0">
+            <a:noAutofit/>
+          </a:bodyPr>
+          <a:lstStyle/>
+          <a:p>
+            <a:pPr marL="0" marR="0" lvl="0" indent="0" algn="r" defTabSz="914400" rtl="0" eaLnBrk="1" fontAlgn="auto" latinLnBrk="0" hangingPunct="1">
+              <a:lnSpc>
+                <a:spcPct val="100000"/>
+              </a:lnSpc>
+              <a:spcBef>
+                <a:spcPts val="0"/>
+              </a:spcBef>
+              <a:spcAft>
+                <a:spcPts val="0"/>
+              </a:spcAft>
+              <a:buClr>
+                <a:srgbClr val="FFFFFF"/>
+              </a:buClr>
+              <a:buSzPts val="1200"/>
+              <a:buFont typeface="Open Sans"/>
+              <a:buNone/>
+              <a:tabLst/>
+              <a:defRPr/>
+            </a:pPr>
+            <a:fld id="{00000000-1234-1234-1234-123412341234}" type="slidenum">
+              <a:rPr kumimoji="0" lang="fr-FR" sz="1200" b="0" i="0" u="none" strike="noStrike" kern="0" cap="none" spc="0" normalizeH="0" baseline="0" noProof="0">
+                <a:ln>
+                  <a:noFill/>
+                </a:ln>
+                <a:solidFill>
+                  <a:srgbClr val="FFFFFF"/>
+                </a:solidFill>
+                <a:effectLst/>
+                <a:uLnTx/>
+                <a:uFillTx/>
+                <a:latin typeface="Open Sans"/>
+                <a:ea typeface="Open Sans"/>
+                <a:cs typeface="Open Sans"/>
+                <a:sym typeface="Open Sans"/>
+              </a:rPr>
+              <a:pPr marL="0" marR="0" lvl="0" indent="0" algn="r" defTabSz="914400" rtl="0" eaLnBrk="1" fontAlgn="auto" latinLnBrk="0" hangingPunct="1">
+                <a:lnSpc>
+                  <a:spcPct val="100000"/>
+                </a:lnSpc>
+                <a:spcBef>
+                  <a:spcPts val="0"/>
+                </a:spcBef>
+                <a:spcAft>
+                  <a:spcPts val="0"/>
+                </a:spcAft>
+                <a:buClr>
+                  <a:srgbClr val="FFFFFF"/>
+                </a:buClr>
+                <a:buSzPts val="1200"/>
+                <a:buFont typeface="Open Sans"/>
+                <a:buNone/>
+                <a:tabLst/>
+                <a:defRPr/>
+              </a:pPr>
+              <a:t>3</a:t>
+            </a:fld>
+            <a:endParaRPr kumimoji="0" sz="1200" b="0" i="0" u="none" strike="noStrike" kern="0" cap="none" spc="0" normalizeH="0" baseline="0" noProof="0">
+              <a:ln>
+                <a:noFill/>
+              </a:ln>
+              <a:solidFill>
+                <a:srgbClr val="FFFFFF"/>
+              </a:solidFill>
+              <a:effectLst/>
+              <a:uLnTx/>
+              <a:uFillTx/>
+              <a:latin typeface="Open Sans"/>
+              <a:ea typeface="Open Sans"/>
+              <a:cs typeface="Open Sans"/>
+              <a:sym typeface="Open Sans"/>
+            </a:endParaRPr>
+          </a:p>
+        </p:txBody>
+      </p:sp>
+      <p:pic>
+        <p:nvPicPr>
+          <p:cNvPr id="79" name="Google Shape;79;g1f083006354_0_62" descr="Illustrateur contour"/>
+          <p:cNvPicPr preferRelativeResize="0"/>
+          <p:nvPr/>
+        </p:nvPicPr>
+        <p:blipFill rotWithShape="1">
+          <a:blip r:embed="rId15">
+            <a:alphaModFix/>
+          </a:blip>
+          <a:srcRect/>
+          <a:stretch/>
+        </p:blipFill>
+        <p:spPr>
+          <a:xfrm>
+            <a:off x="832757" y="4061648"/>
+            <a:ext cx="565544" cy="565544"/>
+          </a:xfrm>
+          <a:prstGeom prst="rect">
+            <a:avLst/>
+          </a:prstGeom>
+          <a:noFill/>
+          <a:ln>
+            <a:noFill/>
+          </a:ln>
+        </p:spPr>
+      </p:pic>
+      <p:pic>
+        <p:nvPicPr>
+          <p:cNvPr id="80" name="Google Shape;80;g1f083006354_0_62" descr="University of Pennsylvania Health System | Penn Medicine"/>
+          <p:cNvPicPr preferRelativeResize="0"/>
+          <p:nvPr/>
+        </p:nvPicPr>
+        <p:blipFill rotWithShape="1">
+          <a:blip r:embed="rId16">
+            <a:alphaModFix/>
+          </a:blip>
+          <a:srcRect/>
+          <a:stretch/>
+        </p:blipFill>
+        <p:spPr>
+          <a:xfrm>
+            <a:off x="3061271" y="6325719"/>
+            <a:ext cx="1192724" cy="286232"/>
+          </a:xfrm>
+          <a:prstGeom prst="rect">
+            <a:avLst/>
+          </a:prstGeom>
+          <a:noFill/>
+          <a:ln>
+            <a:noFill/>
+          </a:ln>
+        </p:spPr>
+      </p:pic>
+    </p:spTree>
+  </p:cSld>
+  <p:clrMapOvr>
+    <a:masterClrMapping/>
+  </p:clrMapOvr>
+</p:sld>
+</file>
+
+<file path=ppt/slides/slide4.xml><?xml version="1.0" encoding="utf-8"?>
+<p:sld xmlns:a="http://schemas.openxmlformats.org/drawingml/2006/main" xmlns:r="http://schemas.openxmlformats.org/officeDocument/2006/relationships" xmlns:p="http://schemas.openxmlformats.org/presentationml/2006/main">
+  <p:cSld>
+    <p:spTree>
+      <p:nvGrpSpPr>
+        <p:cNvPr id="1" name="Shape 195"/>
+        <p:cNvGrpSpPr/>
+        <p:nvPr/>
+      </p:nvGrpSpPr>
+      <p:grpSpPr>
+        <a:xfrm>
+          <a:off x="0" y="0"/>
+          <a:ext cx="0" cy="0"/>
+          <a:chOff x="0" y="0"/>
+          <a:chExt cx="0" cy="0"/>
+        </a:xfrm>
+      </p:grpSpPr>
+      <p:sp>
+        <p:nvSpPr>
+          <p:cNvPr id="196" name="Google Shape;196;p3"/>
+          <p:cNvSpPr txBox="1"/>
+          <p:nvPr/>
+        </p:nvSpPr>
+        <p:spPr>
+          <a:xfrm>
+            <a:off x="1730190" y="1688257"/>
+            <a:ext cx="9300300" cy="4771500"/>
+          </a:xfrm>
+          <a:prstGeom prst="rect">
+            <a:avLst/>
+          </a:prstGeom>
+          <a:noFill/>
+          <a:ln>
+            <a:noFill/>
+          </a:ln>
+        </p:spPr>
+        <p:txBody>
+          <a:bodyPr spcFirstLastPara="1" wrap="square" lIns="91425" tIns="45700" rIns="91425" bIns="45700" anchor="t" anchorCtr="0">
+            <a:spAutoFit/>
+          </a:bodyPr>
+          <a:lstStyle/>
+          <a:p>
+            <a:pPr marL="0" marR="0" lvl="4" indent="0" algn="l" rtl="0">
+              <a:lnSpc>
+                <a:spcPct val="100000"/>
+              </a:lnSpc>
+              <a:spcBef>
+                <a:spcPts val="0"/>
+              </a:spcBef>
+              <a:spcAft>
+                <a:spcPts val="0"/>
+              </a:spcAft>
+              <a:buClr>
+                <a:srgbClr val="000000"/>
+              </a:buClr>
+              <a:buSzPts val="3000"/>
+              <a:buFont typeface="Arial"/>
+              <a:buNone/>
+            </a:pPr>
+            <a:r>
+              <a:rPr lang="fr-FR" sz="3000" b="0" i="0" u="none" strike="noStrike" cap="none">
+                <a:solidFill>
+                  <a:srgbClr val="FFFFFF"/>
+                </a:solidFill>
+                <a:latin typeface="Calibri"/>
+                <a:ea typeface="Calibri"/>
+                <a:cs typeface="Calibri"/>
+                <a:sym typeface="Calibri"/>
+              </a:rPr>
+              <a:t>In clinical use since 2019</a:t>
+            </a:r>
+            <a:endParaRPr sz="3000" b="0" i="0" u="none" strike="noStrike" cap="none">
+              <a:solidFill>
+                <a:srgbClr val="FFFFFF"/>
+              </a:solidFill>
+              <a:latin typeface="Calibri"/>
+              <a:ea typeface="Calibri"/>
+              <a:cs typeface="Calibri"/>
+              <a:sym typeface="Calibri"/>
+            </a:endParaRPr>
+          </a:p>
+          <a:p>
+            <a:pPr marL="2286000" marR="0" lvl="0" indent="0" algn="l" rtl="0">
+              <a:lnSpc>
+                <a:spcPct val="100000"/>
+              </a:lnSpc>
+              <a:spcBef>
+                <a:spcPts val="0"/>
+              </a:spcBef>
+              <a:spcAft>
+                <a:spcPts val="0"/>
+              </a:spcAft>
+              <a:buClr>
+                <a:schemeClr val="dk1"/>
+              </a:buClr>
+              <a:buSzPts val="3000"/>
+              <a:buFont typeface="Arial"/>
+              <a:buNone/>
+            </a:pPr>
+            <a:endParaRPr sz="3000" b="0" i="0" u="none" strike="noStrike" cap="none">
+              <a:solidFill>
+                <a:srgbClr val="FFFFFF"/>
+              </a:solidFill>
+              <a:latin typeface="Calibri"/>
+              <a:ea typeface="Calibri"/>
+              <a:cs typeface="Calibri"/>
+              <a:sym typeface="Calibri"/>
+            </a:endParaRPr>
+          </a:p>
+          <a:p>
+            <a:pPr marL="0" marR="0" lvl="4" indent="0" algn="l" rtl="0">
+              <a:lnSpc>
+                <a:spcPct val="100000"/>
+              </a:lnSpc>
+              <a:spcBef>
+                <a:spcPts val="0"/>
+              </a:spcBef>
+              <a:spcAft>
+                <a:spcPts val="0"/>
+              </a:spcAft>
+              <a:buClr>
+                <a:srgbClr val="000000"/>
+              </a:buClr>
+              <a:buSzPts val="3000"/>
+              <a:buFont typeface="Arial"/>
+              <a:buNone/>
+            </a:pPr>
+            <a:r>
+              <a:rPr lang="fr-FR" sz="3000" b="0" i="0" u="none" strike="noStrike" cap="none">
+                <a:solidFill>
+                  <a:srgbClr val="FFFFFF"/>
+                </a:solidFill>
+                <a:latin typeface="Calibri"/>
+                <a:ea typeface="Calibri"/>
+                <a:cs typeface="Calibri"/>
+                <a:sym typeface="Calibri"/>
+              </a:rPr>
+              <a:t>150 + structures (OAR and LN) on CT </a:t>
+            </a:r>
+            <a:endParaRPr sz="3000" b="0" i="0" u="none" strike="noStrike" cap="none">
+              <a:solidFill>
+                <a:srgbClr val="FFFFFF"/>
+              </a:solidFill>
+              <a:latin typeface="Calibri"/>
+              <a:ea typeface="Calibri"/>
+              <a:cs typeface="Calibri"/>
+              <a:sym typeface="Calibri"/>
+            </a:endParaRPr>
+          </a:p>
+          <a:p>
+            <a:pPr marL="914400" lvl="0" indent="-431800" algn="l" rtl="0">
+              <a:spcBef>
+                <a:spcPts val="0"/>
+              </a:spcBef>
+              <a:spcAft>
+                <a:spcPts val="0"/>
+              </a:spcAft>
+              <a:buClr>
+                <a:schemeClr val="lt2"/>
+              </a:buClr>
+              <a:buSzPts val="3200"/>
+              <a:buFont typeface="Calibri"/>
+              <a:buChar char="➔"/>
+            </a:pPr>
+            <a:r>
+              <a:rPr lang="fr-FR" sz="3000">
+                <a:solidFill>
+                  <a:schemeClr val="lt2"/>
+                </a:solidFill>
+                <a:latin typeface="Calibri"/>
+                <a:ea typeface="Calibri"/>
+                <a:cs typeface="Calibri"/>
+                <a:sym typeface="Calibri"/>
+              </a:rPr>
+              <a:t>Sub structures of the heart</a:t>
+            </a:r>
+            <a:endParaRPr sz="3000">
+              <a:solidFill>
+                <a:schemeClr val="lt2"/>
+              </a:solidFill>
+              <a:latin typeface="Calibri"/>
+              <a:ea typeface="Calibri"/>
+              <a:cs typeface="Calibri"/>
+              <a:sym typeface="Calibri"/>
+            </a:endParaRPr>
+          </a:p>
+          <a:p>
+            <a:pPr marL="914400" lvl="0" indent="-431800" algn="l" rtl="0">
+              <a:spcBef>
+                <a:spcPts val="0"/>
+              </a:spcBef>
+              <a:spcAft>
+                <a:spcPts val="0"/>
+              </a:spcAft>
+              <a:buClr>
+                <a:schemeClr val="lt2"/>
+              </a:buClr>
+              <a:buSzPts val="3200"/>
+              <a:buFont typeface="Calibri"/>
+              <a:buChar char="➔"/>
+            </a:pPr>
+            <a:r>
+              <a:rPr lang="fr-FR" sz="3000">
+                <a:solidFill>
+                  <a:schemeClr val="lt2"/>
+                </a:solidFill>
+                <a:latin typeface="Calibri"/>
+                <a:ea typeface="Calibri"/>
+                <a:cs typeface="Calibri"/>
+                <a:sym typeface="Calibri"/>
+              </a:rPr>
+              <a:t>SBRT Thorax</a:t>
+            </a:r>
+            <a:endParaRPr sz="3000">
+              <a:solidFill>
+                <a:srgbClr val="FFFFFF"/>
+              </a:solidFill>
+              <a:latin typeface="Calibri"/>
+              <a:ea typeface="Calibri"/>
+              <a:cs typeface="Calibri"/>
+              <a:sym typeface="Calibri"/>
+            </a:endParaRPr>
+          </a:p>
+          <a:p>
+            <a:pPr marL="0" marR="0" lvl="4" indent="0" algn="l" rtl="0">
+              <a:lnSpc>
+                <a:spcPct val="100000"/>
+              </a:lnSpc>
+              <a:spcBef>
+                <a:spcPts val="0"/>
+              </a:spcBef>
+              <a:spcAft>
+                <a:spcPts val="0"/>
+              </a:spcAft>
+              <a:buClr>
+                <a:srgbClr val="000000"/>
+              </a:buClr>
+              <a:buSzPts val="3000"/>
+              <a:buFont typeface="Arial"/>
+              <a:buNone/>
+            </a:pPr>
+            <a:r>
+              <a:rPr lang="fr-FR" sz="3000" b="0" i="0" u="none" strike="noStrike" cap="none">
+                <a:solidFill>
+                  <a:srgbClr val="FFFFFF"/>
+                </a:solidFill>
+                <a:latin typeface="Calibri"/>
+                <a:ea typeface="Calibri"/>
+                <a:cs typeface="Calibri"/>
+                <a:sym typeface="Calibri"/>
+              </a:rPr>
+              <a:t>70 + structures on MR</a:t>
+            </a:r>
+            <a:endParaRPr sz="3000" b="0" i="0" u="none" strike="noStrike" cap="none">
+              <a:solidFill>
+                <a:srgbClr val="FFFFFF"/>
+              </a:solidFill>
+              <a:latin typeface="Calibri"/>
+              <a:ea typeface="Calibri"/>
+              <a:cs typeface="Calibri"/>
+              <a:sym typeface="Calibri"/>
+            </a:endParaRPr>
+          </a:p>
+          <a:p>
+            <a:pPr marL="1828800" marR="0" lvl="0" indent="0" algn="l" rtl="0">
+              <a:lnSpc>
+                <a:spcPct val="100000"/>
+              </a:lnSpc>
+              <a:spcBef>
+                <a:spcPts val="0"/>
+              </a:spcBef>
+              <a:spcAft>
+                <a:spcPts val="0"/>
+              </a:spcAft>
+              <a:buClr>
+                <a:schemeClr val="dk1"/>
+              </a:buClr>
+              <a:buSzPts val="3000"/>
+              <a:buFont typeface="Arial"/>
+              <a:buNone/>
+            </a:pPr>
+            <a:endParaRPr sz="3000" b="0" i="0" u="none" strike="noStrike" cap="none">
+              <a:solidFill>
+                <a:srgbClr val="FFFFFF"/>
+              </a:solidFill>
+              <a:latin typeface="Calibri"/>
+              <a:ea typeface="Calibri"/>
+              <a:cs typeface="Calibri"/>
+              <a:sym typeface="Calibri"/>
+            </a:endParaRPr>
+          </a:p>
+          <a:p>
+            <a:pPr marL="0" marR="0" lvl="4" indent="0" algn="l" rtl="0">
+              <a:lnSpc>
+                <a:spcPct val="100000"/>
+              </a:lnSpc>
+              <a:spcBef>
+                <a:spcPts val="0"/>
+              </a:spcBef>
+              <a:spcAft>
+                <a:spcPts val="0"/>
+              </a:spcAft>
+              <a:buClr>
+                <a:srgbClr val="000000"/>
+              </a:buClr>
+              <a:buSzPts val="3000"/>
+              <a:buFont typeface="Arial"/>
+              <a:buNone/>
+            </a:pPr>
+            <a:r>
+              <a:rPr lang="fr-FR" sz="3000">
+                <a:solidFill>
+                  <a:srgbClr val="FFFFFF"/>
+                </a:solidFill>
+                <a:latin typeface="Calibri"/>
+                <a:ea typeface="Calibri"/>
+                <a:cs typeface="Calibri"/>
+                <a:sym typeface="Calibri"/>
+              </a:rPr>
+              <a:t>3-</a:t>
+            </a:r>
+            <a:r>
+              <a:rPr lang="fr-FR" sz="3000" b="0" i="0" u="none" strike="noStrike" cap="none">
+                <a:solidFill>
+                  <a:srgbClr val="FFFFFF"/>
+                </a:solidFill>
+                <a:latin typeface="Calibri"/>
+                <a:ea typeface="Calibri"/>
+                <a:cs typeface="Calibri"/>
+                <a:sym typeface="Calibri"/>
+              </a:rPr>
+              <a:t>4 minutes contouring</a:t>
+            </a:r>
+            <a:endParaRPr sz="3000" b="0" i="0" u="none" strike="noStrike" cap="none">
+              <a:solidFill>
+                <a:srgbClr val="FFFFFF"/>
+              </a:solidFill>
+              <a:latin typeface="Calibri"/>
+              <a:ea typeface="Calibri"/>
+              <a:cs typeface="Calibri"/>
+              <a:sym typeface="Calibri"/>
+            </a:endParaRPr>
+          </a:p>
+          <a:p>
+            <a:pPr marL="2286000" marR="0" lvl="0" indent="0" algn="l" rtl="0">
+              <a:lnSpc>
+                <a:spcPct val="100000"/>
+              </a:lnSpc>
+              <a:spcBef>
+                <a:spcPts val="0"/>
+              </a:spcBef>
+              <a:spcAft>
+                <a:spcPts val="0"/>
+              </a:spcAft>
+              <a:buClr>
+                <a:schemeClr val="dk1"/>
+              </a:buClr>
+              <a:buSzPts val="3000"/>
+              <a:buFont typeface="Arial"/>
+              <a:buNone/>
+            </a:pPr>
+            <a:endParaRPr sz="3000" b="0" i="0" u="none" strike="noStrike" cap="none">
+              <a:solidFill>
+                <a:srgbClr val="FFFFFF"/>
+              </a:solidFill>
+              <a:latin typeface="Calibri"/>
+              <a:ea typeface="Calibri"/>
+              <a:cs typeface="Calibri"/>
+              <a:sym typeface="Calibri"/>
+            </a:endParaRPr>
+          </a:p>
+          <a:p>
+            <a:pPr marL="0" marR="0" lvl="4" indent="0" algn="l" rtl="0">
+              <a:lnSpc>
+                <a:spcPct val="100000"/>
+              </a:lnSpc>
+              <a:spcBef>
+                <a:spcPts val="0"/>
+              </a:spcBef>
+              <a:spcAft>
+                <a:spcPts val="0"/>
+              </a:spcAft>
+              <a:buClr>
+                <a:srgbClr val="000000"/>
+              </a:buClr>
+              <a:buSzPts val="3000"/>
+              <a:buFont typeface="Arial"/>
+              <a:buNone/>
+            </a:pPr>
+            <a:r>
+              <a:rPr lang="fr-FR" sz="3000" b="0" i="0" u="none" strike="noStrike" cap="none">
+                <a:solidFill>
+                  <a:srgbClr val="FFFFFF"/>
+                </a:solidFill>
+                <a:latin typeface="Calibri"/>
+                <a:ea typeface="Calibri"/>
+                <a:cs typeface="Calibri"/>
+                <a:sym typeface="Calibri"/>
+              </a:rPr>
+              <a:t>Plug and play</a:t>
+            </a:r>
+            <a:endParaRPr sz="3000" b="0" i="0" u="none" strike="noStrike" cap="none">
+              <a:solidFill>
+                <a:srgbClr val="FFFFFF"/>
+              </a:solidFill>
+              <a:latin typeface="Calibri"/>
+              <a:ea typeface="Calibri"/>
+              <a:cs typeface="Calibri"/>
+              <a:sym typeface="Calibri"/>
+            </a:endParaRPr>
+          </a:p>
+        </p:txBody>
+      </p:sp>
+      <p:pic>
+        <p:nvPicPr>
+          <p:cNvPr id="197" name="Google Shape;197;p3"/>
+          <p:cNvPicPr preferRelativeResize="0"/>
+          <p:nvPr/>
+        </p:nvPicPr>
+        <p:blipFill rotWithShape="1">
+          <a:blip r:embed="rId3">
+            <a:alphaModFix/>
+          </a:blip>
+          <a:srcRect/>
+          <a:stretch/>
+        </p:blipFill>
+        <p:spPr>
+          <a:xfrm>
+            <a:off x="962006" y="5072262"/>
+            <a:ext cx="436128" cy="436128"/>
+          </a:xfrm>
+          <a:prstGeom prst="rect">
+            <a:avLst/>
+          </a:prstGeom>
+          <a:noFill/>
+          <a:ln>
+            <a:noFill/>
+          </a:ln>
+        </p:spPr>
+      </p:pic>
+      <p:sp>
+        <p:nvSpPr>
+          <p:cNvPr id="198" name="Google Shape;198;p3"/>
+          <p:cNvSpPr txBox="1"/>
+          <p:nvPr/>
+        </p:nvSpPr>
+        <p:spPr>
+          <a:xfrm>
+            <a:off x="0" y="151708"/>
+            <a:ext cx="12191999" cy="1261600"/>
+          </a:xfrm>
+          <a:prstGeom prst="rect">
+            <a:avLst/>
+          </a:prstGeom>
+          <a:noFill/>
+          <a:ln>
+            <a:noFill/>
+          </a:ln>
+        </p:spPr>
+        <p:txBody>
+          <a:bodyPr spcFirstLastPara="1" wrap="square" lIns="121900" tIns="121900" rIns="121900" bIns="121900" anchor="t" anchorCtr="0">
+            <a:noAutofit/>
+          </a:bodyPr>
+          <a:lstStyle/>
+          <a:p>
+            <a:pPr marL="0" marR="0" lvl="0" indent="0" algn="ctr" rtl="0">
+              <a:lnSpc>
+                <a:spcPct val="100000"/>
+              </a:lnSpc>
+              <a:spcBef>
+                <a:spcPts val="0"/>
+              </a:spcBef>
+              <a:spcAft>
+                <a:spcPts val="0"/>
+              </a:spcAft>
+              <a:buClr>
+                <a:schemeClr val="dk2"/>
+              </a:buClr>
+              <a:buSzPts val="2400"/>
+              <a:buFont typeface="Exo 2"/>
+              <a:buNone/>
+            </a:pPr>
+            <a:r>
+              <a:rPr lang="fr-FR" sz="4267" b="1" i="0" u="none" strike="noStrike" cap="none">
+                <a:solidFill>
+                  <a:schemeClr val="lt2"/>
+                </a:solidFill>
+                <a:latin typeface="Exo 2"/>
+                <a:ea typeface="Exo 2"/>
+                <a:cs typeface="Exo 2"/>
+                <a:sym typeface="Exo 2"/>
+              </a:rPr>
+              <a:t>Annotate</a:t>
+            </a:r>
+            <a:endParaRPr sz="1400" b="0" i="0" u="none" strike="noStrike" cap="none">
+              <a:solidFill>
+                <a:srgbClr val="000000"/>
+              </a:solidFill>
+              <a:latin typeface="Arial"/>
+              <a:ea typeface="Arial"/>
+              <a:cs typeface="Arial"/>
+              <a:sym typeface="Arial"/>
+            </a:endParaRPr>
+          </a:p>
+          <a:p>
+            <a:pPr marL="0" marR="0" lvl="0" indent="0" algn="ctr" rtl="0">
+              <a:lnSpc>
+                <a:spcPct val="100000"/>
+              </a:lnSpc>
+              <a:spcBef>
+                <a:spcPts val="0"/>
+              </a:spcBef>
+              <a:spcAft>
+                <a:spcPts val="0"/>
+              </a:spcAft>
+              <a:buClr>
+                <a:schemeClr val="dk2"/>
+              </a:buClr>
+              <a:buSzPts val="2400"/>
+              <a:buFont typeface="Exo 2"/>
+              <a:buNone/>
+            </a:pPr>
+            <a:r>
+              <a:rPr lang="fr-FR" sz="4000" b="1" i="0" u="none" strike="noStrike" cap="none">
+                <a:solidFill>
+                  <a:srgbClr val="EC8824"/>
+                </a:solidFill>
+                <a:latin typeface="Exo 2"/>
+                <a:ea typeface="Exo 2"/>
+                <a:cs typeface="Exo 2"/>
+                <a:sym typeface="Exo 2"/>
+              </a:rPr>
+              <a:t>AI-powered contouring tool</a:t>
+            </a:r>
+            <a:endParaRPr sz="4000" b="1" i="0" u="none" strike="noStrike" cap="none">
+              <a:solidFill>
+                <a:srgbClr val="EC8824"/>
+              </a:solidFill>
+              <a:latin typeface="Exo 2"/>
+              <a:ea typeface="Exo 2"/>
+              <a:cs typeface="Exo 2"/>
+              <a:sym typeface="Exo 2"/>
+            </a:endParaRPr>
+          </a:p>
+        </p:txBody>
+      </p:sp>
+      <p:pic>
+        <p:nvPicPr>
+          <p:cNvPr id="199" name="Google Shape;199;p3" descr="Logo, icon&#10;&#10;Description automatically generated"/>
+          <p:cNvPicPr preferRelativeResize="0"/>
+          <p:nvPr/>
+        </p:nvPicPr>
+        <p:blipFill rotWithShape="1">
+          <a:blip r:embed="rId4">
+            <a:alphaModFix/>
+          </a:blip>
+          <a:srcRect/>
+          <a:stretch/>
+        </p:blipFill>
+        <p:spPr>
+          <a:xfrm>
+            <a:off x="775596" y="1909482"/>
+            <a:ext cx="609452" cy="485385"/>
+          </a:xfrm>
+          <a:prstGeom prst="rect">
+            <a:avLst/>
+          </a:prstGeom>
+          <a:noFill/>
+          <a:ln>
+            <a:noFill/>
+          </a:ln>
+        </p:spPr>
+      </p:pic>
+      <p:pic>
+        <p:nvPicPr>
+          <p:cNvPr id="200" name="Google Shape;200;p3" descr="Heart organ with solid fill"/>
+          <p:cNvPicPr preferRelativeResize="0"/>
+          <p:nvPr/>
+        </p:nvPicPr>
+        <p:blipFill rotWithShape="1">
+          <a:blip r:embed="rId5">
+            <a:alphaModFix/>
+          </a:blip>
+          <a:srcRect/>
+          <a:stretch/>
+        </p:blipFill>
+        <p:spPr>
+          <a:xfrm>
+            <a:off x="773283" y="3426525"/>
+            <a:ext cx="614083" cy="614083"/>
+          </a:xfrm>
+          <a:prstGeom prst="rect">
+            <a:avLst/>
+          </a:prstGeom>
+          <a:noFill/>
+          <a:ln>
+            <a:noFill/>
+          </a:ln>
+        </p:spPr>
+      </p:pic>
+      <p:pic>
+        <p:nvPicPr>
+          <p:cNvPr id="201" name="Google Shape;201;p3" descr="Plugged Unplugged with solid fill"/>
+          <p:cNvPicPr preferRelativeResize="0"/>
+          <p:nvPr/>
+        </p:nvPicPr>
+        <p:blipFill rotWithShape="1">
+          <a:blip r:embed="rId6">
+            <a:alphaModFix/>
+          </a:blip>
+          <a:srcRect/>
+          <a:stretch/>
+        </p:blipFill>
+        <p:spPr>
+          <a:xfrm>
+            <a:off x="890960" y="5881538"/>
+            <a:ext cx="578224" cy="578224"/>
+          </a:xfrm>
+          <a:prstGeom prst="rect">
+            <a:avLst/>
+          </a:prstGeom>
+          <a:noFill/>
+          <a:ln>
+            <a:noFill/>
+          </a:ln>
+        </p:spPr>
+      </p:pic>
+      <p:pic>
+        <p:nvPicPr>
+          <p:cNvPr id="202" name="Google Shape;202;p3"/>
+          <p:cNvPicPr preferRelativeResize="0"/>
+          <p:nvPr/>
+        </p:nvPicPr>
+        <p:blipFill rotWithShape="1">
+          <a:blip r:embed="rId7">
+            <a:alphaModFix/>
+          </a:blip>
+          <a:srcRect t="29380" b="29381"/>
+          <a:stretch/>
+        </p:blipFill>
+        <p:spPr>
+          <a:xfrm>
+            <a:off x="10182759" y="5979560"/>
+            <a:ext cx="1762198" cy="726732"/>
+          </a:xfrm>
+          <a:prstGeom prst="rect">
+            <a:avLst/>
+          </a:prstGeom>
+          <a:noFill/>
+          <a:ln>
+            <a:noFill/>
+          </a:ln>
+        </p:spPr>
+      </p:pic>
+      <p:pic>
+        <p:nvPicPr>
+          <p:cNvPr id="203" name="Google Shape;203;p3" descr="Our products - TheraPanacea"/>
+          <p:cNvPicPr preferRelativeResize="0"/>
+          <p:nvPr/>
+        </p:nvPicPr>
+        <p:blipFill rotWithShape="1">
+          <a:blip r:embed="rId8">
+            <a:alphaModFix/>
+          </a:blip>
+          <a:srcRect/>
+          <a:stretch/>
+        </p:blipFill>
+        <p:spPr>
+          <a:xfrm>
+            <a:off x="8898609" y="3382100"/>
+            <a:ext cx="3124790" cy="1625976"/>
+          </a:xfrm>
+          <a:prstGeom prst="rect">
+            <a:avLst/>
+          </a:prstGeom>
+          <a:noFill/>
+          <a:ln>
+            <a:noFill/>
+          </a:ln>
+        </p:spPr>
+      </p:pic>
+    </p:spTree>
+    <p:extLst>
+      <p:ext uri="{BB962C8B-B14F-4D97-AF65-F5344CB8AC3E}">
+        <p14:creationId xmlns:p14="http://schemas.microsoft.com/office/powerpoint/2010/main" val="2168618973"/>
+      </p:ext>
+    </p:extLst>
+  </p:cSld>
+  <p:clrMapOvr>
+    <a:masterClrMapping/>
+  </p:clrMapOvr>
+</p:sld>
+</file>
+
+<file path=ppt/slides/slide5.xml><?xml version="1.0" encoding="utf-8"?>
+<p:sld xmlns:a="http://schemas.openxmlformats.org/drawingml/2006/main" xmlns:r="http://schemas.openxmlformats.org/officeDocument/2006/relationships" xmlns:p="http://schemas.openxmlformats.org/presentationml/2006/main">
+  <p:cSld>
+    <p:spTree>
+      <p:nvGrpSpPr>
+        <p:cNvPr id="1" name="Shape 270"/>
+        <p:cNvGrpSpPr/>
+        <p:nvPr/>
+      </p:nvGrpSpPr>
+      <p:grpSpPr>
+        <a:xfrm>
+          <a:off x="0" y="0"/>
+          <a:ext cx="0" cy="0"/>
+          <a:chOff x="0" y="0"/>
+          <a:chExt cx="0" cy="0"/>
+        </a:xfrm>
+      </p:grpSpPr>
+      <p:sp>
+        <p:nvSpPr>
+          <p:cNvPr id="271" name="Google Shape;271;p5"/>
+          <p:cNvSpPr txBox="1">
+            <a:spLocks noGrp="1"/>
+          </p:cNvSpPr>
+          <p:nvPr>
+            <p:ph type="ctrTitle"/>
+          </p:nvPr>
+        </p:nvSpPr>
+        <p:spPr>
+          <a:xfrm>
+            <a:off x="0" y="151708"/>
+            <a:ext cx="12191999" cy="1425422"/>
+          </a:xfrm>
+          <a:prstGeom prst="rect">
+            <a:avLst/>
+          </a:prstGeom>
+          <a:noFill/>
+          <a:ln>
+            <a:noFill/>
+          </a:ln>
+        </p:spPr>
+        <p:txBody>
+          <a:bodyPr spcFirstLastPara="1" wrap="square" lIns="121900" tIns="121900" rIns="121900" bIns="121900" anchor="t" anchorCtr="0">
+            <a:noAutofit/>
+          </a:bodyPr>
+          <a:lstStyle/>
+          <a:p>
+            <a:pPr marL="0" lvl="0" indent="0" algn="ctr" rtl="0">
+              <a:lnSpc>
+                <a:spcPct val="100000"/>
+              </a:lnSpc>
+              <a:spcBef>
+                <a:spcPts val="0"/>
+              </a:spcBef>
+              <a:spcAft>
+                <a:spcPts val="0"/>
+              </a:spcAft>
+              <a:buClr>
+                <a:schemeClr val="dk2"/>
+              </a:buClr>
+              <a:buSzPts val="2400"/>
+              <a:buNone/>
+            </a:pPr>
+            <a:r>
+              <a:rPr lang="fr-FR" sz="4267">
+                <a:solidFill>
+                  <a:schemeClr val="lt2"/>
+                </a:solidFill>
+              </a:rPr>
+              <a:t>MR Box</a:t>
+            </a:r>
+            <a:br>
+              <a:rPr lang="fr-FR" sz="4267">
+                <a:solidFill>
+                  <a:schemeClr val="lt2"/>
+                </a:solidFill>
+              </a:rPr>
+            </a:br>
+            <a:r>
+              <a:rPr lang="fr-FR" sz="4400">
+                <a:solidFill>
+                  <a:srgbClr val="EC8824"/>
+                </a:solidFill>
+              </a:rPr>
+              <a:t>Synthetic CT for MR-guided workflow</a:t>
+            </a:r>
+            <a:endParaRPr sz="4267">
+              <a:solidFill>
+                <a:schemeClr val="lt2"/>
+              </a:solidFill>
+            </a:endParaRPr>
+          </a:p>
+        </p:txBody>
+      </p:sp>
+      <p:sp>
+        <p:nvSpPr>
+          <p:cNvPr id="272" name="Google Shape;272;p5"/>
+          <p:cNvSpPr txBox="1"/>
+          <p:nvPr/>
+        </p:nvSpPr>
+        <p:spPr>
+          <a:xfrm>
+            <a:off x="1810300" y="1931550"/>
+            <a:ext cx="8599200" cy="6495600"/>
+          </a:xfrm>
+          <a:prstGeom prst="rect">
+            <a:avLst/>
+          </a:prstGeom>
+          <a:noFill/>
+          <a:ln>
+            <a:noFill/>
+          </a:ln>
+        </p:spPr>
+        <p:txBody>
+          <a:bodyPr spcFirstLastPara="1" wrap="square" lIns="91425" tIns="45700" rIns="91425" bIns="45700" anchor="t" anchorCtr="0">
+            <a:spAutoFit/>
+          </a:bodyPr>
+          <a:lstStyle/>
+          <a:p>
+            <a:pPr marL="0" marR="0" lvl="4" indent="0" algn="l" rtl="0">
+              <a:lnSpc>
+                <a:spcPct val="100000"/>
+              </a:lnSpc>
+              <a:spcBef>
+                <a:spcPts val="0"/>
+              </a:spcBef>
+              <a:spcAft>
+                <a:spcPts val="0"/>
+              </a:spcAft>
+              <a:buClr>
+                <a:srgbClr val="000000"/>
+              </a:buClr>
+              <a:buSzPts val="3200"/>
+              <a:buFont typeface="Arial"/>
+              <a:buNone/>
+            </a:pPr>
+            <a:r>
+              <a:rPr lang="fr-FR" sz="3200" b="0" i="0" u="none" strike="noStrike" cap="none">
+                <a:solidFill>
+                  <a:schemeClr val="lt2"/>
+                </a:solidFill>
+                <a:latin typeface="Calibri"/>
+                <a:ea typeface="Calibri"/>
+                <a:cs typeface="Calibri"/>
+                <a:sym typeface="Calibri"/>
+              </a:rPr>
+              <a:t>Automatic delineation on MR</a:t>
+            </a:r>
+            <a:endParaRPr sz="3200" b="0" i="0" u="none" strike="noStrike" cap="none">
+              <a:solidFill>
+                <a:schemeClr val="lt2"/>
+              </a:solidFill>
+              <a:latin typeface="Calibri"/>
+              <a:ea typeface="Calibri"/>
+              <a:cs typeface="Calibri"/>
+              <a:sym typeface="Calibri"/>
+            </a:endParaRPr>
+          </a:p>
+          <a:p>
+            <a:pPr marL="2286000" marR="0" lvl="0" indent="0" algn="l" rtl="0">
+              <a:lnSpc>
+                <a:spcPct val="100000"/>
+              </a:lnSpc>
+              <a:spcBef>
+                <a:spcPts val="0"/>
+              </a:spcBef>
+              <a:spcAft>
+                <a:spcPts val="0"/>
+              </a:spcAft>
+              <a:buClr>
+                <a:schemeClr val="dk1"/>
+              </a:buClr>
+              <a:buSzPts val="3200"/>
+              <a:buFont typeface="Arial"/>
+              <a:buNone/>
+            </a:pPr>
+            <a:endParaRPr sz="3200" b="0" i="0" u="none" strike="noStrike" cap="none">
+              <a:solidFill>
+                <a:schemeClr val="lt2"/>
+              </a:solidFill>
+              <a:latin typeface="Calibri"/>
+              <a:ea typeface="Calibri"/>
+              <a:cs typeface="Calibri"/>
+              <a:sym typeface="Calibri"/>
+            </a:endParaRPr>
+          </a:p>
+          <a:p>
+            <a:pPr marL="0" marR="0" lvl="4" indent="0" algn="l" rtl="0">
+              <a:lnSpc>
+                <a:spcPct val="100000"/>
+              </a:lnSpc>
+              <a:spcBef>
+                <a:spcPts val="0"/>
+              </a:spcBef>
+              <a:spcAft>
+                <a:spcPts val="0"/>
+              </a:spcAft>
+              <a:buClr>
+                <a:srgbClr val="000000"/>
+              </a:buClr>
+              <a:buSzPts val="3200"/>
+              <a:buFont typeface="Arial"/>
+              <a:buNone/>
+            </a:pPr>
+            <a:r>
+              <a:rPr lang="fr-FR" sz="3200" b="0" i="0" u="none" strike="noStrike" cap="none">
+                <a:solidFill>
+                  <a:srgbClr val="FFFFFF"/>
+                </a:solidFill>
+                <a:latin typeface="Calibri"/>
+                <a:ea typeface="Calibri"/>
+                <a:cs typeface="Calibri"/>
+                <a:sym typeface="Calibri"/>
+              </a:rPr>
+              <a:t>Generate a pseudo-CT from MR images</a:t>
+            </a:r>
+            <a:endParaRPr sz="1400" b="0" i="0" u="none" strike="noStrike" cap="none">
+              <a:solidFill>
+                <a:srgbClr val="000000"/>
+              </a:solidFill>
+              <a:latin typeface="Arial"/>
+              <a:ea typeface="Arial"/>
+              <a:cs typeface="Arial"/>
+              <a:sym typeface="Arial"/>
+            </a:endParaRPr>
+          </a:p>
+          <a:p>
+            <a:pPr marL="914400" marR="0" lvl="5" indent="-482600" algn="l" rtl="0">
+              <a:lnSpc>
+                <a:spcPct val="100000"/>
+              </a:lnSpc>
+              <a:spcBef>
+                <a:spcPts val="0"/>
+              </a:spcBef>
+              <a:spcAft>
+                <a:spcPts val="0"/>
+              </a:spcAft>
+              <a:buClr>
+                <a:srgbClr val="FFFFFF"/>
+              </a:buClr>
+              <a:buSzPts val="3200"/>
+              <a:buFont typeface="Calibri"/>
+              <a:buChar char="⮚"/>
+            </a:pPr>
+            <a:r>
+              <a:rPr lang="fr-FR" sz="3200" b="0" i="0" u="none" strike="noStrike" cap="none">
+                <a:solidFill>
+                  <a:srgbClr val="FFFFFF"/>
+                </a:solidFill>
+                <a:latin typeface="Calibri"/>
+                <a:ea typeface="Calibri"/>
+                <a:cs typeface="Calibri"/>
+                <a:sym typeface="Calibri"/>
+              </a:rPr>
+              <a:t>Avoid registrations errors</a:t>
+            </a:r>
+            <a:endParaRPr sz="3200" b="0" i="0" u="none" strike="noStrike" cap="none">
+              <a:solidFill>
+                <a:srgbClr val="FFFFFF"/>
+              </a:solidFill>
+              <a:latin typeface="Calibri"/>
+              <a:ea typeface="Calibri"/>
+              <a:cs typeface="Calibri"/>
+              <a:sym typeface="Calibri"/>
+            </a:endParaRPr>
+          </a:p>
+          <a:p>
+            <a:pPr marL="914400" marR="0" lvl="5" indent="-482600" algn="l" rtl="0">
+              <a:lnSpc>
+                <a:spcPct val="100000"/>
+              </a:lnSpc>
+              <a:spcBef>
+                <a:spcPts val="0"/>
+              </a:spcBef>
+              <a:spcAft>
+                <a:spcPts val="0"/>
+              </a:spcAft>
+              <a:buClr>
+                <a:srgbClr val="FFFFFF"/>
+              </a:buClr>
+              <a:buSzPts val="3200"/>
+              <a:buFont typeface="Calibri"/>
+              <a:buChar char="⮚"/>
+            </a:pPr>
+            <a:r>
+              <a:rPr lang="fr-FR" sz="3200" b="0" i="0" u="none" strike="noStrike" cap="none">
+                <a:solidFill>
+                  <a:srgbClr val="FFFFFF"/>
+                </a:solidFill>
+                <a:latin typeface="Calibri"/>
+                <a:ea typeface="Calibri"/>
+                <a:cs typeface="Calibri"/>
+                <a:sym typeface="Calibri"/>
+              </a:rPr>
+              <a:t>Accelerate adaptive routines</a:t>
+            </a:r>
+            <a:endParaRPr sz="1400" b="0" i="0" u="none" strike="noStrike" cap="none">
+              <a:solidFill>
+                <a:srgbClr val="000000"/>
+              </a:solidFill>
+              <a:latin typeface="Arial"/>
+              <a:ea typeface="Arial"/>
+              <a:cs typeface="Arial"/>
+              <a:sym typeface="Arial"/>
+            </a:endParaRPr>
+          </a:p>
+          <a:p>
+            <a:pPr marL="914400" marR="0" lvl="5" indent="-482600" algn="l" rtl="0">
+              <a:lnSpc>
+                <a:spcPct val="100000"/>
+              </a:lnSpc>
+              <a:spcBef>
+                <a:spcPts val="0"/>
+              </a:spcBef>
+              <a:spcAft>
+                <a:spcPts val="0"/>
+              </a:spcAft>
+              <a:buClr>
+                <a:srgbClr val="FFFFFF"/>
+              </a:buClr>
+              <a:buSzPts val="3200"/>
+              <a:buFont typeface="Calibri"/>
+              <a:buChar char="⮚"/>
+            </a:pPr>
+            <a:r>
+              <a:rPr lang="fr-FR" sz="3200" b="0" i="0" u="none" strike="noStrike" cap="none">
+                <a:solidFill>
+                  <a:srgbClr val="FFFFFF"/>
+                </a:solidFill>
+                <a:latin typeface="Calibri"/>
+                <a:ea typeface="Calibri"/>
+                <a:cs typeface="Calibri"/>
+                <a:sym typeface="Calibri"/>
+              </a:rPr>
+              <a:t>Less machine time</a:t>
+            </a:r>
+            <a:endParaRPr sz="3200" b="0" i="0" u="none" strike="noStrike" cap="none">
+              <a:solidFill>
+                <a:srgbClr val="FFFFFF"/>
+              </a:solidFill>
+              <a:latin typeface="Calibri"/>
+              <a:ea typeface="Calibri"/>
+              <a:cs typeface="Calibri"/>
+              <a:sym typeface="Calibri"/>
+            </a:endParaRPr>
+          </a:p>
+          <a:p>
+            <a:pPr marL="0" marR="0" lvl="0" indent="0" algn="l" rtl="0">
+              <a:lnSpc>
+                <a:spcPct val="100000"/>
+              </a:lnSpc>
+              <a:spcBef>
+                <a:spcPts val="0"/>
+              </a:spcBef>
+              <a:spcAft>
+                <a:spcPts val="0"/>
+              </a:spcAft>
+              <a:buClr>
+                <a:schemeClr val="dk1"/>
+              </a:buClr>
+              <a:buSzPts val="3200"/>
+              <a:buFont typeface="Arial"/>
+              <a:buNone/>
+            </a:pPr>
+            <a:endParaRPr sz="3200" b="0" i="0" u="none" strike="noStrike" cap="none">
+              <a:solidFill>
+                <a:srgbClr val="FFFFFF"/>
+              </a:solidFill>
+              <a:latin typeface="Calibri"/>
+              <a:ea typeface="Calibri"/>
+              <a:cs typeface="Calibri"/>
+              <a:sym typeface="Calibri"/>
+            </a:endParaRPr>
+          </a:p>
+          <a:p>
+            <a:pPr marL="0" marR="0" lvl="4" indent="0" algn="l" rtl="0">
+              <a:lnSpc>
+                <a:spcPct val="100000"/>
+              </a:lnSpc>
+              <a:spcBef>
+                <a:spcPts val="0"/>
+              </a:spcBef>
+              <a:spcAft>
+                <a:spcPts val="0"/>
+              </a:spcAft>
+              <a:buClr>
+                <a:srgbClr val="000000"/>
+              </a:buClr>
+              <a:buSzPts val="3200"/>
+              <a:buFont typeface="Arial"/>
+              <a:buNone/>
+            </a:pPr>
+            <a:r>
+              <a:rPr lang="fr-FR" sz="3200" b="0" i="0" u="none" strike="noStrike" cap="none">
+                <a:solidFill>
+                  <a:srgbClr val="FFFFFF"/>
+                </a:solidFill>
+                <a:latin typeface="Calibri"/>
+                <a:ea typeface="Calibri"/>
+                <a:cs typeface="Calibri"/>
+                <a:sym typeface="Calibri"/>
+              </a:rPr>
+              <a:t>Brain T1, Pelvis T2, Pelvis</a:t>
+            </a:r>
+            <a:r>
+              <a:rPr lang="fr-FR" sz="3200">
+                <a:solidFill>
+                  <a:srgbClr val="FFFFFF"/>
+                </a:solidFill>
+                <a:latin typeface="Calibri"/>
+                <a:ea typeface="Calibri"/>
+                <a:cs typeface="Calibri"/>
+                <a:sym typeface="Calibri"/>
+              </a:rPr>
+              <a:t>/</a:t>
+            </a:r>
+            <a:r>
+              <a:rPr lang="fr-FR" sz="3200" b="0" i="0" u="none" strike="noStrike" cap="none">
+                <a:solidFill>
+                  <a:srgbClr val="FFFFFF"/>
+                </a:solidFill>
+                <a:latin typeface="Calibri"/>
+                <a:ea typeface="Calibri"/>
+                <a:cs typeface="Calibri"/>
+                <a:sym typeface="Calibri"/>
+              </a:rPr>
+              <a:t>Abdo Truefisp (ViewRay)</a:t>
+            </a:r>
+            <a:endParaRPr sz="3200" b="0" i="0" u="none" strike="noStrike" cap="none">
+              <a:solidFill>
+                <a:srgbClr val="FFFFFF"/>
+              </a:solidFill>
+              <a:latin typeface="Calibri"/>
+              <a:ea typeface="Calibri"/>
+              <a:cs typeface="Calibri"/>
+              <a:sym typeface="Calibri"/>
+            </a:endParaRPr>
+          </a:p>
+          <a:p>
+            <a:pPr marL="0" marR="0" lvl="0" indent="0" algn="l" rtl="0">
+              <a:lnSpc>
+                <a:spcPct val="100000"/>
+              </a:lnSpc>
+              <a:spcBef>
+                <a:spcPts val="0"/>
+              </a:spcBef>
+              <a:spcAft>
+                <a:spcPts val="0"/>
+              </a:spcAft>
+              <a:buClr>
+                <a:srgbClr val="FFFFFF"/>
+              </a:buClr>
+              <a:buSzPts val="3200"/>
+              <a:buFont typeface="Calibri"/>
+              <a:buNone/>
+            </a:pPr>
+            <a:r>
+              <a:rPr lang="fr-FR" sz="3200" b="0" i="0" u="none" strike="noStrike" cap="none">
+                <a:solidFill>
+                  <a:srgbClr val="FFFFFF"/>
+                </a:solidFill>
+                <a:latin typeface="Calibri"/>
+                <a:ea typeface="Calibri"/>
+                <a:cs typeface="Calibri"/>
+                <a:sym typeface="Calibri"/>
+              </a:rPr>
+              <a:t>And more </a:t>
+            </a:r>
+            <a:r>
+              <a:rPr lang="fr-FR" sz="3200">
+                <a:solidFill>
+                  <a:srgbClr val="FFFFFF"/>
+                </a:solidFill>
+                <a:latin typeface="Calibri"/>
+                <a:ea typeface="Calibri"/>
+                <a:cs typeface="Calibri"/>
+                <a:sym typeface="Calibri"/>
+              </a:rPr>
+              <a:t>under development</a:t>
+            </a:r>
+            <a:endParaRPr sz="3200" b="0" i="0" u="none" strike="noStrike" cap="none">
+              <a:solidFill>
+                <a:srgbClr val="FFFFFF"/>
+              </a:solidFill>
+              <a:latin typeface="Calibri"/>
+              <a:ea typeface="Calibri"/>
+              <a:cs typeface="Calibri"/>
+              <a:sym typeface="Calibri"/>
+            </a:endParaRPr>
+          </a:p>
+          <a:p>
+            <a:pPr marL="0" marR="0" lvl="0" indent="0" algn="l" rtl="0">
+              <a:lnSpc>
+                <a:spcPct val="100000"/>
+              </a:lnSpc>
+              <a:spcBef>
+                <a:spcPts val="0"/>
+              </a:spcBef>
+              <a:spcAft>
+                <a:spcPts val="0"/>
+              </a:spcAft>
+              <a:buClr>
+                <a:schemeClr val="dk1"/>
+              </a:buClr>
+              <a:buSzPts val="3200"/>
+              <a:buFont typeface="Arial"/>
+              <a:buNone/>
+            </a:pPr>
+            <a:endParaRPr sz="3200" b="0" i="0" u="none" strike="noStrike" cap="none">
+              <a:solidFill>
+                <a:srgbClr val="FFFFFF"/>
+              </a:solidFill>
+              <a:latin typeface="Calibri"/>
+              <a:ea typeface="Calibri"/>
+              <a:cs typeface="Calibri"/>
+              <a:sym typeface="Calibri"/>
+            </a:endParaRPr>
+          </a:p>
+          <a:p>
+            <a:pPr marL="0" marR="0" lvl="0" indent="0" algn="l" rtl="0">
+              <a:lnSpc>
+                <a:spcPct val="100000"/>
+              </a:lnSpc>
+              <a:spcBef>
+                <a:spcPts val="0"/>
+              </a:spcBef>
+              <a:spcAft>
+                <a:spcPts val="0"/>
+              </a:spcAft>
+              <a:buClr>
+                <a:schemeClr val="dk1"/>
+              </a:buClr>
+              <a:buSzPts val="3200"/>
+              <a:buFont typeface="Arial"/>
+              <a:buNone/>
+            </a:pPr>
+            <a:endParaRPr sz="3200" b="0" i="0" u="none" strike="noStrike" cap="none">
+              <a:solidFill>
+                <a:srgbClr val="FFFFFF"/>
+              </a:solidFill>
+              <a:latin typeface="Calibri"/>
+              <a:ea typeface="Calibri"/>
+              <a:cs typeface="Calibri"/>
+              <a:sym typeface="Calibri"/>
+            </a:endParaRPr>
+          </a:p>
+          <a:p>
+            <a:pPr marL="2286000" marR="0" lvl="0" indent="0" algn="l" rtl="0">
+              <a:lnSpc>
+                <a:spcPct val="100000"/>
+              </a:lnSpc>
+              <a:spcBef>
+                <a:spcPts val="0"/>
+              </a:spcBef>
+              <a:spcAft>
+                <a:spcPts val="0"/>
+              </a:spcAft>
+              <a:buClr>
+                <a:schemeClr val="dk1"/>
+              </a:buClr>
+              <a:buSzPts val="3200"/>
+              <a:buFont typeface="Arial"/>
+              <a:buNone/>
+            </a:pPr>
+            <a:endParaRPr sz="3200" b="0" i="0" u="none" strike="noStrike" cap="none">
+              <a:solidFill>
+                <a:srgbClr val="FFFFFF"/>
+              </a:solidFill>
+              <a:latin typeface="Calibri"/>
+              <a:ea typeface="Calibri"/>
+              <a:cs typeface="Calibri"/>
+              <a:sym typeface="Calibri"/>
+            </a:endParaRPr>
+          </a:p>
+          <a:p>
+            <a:pPr marL="2286000" marR="0" lvl="0" indent="0" algn="l" rtl="0">
+              <a:lnSpc>
+                <a:spcPct val="100000"/>
+              </a:lnSpc>
+              <a:spcBef>
+                <a:spcPts val="0"/>
+              </a:spcBef>
+              <a:spcAft>
+                <a:spcPts val="0"/>
+              </a:spcAft>
+              <a:buClr>
+                <a:schemeClr val="dk1"/>
+              </a:buClr>
+              <a:buSzPts val="3200"/>
+              <a:buFont typeface="Arial"/>
+              <a:buNone/>
+            </a:pPr>
+            <a:endParaRPr sz="3200" b="0" i="0" u="none" strike="noStrike" cap="none">
+              <a:solidFill>
+                <a:srgbClr val="FFFFFF"/>
+              </a:solidFill>
+              <a:latin typeface="Calibri"/>
+              <a:ea typeface="Calibri"/>
+              <a:cs typeface="Calibri"/>
+              <a:sym typeface="Calibri"/>
+            </a:endParaRPr>
+          </a:p>
+        </p:txBody>
+      </p:sp>
+      <p:pic>
+        <p:nvPicPr>
+          <p:cNvPr id="273" name="Google Shape;273;p5" descr="Left Brain with solid fill"/>
+          <p:cNvPicPr preferRelativeResize="0"/>
+          <p:nvPr/>
+        </p:nvPicPr>
+        <p:blipFill rotWithShape="1">
+          <a:blip r:embed="rId3">
+            <a:alphaModFix/>
+          </a:blip>
+          <a:srcRect/>
+          <a:stretch/>
+        </p:blipFill>
+        <p:spPr>
+          <a:xfrm>
+            <a:off x="914400" y="3650751"/>
+            <a:ext cx="821076" cy="821076"/>
+          </a:xfrm>
+          <a:prstGeom prst="rect">
+            <a:avLst/>
+          </a:prstGeom>
+          <a:noFill/>
+          <a:ln>
+            <a:noFill/>
+          </a:ln>
+        </p:spPr>
+      </p:pic>
+      <p:pic>
+        <p:nvPicPr>
+          <p:cNvPr id="274" name="Google Shape;274;p5" descr="Pencil with solid fill"/>
+          <p:cNvPicPr preferRelativeResize="0"/>
+          <p:nvPr/>
+        </p:nvPicPr>
+        <p:blipFill rotWithShape="1">
+          <a:blip r:embed="rId4">
+            <a:alphaModFix/>
+          </a:blip>
+          <a:srcRect/>
+          <a:stretch/>
+        </p:blipFill>
+        <p:spPr>
+          <a:xfrm>
+            <a:off x="1088204" y="2188395"/>
+            <a:ext cx="647271" cy="647271"/>
+          </a:xfrm>
+          <a:prstGeom prst="rect">
+            <a:avLst/>
+          </a:prstGeom>
+          <a:noFill/>
+          <a:ln>
+            <a:noFill/>
+          </a:ln>
+        </p:spPr>
+      </p:pic>
+      <p:pic>
+        <p:nvPicPr>
+          <p:cNvPr id="275" name="Google Shape;275;p5" descr="Clipboard Checked with solid fill"/>
+          <p:cNvPicPr preferRelativeResize="0"/>
+          <p:nvPr/>
+        </p:nvPicPr>
+        <p:blipFill rotWithShape="1">
+          <a:blip r:embed="rId5">
+            <a:alphaModFix/>
+          </a:blip>
+          <a:srcRect/>
+          <a:stretch/>
+        </p:blipFill>
+        <p:spPr>
+          <a:xfrm>
+            <a:off x="990599" y="5363109"/>
+            <a:ext cx="744877" cy="744877"/>
+          </a:xfrm>
+          <a:prstGeom prst="rect">
+            <a:avLst/>
+          </a:prstGeom>
+          <a:noFill/>
+          <a:ln>
+            <a:noFill/>
+          </a:ln>
+        </p:spPr>
+      </p:pic>
+      <p:pic>
+        <p:nvPicPr>
+          <p:cNvPr id="276" name="Google Shape;276;p5"/>
+          <p:cNvPicPr preferRelativeResize="0"/>
+          <p:nvPr/>
+        </p:nvPicPr>
+        <p:blipFill rotWithShape="1">
+          <a:blip r:embed="rId6">
+            <a:alphaModFix/>
+          </a:blip>
+          <a:srcRect/>
+          <a:stretch/>
+        </p:blipFill>
+        <p:spPr>
+          <a:xfrm>
+            <a:off x="7304443" y="2407225"/>
+            <a:ext cx="5818806" cy="3184576"/>
+          </a:xfrm>
+          <a:prstGeom prst="rect">
+            <a:avLst/>
+          </a:prstGeom>
+          <a:noFill/>
+          <a:ln>
+            <a:noFill/>
+          </a:ln>
+        </p:spPr>
+      </p:pic>
+      <p:pic>
+        <p:nvPicPr>
+          <p:cNvPr id="277" name="Google Shape;277;p5"/>
+          <p:cNvPicPr preferRelativeResize="0"/>
+          <p:nvPr/>
+        </p:nvPicPr>
+        <p:blipFill rotWithShape="1">
+          <a:blip r:embed="rId7">
+            <a:alphaModFix/>
+          </a:blip>
+          <a:srcRect t="29380" b="29381"/>
+          <a:stretch/>
+        </p:blipFill>
+        <p:spPr>
+          <a:xfrm>
+            <a:off x="10182759" y="5979560"/>
+            <a:ext cx="1762198" cy="726732"/>
+          </a:xfrm>
+          <a:prstGeom prst="rect">
+            <a:avLst/>
+          </a:prstGeom>
+          <a:noFill/>
+          <a:ln>
+            <a:noFill/>
+          </a:ln>
+        </p:spPr>
+      </p:pic>
+    </p:spTree>
+  </p:cSld>
+  <p:clrMapOvr>
+    <a:masterClrMapping/>
+  </p:clrMapOvr>
+</p:sld>
+</file>
+
+<file path=ppt/slides/slide6.xml><?xml version="1.0" encoding="utf-8"?>
+<p:sld xmlns:a="http://schemas.openxmlformats.org/drawingml/2006/main" xmlns:r="http://schemas.openxmlformats.org/officeDocument/2006/relationships" xmlns:p="http://schemas.openxmlformats.org/presentationml/2006/main">
+  <p:cSld>
+    <p:spTree>
+      <p:nvGrpSpPr>
+        <p:cNvPr id="1" name="Shape 379"/>
+        <p:cNvGrpSpPr/>
+        <p:nvPr/>
+      </p:nvGrpSpPr>
+      <p:grpSpPr>
+        <a:xfrm>
+          <a:off x="0" y="0"/>
+          <a:ext cx="0" cy="0"/>
+          <a:chOff x="0" y="0"/>
+          <a:chExt cx="0" cy="0"/>
+        </a:xfrm>
+      </p:grpSpPr>
+      <p:pic>
+        <p:nvPicPr>
+          <p:cNvPr id="380" name="Google Shape;380;p13"/>
+          <p:cNvPicPr preferRelativeResize="0"/>
+          <p:nvPr/>
+        </p:nvPicPr>
+        <p:blipFill rotWithShape="1">
+          <a:blip r:embed="rId3">
+            <a:alphaModFix/>
+          </a:blip>
+          <a:srcRect t="4995" b="8054"/>
+          <a:stretch/>
+        </p:blipFill>
+        <p:spPr>
+          <a:xfrm>
+            <a:off x="618541" y="726141"/>
+            <a:ext cx="11063921" cy="5459505"/>
+          </a:xfrm>
+          <a:prstGeom prst="rect">
+            <a:avLst/>
+          </a:prstGeom>
+          <a:noFill/>
+          <a:ln>
+            <a:noFill/>
+          </a:ln>
+        </p:spPr>
+      </p:pic>
+    </p:spTree>
+  </p:cSld>
+  <p:clrMapOvr>
+    <a:masterClrMapping/>
+  </p:clrMapOvr>
+</p:sld>
+</file>
+
 <file path=ppt/theme/theme1.xml><?xml version="1.0" encoding="utf-8"?>
 <a:theme xmlns:a="http://schemas.openxmlformats.org/drawingml/2006/main" name="Office Theme">
   <a:themeElements>
@@ -3739,4 +12634,299 @@
     </a:ext>
   </a:extLst>
 </a:theme>
+</file>
+
+<file path=ppt/theme/theme2.xml><?xml version="1.0" encoding="utf-8"?>
+<a:theme xmlns:a="http://schemas.openxmlformats.org/drawingml/2006/main" name="Office Theme">
+  <a:themeElements>
+    <a:clrScheme name="Office">
+      <a:dk1>
+        <a:sysClr val="windowText" lastClr="000000"/>
+      </a:dk1>
+      <a:lt1>
+        <a:sysClr val="window" lastClr="FFFFFF"/>
+      </a:lt1>
+      <a:dk2>
+        <a:srgbClr val="44546A"/>
+      </a:dk2>
+      <a:lt2>
+        <a:srgbClr val="E7E6E6"/>
+      </a:lt2>
+      <a:accent1>
+        <a:srgbClr val="4472C4"/>
+      </a:accent1>
+      <a:accent2>
+        <a:srgbClr val="ED7D31"/>
+      </a:accent2>
+      <a:accent3>
+        <a:srgbClr val="A5A5A5"/>
+      </a:accent3>
+      <a:accent4>
+        <a:srgbClr val="FFC000"/>
+      </a:accent4>
+      <a:accent5>
+        <a:srgbClr val="5B9BD5"/>
+      </a:accent5>
+      <a:accent6>
+        <a:srgbClr val="70AD47"/>
+      </a:accent6>
+      <a:hlink>
+        <a:srgbClr val="0563C1"/>
+      </a:hlink>
+      <a:folHlink>
+        <a:srgbClr val="954F72"/>
+      </a:folHlink>
+    </a:clrScheme>
+    <a:fontScheme name="Office">
+      <a:majorFont>
+        <a:latin typeface="Calibri Light" panose="020F0302020204030204"/>
+        <a:ea typeface=""/>
+        <a:cs typeface=""/>
+        <a:font script="Jpan" typeface="游ゴシック Light"/>
+        <a:font script="Hang" typeface="맑은 고딕"/>
+        <a:font script="Hans" typeface="等线 Light"/>
+        <a:font script="Hant" typeface="新細明體"/>
+        <a:font script="Arab" typeface="Times New Roman"/>
+        <a:font script="Hebr" typeface="Times New Roman"/>
+        <a:font script="Thai" typeface="Angsana New"/>
+        <a:font script="Ethi" typeface="Nyala"/>
+        <a:font script="Beng" typeface="Vrinda"/>
+        <a:font script="Gujr" typeface="Shruti"/>
+        <a:font script="Khmr" typeface="MoolBoran"/>
+        <a:font script="Knda" typeface="Tunga"/>
+        <a:font script="Guru" typeface="Raavi"/>
+        <a:font script="Cans" typeface="Euphemia"/>
+        <a:font script="Cher" typeface="Plantagenet Cherokee"/>
+        <a:font script="Yiii" typeface="Microsoft Yi Baiti"/>
+        <a:font script="Tibt" typeface="Microsoft Himalaya"/>
+        <a:font script="Thaa" typeface="MV Boli"/>
+        <a:font script="Deva" typeface="Mangal"/>
+        <a:font script="Telu" typeface="Gautami"/>
+        <a:font script="Taml" typeface="Latha"/>
+        <a:font script="Syrc" typeface="Estrangelo Edessa"/>
+        <a:font script="Orya" typeface="Kalinga"/>
+        <a:font script="Mlym" typeface="Kartika"/>
+        <a:font script="Laoo" typeface="DokChampa"/>
+        <a:font script="Sinh" typeface="Iskoola Pota"/>
+        <a:font script="Mong" typeface="Mongolian Baiti"/>
+        <a:font script="Viet" typeface="Times New Roman"/>
+        <a:font script="Uigh" typeface="Microsoft Uighur"/>
+        <a:font script="Geor" typeface="Sylfaen"/>
+        <a:font script="Armn" typeface="Arial"/>
+        <a:font script="Bugi" typeface="Leelawadee UI"/>
+        <a:font script="Bopo" typeface="Microsoft JhengHei"/>
+        <a:font script="Java" typeface="Javanese Text"/>
+        <a:font script="Lisu" typeface="Segoe UI"/>
+        <a:font script="Mymr" typeface="Myanmar Text"/>
+        <a:font script="Nkoo" typeface="Ebrima"/>
+        <a:font script="Olck" typeface="Nirmala UI"/>
+        <a:font script="Osma" typeface="Ebrima"/>
+        <a:font script="Phag" typeface="Phagspa"/>
+        <a:font script="Syrn" typeface="Estrangelo Edessa"/>
+        <a:font script="Syrj" typeface="Estrangelo Edessa"/>
+        <a:font script="Syre" typeface="Estrangelo Edessa"/>
+        <a:font script="Sora" typeface="Nirmala UI"/>
+        <a:font script="Tale" typeface="Microsoft Tai Le"/>
+        <a:font script="Talu" typeface="Microsoft New Tai Lue"/>
+        <a:font script="Tfng" typeface="Ebrima"/>
+      </a:majorFont>
+      <a:minorFont>
+        <a:latin typeface="Calibri" panose="020F0502020204030204"/>
+        <a:ea typeface=""/>
+        <a:cs typeface=""/>
+        <a:font script="Jpan" typeface="游ゴシック"/>
+        <a:font script="Hang" typeface="맑은 고딕"/>
+        <a:font script="Hans" typeface="等线"/>
+        <a:font script="Hant" typeface="新細明體"/>
+        <a:font script="Arab" typeface="Arial"/>
+        <a:font script="Hebr" typeface="Arial"/>
+        <a:font script="Thai" typeface="Cordia New"/>
+        <a:font script="Ethi" typeface="Nyala"/>
+        <a:font script="Beng" typeface="Vrinda"/>
+        <a:font script="Gujr" typeface="Shruti"/>
+        <a:font script="Khmr" typeface="DaunPenh"/>
+        <a:font script="Knda" typeface="Tunga"/>
+        <a:font script="Guru" typeface="Raavi"/>
+        <a:font script="Cans" typeface="Euphemia"/>
+        <a:font script="Cher" typeface="Plantagenet Cherokee"/>
+        <a:font script="Yiii" typeface="Microsoft Yi Baiti"/>
+        <a:font script="Tibt" typeface="Microsoft Himalaya"/>
+        <a:font script="Thaa" typeface="MV Boli"/>
+        <a:font script="Deva" typeface="Mangal"/>
+        <a:font script="Telu" typeface="Gautami"/>
+        <a:font script="Taml" typeface="Latha"/>
+        <a:font script="Syrc" typeface="Estrangelo Edessa"/>
+        <a:font script="Orya" typeface="Kalinga"/>
+        <a:font script="Mlym" typeface="Kartika"/>
+        <a:font script="Laoo" typeface="DokChampa"/>
+        <a:font script="Sinh" typeface="Iskoola Pota"/>
+        <a:font script="Mong" typeface="Mongolian Baiti"/>
+        <a:font script="Viet" typeface="Arial"/>
+        <a:font script="Uigh" typeface="Microsoft Uighur"/>
+        <a:font script="Geor" typeface="Sylfaen"/>
+        <a:font script="Armn" typeface="Arial"/>
+        <a:font script="Bugi" typeface="Leelawadee UI"/>
+        <a:font script="Bopo" typeface="Microsoft JhengHei"/>
+        <a:font script="Java" typeface="Javanese Text"/>
+        <a:font script="Lisu" typeface="Segoe UI"/>
+        <a:font script="Mymr" typeface="Myanmar Text"/>
+        <a:font script="Nkoo" typeface="Ebrima"/>
+        <a:font script="Olck" typeface="Nirmala UI"/>
+        <a:font script="Osma" typeface="Ebrima"/>
+        <a:font script="Phag" typeface="Phagspa"/>
+        <a:font script="Syrn" typeface="Estrangelo Edessa"/>
+        <a:font script="Syrj" typeface="Estrangelo Edessa"/>
+        <a:font script="Syre" typeface="Estrangelo Edessa"/>
+        <a:font script="Sora" typeface="Nirmala UI"/>
+        <a:font script="Tale" typeface="Microsoft Tai Le"/>
+        <a:font script="Talu" typeface="Microsoft New Tai Lue"/>
+        <a:font script="Tfng" typeface="Ebrima"/>
+      </a:minorFont>
+    </a:fontScheme>
+    <a:fmtScheme name="Office">
+      <a:fillStyleLst>
+        <a:solidFill>
+          <a:schemeClr val="phClr"/>
+        </a:solidFill>
+        <a:gradFill rotWithShape="1">
+          <a:gsLst>
+            <a:gs pos="0">
+              <a:schemeClr val="phClr">
+                <a:lumMod val="110000"/>
+                <a:satMod val="105000"/>
+                <a:tint val="67000"/>
+              </a:schemeClr>
+            </a:gs>
+            <a:gs pos="50000">
+              <a:schemeClr val="phClr">
+                <a:lumMod val="105000"/>
+                <a:satMod val="103000"/>
+                <a:tint val="73000"/>
+              </a:schemeClr>
+            </a:gs>
+            <a:gs pos="100000">
+              <a:schemeClr val="phClr">
+                <a:lumMod val="105000"/>
+                <a:satMod val="109000"/>
+                <a:tint val="81000"/>
+              </a:schemeClr>
+            </a:gs>
+          </a:gsLst>
+          <a:lin ang="5400000" scaled="0"/>
+        </a:gradFill>
+        <a:gradFill rotWithShape="1">
+          <a:gsLst>
+            <a:gs pos="0">
+              <a:schemeClr val="phClr">
+                <a:satMod val="103000"/>
+                <a:lumMod val="102000"/>
+                <a:tint val="94000"/>
+              </a:schemeClr>
+            </a:gs>
+            <a:gs pos="50000">
+              <a:schemeClr val="phClr">
+                <a:satMod val="110000"/>
+                <a:lumMod val="100000"/>
+                <a:shade val="100000"/>
+              </a:schemeClr>
+            </a:gs>
+            <a:gs pos="100000">
+              <a:schemeClr val="phClr">
+                <a:lumMod val="99000"/>
+                <a:satMod val="120000"/>
+                <a:shade val="78000"/>
+              </a:schemeClr>
+            </a:gs>
+          </a:gsLst>
+          <a:lin ang="5400000" scaled="0"/>
+        </a:gradFill>
+      </a:fillStyleLst>
+      <a:lnStyleLst>
+        <a:ln w="6350" cap="flat" cmpd="sng" algn="ctr">
+          <a:solidFill>
+            <a:schemeClr val="phClr"/>
+          </a:solidFill>
+          <a:prstDash val="solid"/>
+          <a:miter lim="800000"/>
+        </a:ln>
+        <a:ln w="12700" cap="flat" cmpd="sng" algn="ctr">
+          <a:solidFill>
+            <a:schemeClr val="phClr"/>
+          </a:solidFill>
+          <a:prstDash val="solid"/>
+          <a:miter lim="800000"/>
+        </a:ln>
+        <a:ln w="19050" cap="flat" cmpd="sng" algn="ctr">
+          <a:solidFill>
+            <a:schemeClr val="phClr"/>
+          </a:solidFill>
+          <a:prstDash val="solid"/>
+          <a:miter lim="800000"/>
+        </a:ln>
+      </a:lnStyleLst>
+      <a:effectStyleLst>
+        <a:effectStyle>
+          <a:effectLst/>
+        </a:effectStyle>
+        <a:effectStyle>
+          <a:effectLst/>
+        </a:effectStyle>
+        <a:effectStyle>
+          <a:effectLst>
+            <a:outerShdw blurRad="57150" dist="19050" dir="5400000" algn="ctr" rotWithShape="0">
+              <a:srgbClr val="000000">
+                <a:alpha val="63000"/>
+              </a:srgbClr>
+            </a:outerShdw>
+          </a:effectLst>
+        </a:effectStyle>
+      </a:effectStyleLst>
+      <a:bgFillStyleLst>
+        <a:solidFill>
+          <a:schemeClr val="phClr"/>
+        </a:solidFill>
+        <a:solidFill>
+          <a:schemeClr val="phClr">
+            <a:tint val="95000"/>
+            <a:satMod val="170000"/>
+          </a:schemeClr>
+        </a:solidFill>
+        <a:gradFill rotWithShape="1">
+          <a:gsLst>
+            <a:gs pos="0">
+              <a:schemeClr val="phClr">
+                <a:tint val="93000"/>
+                <a:satMod val="150000"/>
+                <a:shade val="98000"/>
+                <a:lumMod val="102000"/>
+              </a:schemeClr>
+            </a:gs>
+            <a:gs pos="50000">
+              <a:schemeClr val="phClr">
+                <a:tint val="98000"/>
+                <a:satMod val="130000"/>
+                <a:shade val="90000"/>
+                <a:lumMod val="103000"/>
+              </a:schemeClr>
+            </a:gs>
+            <a:gs pos="100000">
+              <a:schemeClr val="phClr">
+                <a:shade val="63000"/>
+                <a:satMod val="120000"/>
+              </a:schemeClr>
+            </a:gs>
+          </a:gsLst>
+          <a:lin ang="5400000" scaled="0"/>
+        </a:gradFill>
+      </a:bgFillStyleLst>
+    </a:fmtScheme>
+  </a:themeElements>
+  <a:objectDefaults/>
+  <a:extraClrSchemeLst/>
+  <a:extLst>
+    <a:ext uri="{05A4C25C-085E-4340-85A3-A5531E510DB2}">
+      <thm15:themeFamily xmlns:thm15="http://schemas.microsoft.com/office/thememl/2012/main" name="Office Theme" id="{62F939B6-93AF-4DB8-9C6B-D6C7DFDC589F}" vid="{4A3C46E8-61CC-4603-A589-7422A47A8E4A}"/>
+    </a:ext>
+  </a:extLst>
+</a:theme>
 </file>
--- a/main.pptx
+++ b/main.pptx
@@ -5,15 +5,16 @@
     <p:sldMasterId id="2147483648" r:id="rId1"/>
   </p:sldMasterIdLst>
   <p:notesMasterIdLst>
-    <p:notesMasterId r:id="rId8"/>
+    <p:notesMasterId r:id="rId9"/>
   </p:notesMasterIdLst>
   <p:sldIdLst>
     <p:sldId id="256" r:id="rId2"/>
     <p:sldId id="257" r:id="rId3"/>
     <p:sldId id="258" r:id="rId4"/>
-    <p:sldId id="277" r:id="rId5"/>
-    <p:sldId id="264" r:id="rId6"/>
-    <p:sldId id="274" r:id="rId7"/>
+    <p:sldId id="275" r:id="rId5"/>
+    <p:sldId id="277" r:id="rId6"/>
+    <p:sldId id="264" r:id="rId7"/>
+    <p:sldId id="274" r:id="rId8"/>
   </p:sldIdLst>
   <p:sldSz cx="12192000" cy="6858000"/>
   <p:notesSz cx="6858000" cy="9144000"/>
@@ -948,6 +949,149 @@
     </p:spTree>
     <p:extLst>
       <p:ext uri="{BB962C8B-B14F-4D97-AF65-F5344CB8AC3E}">
+        <p14:creationId xmlns:p14="http://schemas.microsoft.com/office/powerpoint/2010/main" val="2702070802"/>
+      </p:ext>
+    </p:extLst>
+  </p:cSld>
+  <p:clrMapOvr>
+    <a:masterClrMapping/>
+  </p:clrMapOvr>
+</p:notes>
+</file>
+
+<file path=ppt/notesSlides/notesSlide4.xml><?xml version="1.0" encoding="utf-8"?>
+<p:notes xmlns:a="http://schemas.openxmlformats.org/drawingml/2006/main" xmlns:r="http://schemas.openxmlformats.org/officeDocument/2006/relationships" xmlns:p="http://schemas.openxmlformats.org/presentationml/2006/main" showMasterSp="0" showMasterPhAnim="0">
+  <p:cSld>
+    <p:spTree>
+      <p:nvGrpSpPr>
+        <p:cNvPr id="1" name="Shape 192"/>
+        <p:cNvGrpSpPr/>
+        <p:nvPr/>
+      </p:nvGrpSpPr>
+      <p:grpSpPr>
+        <a:xfrm>
+          <a:off x="0" y="0"/>
+          <a:ext cx="0" cy="0"/>
+          <a:chOff x="0" y="0"/>
+          <a:chExt cx="0" cy="0"/>
+        </a:xfrm>
+      </p:grpSpPr>
+      <p:sp>
+        <p:nvSpPr>
+          <p:cNvPr id="193" name="Google Shape;193;p3:notes"/>
+          <p:cNvSpPr>
+            <a:spLocks noGrp="1" noRot="1" noChangeAspect="1"/>
+          </p:cNvSpPr>
+          <p:nvPr>
+            <p:ph type="sldImg" idx="2"/>
+          </p:nvPr>
+        </p:nvSpPr>
+        <p:spPr>
+          <a:xfrm>
+            <a:off x="381000" y="685800"/>
+            <a:ext cx="6096000" cy="3429000"/>
+          </a:xfrm>
+          <a:custGeom>
+            <a:avLst/>
+            <a:gdLst/>
+            <a:ahLst/>
+            <a:cxnLst/>
+            <a:rect l="l" t="t" r="r" b="b"/>
+            <a:pathLst>
+              <a:path w="120000" h="120000" extrusionOk="0">
+                <a:moveTo>
+                  <a:pt x="0" y="0"/>
+                </a:moveTo>
+                <a:lnTo>
+                  <a:pt x="120000" y="0"/>
+                </a:lnTo>
+                <a:lnTo>
+                  <a:pt x="120000" y="120000"/>
+                </a:lnTo>
+                <a:lnTo>
+                  <a:pt x="0" y="120000"/>
+                </a:lnTo>
+                <a:close/>
+              </a:path>
+            </a:pathLst>
+          </a:custGeom>
+          <a:noFill/>
+          <a:ln w="12700" cap="flat" cmpd="sng">
+            <a:solidFill>
+              <a:srgbClr val="000000"/>
+            </a:solidFill>
+            <a:prstDash val="solid"/>
+            <a:round/>
+            <a:headEnd type="none" w="sm" len="sm"/>
+            <a:tailEnd type="none" w="sm" len="sm"/>
+          </a:ln>
+        </p:spPr>
+      </p:sp>
+      <p:sp>
+        <p:nvSpPr>
+          <p:cNvPr id="194" name="Google Shape;194;p3:notes"/>
+          <p:cNvSpPr txBox="1">
+            <a:spLocks noGrp="1"/>
+          </p:cNvSpPr>
+          <p:nvPr>
+            <p:ph type="body" idx="1"/>
+          </p:nvPr>
+        </p:nvSpPr>
+        <p:spPr>
+          <a:xfrm>
+            <a:off x="685800" y="4343400"/>
+            <a:ext cx="5486400" cy="4114800"/>
+          </a:xfrm>
+          <a:prstGeom prst="rect">
+            <a:avLst/>
+          </a:prstGeom>
+          <a:noFill/>
+          <a:ln>
+            <a:noFill/>
+          </a:ln>
+        </p:spPr>
+        <p:txBody>
+          <a:bodyPr spcFirstLastPara="1" wrap="square" lIns="91425" tIns="91425" rIns="91425" bIns="91425" anchor="t" anchorCtr="0">
+            <a:noAutofit/>
+          </a:bodyPr>
+          <a:lstStyle/>
+          <a:p>
+            <a:pPr marL="0" lvl="0" indent="0" algn="l" rtl="0">
+              <a:lnSpc>
+                <a:spcPct val="115000"/>
+              </a:lnSpc>
+              <a:spcBef>
+                <a:spcPts val="1200"/>
+              </a:spcBef>
+              <a:spcAft>
+                <a:spcPts val="1200"/>
+              </a:spcAft>
+              <a:buClr>
+                <a:schemeClr val="dk1"/>
+              </a:buClr>
+              <a:buSzPts val="1100"/>
+              <a:buFont typeface="Arial"/>
+              <a:buNone/>
+            </a:pPr>
+            <a:r>
+              <a:rPr lang="fr-FR" sz="1800">
+                <a:solidFill>
+                  <a:srgbClr val="0000FF"/>
+                </a:solidFill>
+                <a:latin typeface="Arial"/>
+                <a:ea typeface="Arial"/>
+                <a:cs typeface="Arial"/>
+                <a:sym typeface="Arial"/>
+              </a:rPr>
+              <a:t>Annotate is our AI powered contouring tool, it has been in clinical use since 2019. We currently offer 150+ structures comprising OARS and Lymph nodes for both CT and over 70 structures for MR. Including our most recent release of CT substructures of the heart and SBRT Thorax. It takes up to 4 minutes for contours to be completed. Annotate is a robust solution that is completely plug and play. As soon as you have it installed you can take advantage of the expert contours without having to provide any training data.</a:t>
+            </a:r>
+            <a:endParaRPr sz="1800"/>
+          </a:p>
+        </p:txBody>
+      </p:sp>
+    </p:spTree>
+    <p:extLst>
+      <p:ext uri="{BB962C8B-B14F-4D97-AF65-F5344CB8AC3E}">
         <p14:creationId xmlns:p14="http://schemas.microsoft.com/office/powerpoint/2010/main" val="1808066577"/>
       </p:ext>
     </p:extLst>
@@ -958,7 +1102,7 @@
 </p:notes>
 </file>
 
-<file path=ppt/notesSlides/notesSlide4.xml><?xml version="1.0" encoding="utf-8"?>
+<file path=ppt/notesSlides/notesSlide5.xml><?xml version="1.0" encoding="utf-8"?>
 <p:notes xmlns:a="http://schemas.openxmlformats.org/drawingml/2006/main" xmlns:r="http://schemas.openxmlformats.org/officeDocument/2006/relationships" xmlns:p="http://schemas.openxmlformats.org/presentationml/2006/main" showMasterSp="0" showMasterPhAnim="0">
   <p:cSld>
     <p:spTree>
@@ -1136,7 +1280,7 @@
 </p:notes>
 </file>
 
-<file path=ppt/notesSlides/notesSlide5.xml><?xml version="1.0" encoding="utf-8"?>
+<file path=ppt/notesSlides/notesSlide6.xml><?xml version="1.0" encoding="utf-8"?>
 <p:notes xmlns:a="http://schemas.openxmlformats.org/drawingml/2006/main" xmlns:r="http://schemas.openxmlformats.org/officeDocument/2006/relationships" xmlns:p="http://schemas.openxmlformats.org/presentationml/2006/main" showMasterSp="0" showMasterPhAnim="0">
   <p:cSld>
     <p:spTree>
@@ -10868,6 +11012,194 @@
       </p:grpSpPr>
       <p:sp>
         <p:nvSpPr>
+          <p:cNvPr id="198" name="Google Shape;198;p3"/>
+          <p:cNvSpPr txBox="1"/>
+          <p:nvPr/>
+        </p:nvSpPr>
+        <p:spPr>
+          <a:xfrm>
+            <a:off x="1" y="377574"/>
+            <a:ext cx="12191999" cy="726732"/>
+          </a:xfrm>
+          <a:prstGeom prst="rect">
+            <a:avLst/>
+          </a:prstGeom>
+          <a:noFill/>
+          <a:ln>
+            <a:noFill/>
+          </a:ln>
+        </p:spPr>
+        <p:txBody>
+          <a:bodyPr spcFirstLastPara="1" wrap="square" lIns="121900" tIns="121900" rIns="121900" bIns="121900" anchor="t" anchorCtr="0">
+            <a:noAutofit/>
+          </a:bodyPr>
+          <a:lstStyle/>
+          <a:p>
+            <a:pPr marL="0" marR="0" lvl="0" indent="0" algn="ctr" rtl="0">
+              <a:lnSpc>
+                <a:spcPct val="100000"/>
+              </a:lnSpc>
+              <a:spcBef>
+                <a:spcPts val="0"/>
+              </a:spcBef>
+              <a:spcAft>
+                <a:spcPts val="0"/>
+              </a:spcAft>
+              <a:buClr>
+                <a:schemeClr val="dk2"/>
+              </a:buClr>
+              <a:buSzPts val="2400"/>
+              <a:buFont typeface="Exo 2"/>
+              <a:buNone/>
+            </a:pPr>
+            <a:r>
+              <a:rPr lang="fr-FR" sz="4267" b="1" i="0" u="none" strike="noStrike" cap="none" dirty="0">
+                <a:solidFill>
+                  <a:schemeClr val="lt2"/>
+                </a:solidFill>
+                <a:latin typeface="Exo 2"/>
+                <a:ea typeface="Exo 2"/>
+                <a:cs typeface="Exo 2"/>
+                <a:sym typeface="Exo 2"/>
+              </a:rPr>
+              <a:t>Annotation</a:t>
+            </a:r>
+            <a:endParaRPr sz="1400" b="0" i="0" u="none" strike="noStrike" cap="none" dirty="0">
+              <a:solidFill>
+                <a:srgbClr val="000000"/>
+              </a:solidFill>
+              <a:latin typeface="Arial"/>
+              <a:ea typeface="Arial"/>
+              <a:cs typeface="Arial"/>
+              <a:sym typeface="Arial"/>
+            </a:endParaRPr>
+          </a:p>
+        </p:txBody>
+      </p:sp>
+      <p:pic>
+        <p:nvPicPr>
+          <p:cNvPr id="202" name="Google Shape;202;p3"/>
+          <p:cNvPicPr preferRelativeResize="0"/>
+          <p:nvPr/>
+        </p:nvPicPr>
+        <p:blipFill rotWithShape="1">
+          <a:blip r:embed="rId3">
+            <a:alphaModFix/>
+          </a:blip>
+          <a:srcRect t="29380" b="29381"/>
+          <a:stretch/>
+        </p:blipFill>
+        <p:spPr>
+          <a:xfrm>
+            <a:off x="10182759" y="5979560"/>
+            <a:ext cx="1762198" cy="726732"/>
+          </a:xfrm>
+          <a:prstGeom prst="rect">
+            <a:avLst/>
+          </a:prstGeom>
+          <a:noFill/>
+          <a:ln>
+            <a:noFill/>
+          </a:ln>
+        </p:spPr>
+      </p:pic>
+      <p:pic>
+        <p:nvPicPr>
+          <p:cNvPr id="7" name="Picture 6">
+            <a:extLst>
+              <a:ext uri="{FF2B5EF4-FFF2-40B4-BE49-F238E27FC236}">
+                <a16:creationId xmlns:a16="http://schemas.microsoft.com/office/drawing/2014/main" id="{94056523-D195-EDB7-2D97-96D562B35D6F}"/>
+              </a:ext>
+            </a:extLst>
+          </p:cNvPr>
+          <p:cNvPicPr>
+            <a:picLocks noChangeAspect="1"/>
+          </p:cNvPicPr>
+          <p:nvPr/>
+        </p:nvPicPr>
+        <p:blipFill>
+          <a:blip r:embed="rId4"/>
+          <a:stretch>
+            <a:fillRect/>
+          </a:stretch>
+        </p:blipFill>
+        <p:spPr>
+          <a:xfrm>
+            <a:off x="1129677" y="1514475"/>
+            <a:ext cx="3271164" cy="4965951"/>
+          </a:xfrm>
+          <a:prstGeom prst="rect">
+            <a:avLst/>
+          </a:prstGeom>
+        </p:spPr>
+      </p:pic>
+      <p:pic>
+        <p:nvPicPr>
+          <p:cNvPr id="9" name="Picture 8" descr="A close-up of a ct scan&#10;&#10;Description automatically generated with low confidence">
+            <a:extLst>
+              <a:ext uri="{FF2B5EF4-FFF2-40B4-BE49-F238E27FC236}">
+                <a16:creationId xmlns:a16="http://schemas.microsoft.com/office/drawing/2014/main" id="{A77A6A6A-C73A-2A5A-ADD1-6AF53C4F118C}"/>
+              </a:ext>
+            </a:extLst>
+          </p:cNvPr>
+          <p:cNvPicPr>
+            <a:picLocks noChangeAspect="1"/>
+          </p:cNvPicPr>
+          <p:nvPr/>
+        </p:nvPicPr>
+        <p:blipFill rotWithShape="1">
+          <a:blip r:embed="rId5">
+            <a:extLst>
+              <a:ext uri="{28A0092B-C50C-407E-A947-70E740481C1C}">
+                <a14:useLocalDpi xmlns:a14="http://schemas.microsoft.com/office/drawing/2010/main" val="0"/>
+              </a:ext>
+            </a:extLst>
+          </a:blip>
+          <a:srcRect l="5185" t="22223" r="3056" b="21035"/>
+          <a:stretch/>
+        </p:blipFill>
+        <p:spPr>
+          <a:xfrm>
+            <a:off x="4700625" y="2373896"/>
+            <a:ext cx="7244332" cy="2986508"/>
+          </a:xfrm>
+          <a:prstGeom prst="rect">
+            <a:avLst/>
+          </a:prstGeom>
+        </p:spPr>
+      </p:pic>
+    </p:spTree>
+    <p:extLst>
+      <p:ext uri="{BB962C8B-B14F-4D97-AF65-F5344CB8AC3E}">
+        <p14:creationId xmlns:p14="http://schemas.microsoft.com/office/powerpoint/2010/main" val="1210952469"/>
+      </p:ext>
+    </p:extLst>
+  </p:cSld>
+  <p:clrMapOvr>
+    <a:masterClrMapping/>
+  </p:clrMapOvr>
+</p:sld>
+</file>
+
+<file path=ppt/slides/slide5.xml><?xml version="1.0" encoding="utf-8"?>
+<p:sld xmlns:a="http://schemas.openxmlformats.org/drawingml/2006/main" xmlns:r="http://schemas.openxmlformats.org/officeDocument/2006/relationships" xmlns:p="http://schemas.openxmlformats.org/presentationml/2006/main">
+  <p:cSld>
+    <p:spTree>
+      <p:nvGrpSpPr>
+        <p:cNvPr id="1" name="Shape 195"/>
+        <p:cNvGrpSpPr/>
+        <p:nvPr/>
+      </p:nvGrpSpPr>
+      <p:grpSpPr>
+        <a:xfrm>
+          <a:off x="0" y="0"/>
+          <a:ext cx="0" cy="0"/>
+          <a:chOff x="0" y="0"/>
+          <a:chExt cx="0" cy="0"/>
+        </a:xfrm>
+      </p:grpSpPr>
+      <p:sp>
+        <p:nvSpPr>
           <p:cNvPr id="196" name="Google Shape;196;p3"/>
           <p:cNvSpPr txBox="1"/>
           <p:nvPr/>
@@ -11543,7 +11875,7 @@
 </p:sld>
 </file>
 
-<file path=ppt/slides/slide5.xml><?xml version="1.0" encoding="utf-8"?>
+<file path=ppt/slides/slide6.xml><?xml version="1.0" encoding="utf-8"?>
 <p:sld xmlns:a="http://schemas.openxmlformats.org/drawingml/2006/main" xmlns:r="http://schemas.openxmlformats.org/officeDocument/2006/relationships" xmlns:p="http://schemas.openxmlformats.org/presentationml/2006/main">
   <p:cSld>
     <p:spTree>
@@ -12289,7 +12621,7 @@
 </p:sld>
 </file>
 
-<file path=ppt/slides/slide6.xml><?xml version="1.0" encoding="utf-8"?>
+<file path=ppt/slides/slide7.xml><?xml version="1.0" encoding="utf-8"?>
 <p:sld xmlns:a="http://schemas.openxmlformats.org/drawingml/2006/main" xmlns:r="http://schemas.openxmlformats.org/officeDocument/2006/relationships" xmlns:p="http://schemas.openxmlformats.org/presentationml/2006/main">
   <p:cSld>
     <p:spTree>
